--- a/presentation.pptx
+++ b/presentation.pptx
@@ -5,7 +5,7 @@
     <p:sldMasterId id="2147483837" r:id="rId1"/>
   </p:sldMasterIdLst>
   <p:notesMasterIdLst>
-    <p:notesMasterId r:id="rId7"/>
+    <p:notesMasterId r:id="rId14"/>
   </p:notesMasterIdLst>
   <p:sldIdLst>
     <p:sldId id="256" r:id="rId2"/>
@@ -13,6 +13,13 @@
     <p:sldId id="262" r:id="rId4"/>
     <p:sldId id="263" r:id="rId5"/>
     <p:sldId id="264" r:id="rId6"/>
+    <p:sldId id="265" r:id="rId7"/>
+    <p:sldId id="266" r:id="rId8"/>
+    <p:sldId id="268" r:id="rId9"/>
+    <p:sldId id="269" r:id="rId10"/>
+    <p:sldId id="267" r:id="rId11"/>
+    <p:sldId id="270" r:id="rId12"/>
+    <p:sldId id="271" r:id="rId13"/>
   </p:sldIdLst>
   <p:sldSz cx="9144000" cy="6858000" type="screen4x3"/>
   <p:notesSz cx="6858000" cy="9144000"/>
@@ -560,6 +567,190 @@
 </p:notes>
 </file>
 
+<file path=ppt/notesSlides/notesSlide10.xml><?xml version="1.0" encoding="utf-8"?>
+<p:notes xmlns:a="http://schemas.openxmlformats.org/drawingml/2006/main" xmlns:r="http://schemas.openxmlformats.org/officeDocument/2006/relationships" xmlns:p="http://schemas.openxmlformats.org/presentationml/2006/main">
+  <p:cSld>
+    <p:spTree>
+      <p:nvGrpSpPr>
+        <p:cNvPr id="1" name=""/>
+        <p:cNvGrpSpPr/>
+        <p:nvPr/>
+      </p:nvGrpSpPr>
+      <p:grpSpPr>
+        <a:xfrm>
+          <a:off x="0" y="0"/>
+          <a:ext cx="0" cy="0"/>
+          <a:chOff x="0" y="0"/>
+          <a:chExt cx="0" cy="0"/>
+        </a:xfrm>
+      </p:grpSpPr>
+      <p:sp>
+        <p:nvSpPr>
+          <p:cNvPr id="2" name="Slide Image Placeholder 1"/>
+          <p:cNvSpPr>
+            <a:spLocks noGrp="1" noRot="1" noChangeAspect="1"/>
+          </p:cNvSpPr>
+          <p:nvPr>
+            <p:ph type="sldImg"/>
+          </p:nvPr>
+        </p:nvSpPr>
+        <p:spPr/>
+      </p:sp>
+      <p:sp>
+        <p:nvSpPr>
+          <p:cNvPr id="3" name="Notes Placeholder 2"/>
+          <p:cNvSpPr>
+            <a:spLocks noGrp="1"/>
+          </p:cNvSpPr>
+          <p:nvPr>
+            <p:ph type="body" idx="1"/>
+          </p:nvPr>
+        </p:nvSpPr>
+        <p:spPr/>
+        <p:txBody>
+          <a:bodyPr/>
+          <a:lstStyle/>
+          <a:p>
+            <a:r>
+              <a:rPr lang="en-US" dirty="0" smtClean="0"/>
+              <a:t>Talk</a:t>
+            </a:r>
+            <a:r>
+              <a:rPr lang="en-US" baseline="0" dirty="0" smtClean="0"/>
+              <a:t> about attributes</a:t>
+            </a:r>
+            <a:endParaRPr lang="en-US" dirty="0"/>
+          </a:p>
+        </p:txBody>
+      </p:sp>
+      <p:sp>
+        <p:nvSpPr>
+          <p:cNvPr id="4" name="Slide Number Placeholder 3"/>
+          <p:cNvSpPr>
+            <a:spLocks noGrp="1"/>
+          </p:cNvSpPr>
+          <p:nvPr>
+            <p:ph type="sldNum" sz="quarter" idx="10"/>
+          </p:nvPr>
+        </p:nvSpPr>
+        <p:spPr/>
+        <p:txBody>
+          <a:bodyPr/>
+          <a:lstStyle/>
+          <a:p>
+            <a:fld id="{14FDEFAB-362E-6346-9103-5175FA327C56}" type="slidenum">
+              <a:rPr lang="en-US" smtClean="0"/>
+              <a:t>11</a:t>
+            </a:fld>
+            <a:endParaRPr lang="en-US"/>
+          </a:p>
+        </p:txBody>
+      </p:sp>
+    </p:spTree>
+    <p:extLst>
+      <p:ext uri="{BB962C8B-B14F-4D97-AF65-F5344CB8AC3E}">
+        <p14:creationId xmlns:p14="http://schemas.microsoft.com/office/powerpoint/2010/main" val="1271548297"/>
+      </p:ext>
+    </p:extLst>
+  </p:cSld>
+  <p:clrMapOvr>
+    <a:masterClrMapping/>
+  </p:clrMapOvr>
+</p:notes>
+</file>
+
+<file path=ppt/notesSlides/notesSlide11.xml><?xml version="1.0" encoding="utf-8"?>
+<p:notes xmlns:a="http://schemas.openxmlformats.org/drawingml/2006/main" xmlns:r="http://schemas.openxmlformats.org/officeDocument/2006/relationships" xmlns:p="http://schemas.openxmlformats.org/presentationml/2006/main">
+  <p:cSld>
+    <p:spTree>
+      <p:nvGrpSpPr>
+        <p:cNvPr id="1" name=""/>
+        <p:cNvGrpSpPr/>
+        <p:nvPr/>
+      </p:nvGrpSpPr>
+      <p:grpSpPr>
+        <a:xfrm>
+          <a:off x="0" y="0"/>
+          <a:ext cx="0" cy="0"/>
+          <a:chOff x="0" y="0"/>
+          <a:chExt cx="0" cy="0"/>
+        </a:xfrm>
+      </p:grpSpPr>
+      <p:sp>
+        <p:nvSpPr>
+          <p:cNvPr id="2" name="Slide Image Placeholder 1"/>
+          <p:cNvSpPr>
+            <a:spLocks noGrp="1" noRot="1" noChangeAspect="1"/>
+          </p:cNvSpPr>
+          <p:nvPr>
+            <p:ph type="sldImg"/>
+          </p:nvPr>
+        </p:nvSpPr>
+        <p:spPr/>
+      </p:sp>
+      <p:sp>
+        <p:nvSpPr>
+          <p:cNvPr id="3" name="Notes Placeholder 2"/>
+          <p:cNvSpPr>
+            <a:spLocks noGrp="1"/>
+          </p:cNvSpPr>
+          <p:nvPr>
+            <p:ph type="body" idx="1"/>
+          </p:nvPr>
+        </p:nvSpPr>
+        <p:spPr/>
+        <p:txBody>
+          <a:bodyPr/>
+          <a:lstStyle/>
+          <a:p>
+            <a:r>
+              <a:rPr lang="en-US" dirty="0" smtClean="0"/>
+              <a:t>Talk</a:t>
+            </a:r>
+            <a:r>
+              <a:rPr lang="en-US" baseline="0" dirty="0" smtClean="0"/>
+              <a:t> about attributes</a:t>
+            </a:r>
+            <a:endParaRPr lang="en-US" dirty="0"/>
+          </a:p>
+        </p:txBody>
+      </p:sp>
+      <p:sp>
+        <p:nvSpPr>
+          <p:cNvPr id="4" name="Slide Number Placeholder 3"/>
+          <p:cNvSpPr>
+            <a:spLocks noGrp="1"/>
+          </p:cNvSpPr>
+          <p:nvPr>
+            <p:ph type="sldNum" sz="quarter" idx="10"/>
+          </p:nvPr>
+        </p:nvSpPr>
+        <p:spPr/>
+        <p:txBody>
+          <a:bodyPr/>
+          <a:lstStyle/>
+          <a:p>
+            <a:fld id="{14FDEFAB-362E-6346-9103-5175FA327C56}" type="slidenum">
+              <a:rPr lang="en-US" smtClean="0"/>
+              <a:t>12</a:t>
+            </a:fld>
+            <a:endParaRPr lang="en-US"/>
+          </a:p>
+        </p:txBody>
+      </p:sp>
+    </p:spTree>
+    <p:extLst>
+      <p:ext uri="{BB962C8B-B14F-4D97-AF65-F5344CB8AC3E}">
+        <p14:creationId xmlns:p14="http://schemas.microsoft.com/office/powerpoint/2010/main" val="1271548297"/>
+      </p:ext>
+    </p:extLst>
+  </p:cSld>
+  <p:clrMapOvr>
+    <a:masterClrMapping/>
+  </p:clrMapOvr>
+</p:notes>
+</file>
+
 <file path=ppt/notesSlides/notesSlide2.xml><?xml version="1.0" encoding="utf-8"?>
 <p:notes xmlns:a="http://schemas.openxmlformats.org/drawingml/2006/main" xmlns:r="http://schemas.openxmlformats.org/officeDocument/2006/relationships" xmlns:p="http://schemas.openxmlformats.org/presentationml/2006/main">
   <p:cSld>
@@ -797,16 +988,12 @@
           <a:lstStyle/>
           <a:p>
             <a:r>
-              <a:rPr lang="en-US" dirty="0" err="1" smtClean="0"/>
-              <a:t>Adzuna</a:t>
-            </a:r>
-            <a:r>
               <a:rPr lang="en-US" dirty="0" smtClean="0"/>
-              <a:t> is UK</a:t>
+              <a:t>Talk</a:t>
             </a:r>
             <a:r>
               <a:rPr lang="en-US" baseline="0" dirty="0" smtClean="0"/>
-              <a:t> based advertisement aggregator</a:t>
+              <a:t> about attributes</a:t>
             </a:r>
             <a:endParaRPr lang="en-US" dirty="0"/>
           </a:p>
@@ -830,6 +1017,466 @@
             <a:fld id="{14FDEFAB-362E-6346-9103-5175FA327C56}" type="slidenum">
               <a:rPr lang="en-US" smtClean="0"/>
               <a:t>5</a:t>
+            </a:fld>
+            <a:endParaRPr lang="en-US"/>
+          </a:p>
+        </p:txBody>
+      </p:sp>
+    </p:spTree>
+    <p:extLst>
+      <p:ext uri="{BB962C8B-B14F-4D97-AF65-F5344CB8AC3E}">
+        <p14:creationId xmlns:p14="http://schemas.microsoft.com/office/powerpoint/2010/main" val="1271548297"/>
+      </p:ext>
+    </p:extLst>
+  </p:cSld>
+  <p:clrMapOvr>
+    <a:masterClrMapping/>
+  </p:clrMapOvr>
+</p:notes>
+</file>
+
+<file path=ppt/notesSlides/notesSlide5.xml><?xml version="1.0" encoding="utf-8"?>
+<p:notes xmlns:a="http://schemas.openxmlformats.org/drawingml/2006/main" xmlns:r="http://schemas.openxmlformats.org/officeDocument/2006/relationships" xmlns:p="http://schemas.openxmlformats.org/presentationml/2006/main">
+  <p:cSld>
+    <p:spTree>
+      <p:nvGrpSpPr>
+        <p:cNvPr id="1" name=""/>
+        <p:cNvGrpSpPr/>
+        <p:nvPr/>
+      </p:nvGrpSpPr>
+      <p:grpSpPr>
+        <a:xfrm>
+          <a:off x="0" y="0"/>
+          <a:ext cx="0" cy="0"/>
+          <a:chOff x="0" y="0"/>
+          <a:chExt cx="0" cy="0"/>
+        </a:xfrm>
+      </p:grpSpPr>
+      <p:sp>
+        <p:nvSpPr>
+          <p:cNvPr id="2" name="Slide Image Placeholder 1"/>
+          <p:cNvSpPr>
+            <a:spLocks noGrp="1" noRot="1" noChangeAspect="1"/>
+          </p:cNvSpPr>
+          <p:nvPr>
+            <p:ph type="sldImg"/>
+          </p:nvPr>
+        </p:nvSpPr>
+        <p:spPr/>
+      </p:sp>
+      <p:sp>
+        <p:nvSpPr>
+          <p:cNvPr id="3" name="Notes Placeholder 2"/>
+          <p:cNvSpPr>
+            <a:spLocks noGrp="1"/>
+          </p:cNvSpPr>
+          <p:nvPr>
+            <p:ph type="body" idx="1"/>
+          </p:nvPr>
+        </p:nvSpPr>
+        <p:spPr/>
+        <p:txBody>
+          <a:bodyPr/>
+          <a:lstStyle/>
+          <a:p>
+            <a:r>
+              <a:rPr lang="en-US" dirty="0" smtClean="0"/>
+              <a:t>Talk</a:t>
+            </a:r>
+            <a:r>
+              <a:rPr lang="en-US" baseline="0" dirty="0" smtClean="0"/>
+              <a:t> about attributes</a:t>
+            </a:r>
+            <a:endParaRPr lang="en-US" dirty="0"/>
+          </a:p>
+        </p:txBody>
+      </p:sp>
+      <p:sp>
+        <p:nvSpPr>
+          <p:cNvPr id="4" name="Slide Number Placeholder 3"/>
+          <p:cNvSpPr>
+            <a:spLocks noGrp="1"/>
+          </p:cNvSpPr>
+          <p:nvPr>
+            <p:ph type="sldNum" sz="quarter" idx="10"/>
+          </p:nvPr>
+        </p:nvSpPr>
+        <p:spPr/>
+        <p:txBody>
+          <a:bodyPr/>
+          <a:lstStyle/>
+          <a:p>
+            <a:fld id="{14FDEFAB-362E-6346-9103-5175FA327C56}" type="slidenum">
+              <a:rPr lang="en-US" smtClean="0"/>
+              <a:t>6</a:t>
+            </a:fld>
+            <a:endParaRPr lang="en-US"/>
+          </a:p>
+        </p:txBody>
+      </p:sp>
+    </p:spTree>
+    <p:extLst>
+      <p:ext uri="{BB962C8B-B14F-4D97-AF65-F5344CB8AC3E}">
+        <p14:creationId xmlns:p14="http://schemas.microsoft.com/office/powerpoint/2010/main" val="1271548297"/>
+      </p:ext>
+    </p:extLst>
+  </p:cSld>
+  <p:clrMapOvr>
+    <a:masterClrMapping/>
+  </p:clrMapOvr>
+</p:notes>
+</file>
+
+<file path=ppt/notesSlides/notesSlide6.xml><?xml version="1.0" encoding="utf-8"?>
+<p:notes xmlns:a="http://schemas.openxmlformats.org/drawingml/2006/main" xmlns:r="http://schemas.openxmlformats.org/officeDocument/2006/relationships" xmlns:p="http://schemas.openxmlformats.org/presentationml/2006/main">
+  <p:cSld>
+    <p:spTree>
+      <p:nvGrpSpPr>
+        <p:cNvPr id="1" name=""/>
+        <p:cNvGrpSpPr/>
+        <p:nvPr/>
+      </p:nvGrpSpPr>
+      <p:grpSpPr>
+        <a:xfrm>
+          <a:off x="0" y="0"/>
+          <a:ext cx="0" cy="0"/>
+          <a:chOff x="0" y="0"/>
+          <a:chExt cx="0" cy="0"/>
+        </a:xfrm>
+      </p:grpSpPr>
+      <p:sp>
+        <p:nvSpPr>
+          <p:cNvPr id="2" name="Slide Image Placeholder 1"/>
+          <p:cNvSpPr>
+            <a:spLocks noGrp="1" noRot="1" noChangeAspect="1"/>
+          </p:cNvSpPr>
+          <p:nvPr>
+            <p:ph type="sldImg"/>
+          </p:nvPr>
+        </p:nvSpPr>
+        <p:spPr/>
+      </p:sp>
+      <p:sp>
+        <p:nvSpPr>
+          <p:cNvPr id="3" name="Notes Placeholder 2"/>
+          <p:cNvSpPr>
+            <a:spLocks noGrp="1"/>
+          </p:cNvSpPr>
+          <p:nvPr>
+            <p:ph type="body" idx="1"/>
+          </p:nvPr>
+        </p:nvSpPr>
+        <p:spPr/>
+        <p:txBody>
+          <a:bodyPr/>
+          <a:lstStyle/>
+          <a:p>
+            <a:r>
+              <a:rPr lang="en-US" dirty="0" smtClean="0"/>
+              <a:t>Talk</a:t>
+            </a:r>
+            <a:r>
+              <a:rPr lang="en-US" baseline="0" dirty="0" smtClean="0"/>
+              <a:t> about attributes</a:t>
+            </a:r>
+            <a:endParaRPr lang="en-US" dirty="0"/>
+          </a:p>
+        </p:txBody>
+      </p:sp>
+      <p:sp>
+        <p:nvSpPr>
+          <p:cNvPr id="4" name="Slide Number Placeholder 3"/>
+          <p:cNvSpPr>
+            <a:spLocks noGrp="1"/>
+          </p:cNvSpPr>
+          <p:nvPr>
+            <p:ph type="sldNum" sz="quarter" idx="10"/>
+          </p:nvPr>
+        </p:nvSpPr>
+        <p:spPr/>
+        <p:txBody>
+          <a:bodyPr/>
+          <a:lstStyle/>
+          <a:p>
+            <a:fld id="{14FDEFAB-362E-6346-9103-5175FA327C56}" type="slidenum">
+              <a:rPr lang="en-US" smtClean="0"/>
+              <a:t>7</a:t>
+            </a:fld>
+            <a:endParaRPr lang="en-US"/>
+          </a:p>
+        </p:txBody>
+      </p:sp>
+    </p:spTree>
+    <p:extLst>
+      <p:ext uri="{BB962C8B-B14F-4D97-AF65-F5344CB8AC3E}">
+        <p14:creationId xmlns:p14="http://schemas.microsoft.com/office/powerpoint/2010/main" val="1271548297"/>
+      </p:ext>
+    </p:extLst>
+  </p:cSld>
+  <p:clrMapOvr>
+    <a:masterClrMapping/>
+  </p:clrMapOvr>
+</p:notes>
+</file>
+
+<file path=ppt/notesSlides/notesSlide7.xml><?xml version="1.0" encoding="utf-8"?>
+<p:notes xmlns:a="http://schemas.openxmlformats.org/drawingml/2006/main" xmlns:r="http://schemas.openxmlformats.org/officeDocument/2006/relationships" xmlns:p="http://schemas.openxmlformats.org/presentationml/2006/main">
+  <p:cSld>
+    <p:spTree>
+      <p:nvGrpSpPr>
+        <p:cNvPr id="1" name=""/>
+        <p:cNvGrpSpPr/>
+        <p:nvPr/>
+      </p:nvGrpSpPr>
+      <p:grpSpPr>
+        <a:xfrm>
+          <a:off x="0" y="0"/>
+          <a:ext cx="0" cy="0"/>
+          <a:chOff x="0" y="0"/>
+          <a:chExt cx="0" cy="0"/>
+        </a:xfrm>
+      </p:grpSpPr>
+      <p:sp>
+        <p:nvSpPr>
+          <p:cNvPr id="2" name="Slide Image Placeholder 1"/>
+          <p:cNvSpPr>
+            <a:spLocks noGrp="1" noRot="1" noChangeAspect="1"/>
+          </p:cNvSpPr>
+          <p:nvPr>
+            <p:ph type="sldImg"/>
+          </p:nvPr>
+        </p:nvSpPr>
+        <p:spPr/>
+      </p:sp>
+      <p:sp>
+        <p:nvSpPr>
+          <p:cNvPr id="3" name="Notes Placeholder 2"/>
+          <p:cNvSpPr>
+            <a:spLocks noGrp="1"/>
+          </p:cNvSpPr>
+          <p:nvPr>
+            <p:ph type="body" idx="1"/>
+          </p:nvPr>
+        </p:nvSpPr>
+        <p:spPr/>
+        <p:txBody>
+          <a:bodyPr/>
+          <a:lstStyle/>
+          <a:p>
+            <a:r>
+              <a:rPr lang="en-US" dirty="0" smtClean="0"/>
+              <a:t>Talk</a:t>
+            </a:r>
+            <a:r>
+              <a:rPr lang="en-US" baseline="0" dirty="0" smtClean="0"/>
+              <a:t> about attributes</a:t>
+            </a:r>
+            <a:endParaRPr lang="en-US" dirty="0"/>
+          </a:p>
+        </p:txBody>
+      </p:sp>
+      <p:sp>
+        <p:nvSpPr>
+          <p:cNvPr id="4" name="Slide Number Placeholder 3"/>
+          <p:cNvSpPr>
+            <a:spLocks noGrp="1"/>
+          </p:cNvSpPr>
+          <p:nvPr>
+            <p:ph type="sldNum" sz="quarter" idx="10"/>
+          </p:nvPr>
+        </p:nvSpPr>
+        <p:spPr/>
+        <p:txBody>
+          <a:bodyPr/>
+          <a:lstStyle/>
+          <a:p>
+            <a:fld id="{14FDEFAB-362E-6346-9103-5175FA327C56}" type="slidenum">
+              <a:rPr lang="en-US" smtClean="0"/>
+              <a:t>8</a:t>
+            </a:fld>
+            <a:endParaRPr lang="en-US"/>
+          </a:p>
+        </p:txBody>
+      </p:sp>
+    </p:spTree>
+    <p:extLst>
+      <p:ext uri="{BB962C8B-B14F-4D97-AF65-F5344CB8AC3E}">
+        <p14:creationId xmlns:p14="http://schemas.microsoft.com/office/powerpoint/2010/main" val="1271548297"/>
+      </p:ext>
+    </p:extLst>
+  </p:cSld>
+  <p:clrMapOvr>
+    <a:masterClrMapping/>
+  </p:clrMapOvr>
+</p:notes>
+</file>
+
+<file path=ppt/notesSlides/notesSlide8.xml><?xml version="1.0" encoding="utf-8"?>
+<p:notes xmlns:a="http://schemas.openxmlformats.org/drawingml/2006/main" xmlns:r="http://schemas.openxmlformats.org/officeDocument/2006/relationships" xmlns:p="http://schemas.openxmlformats.org/presentationml/2006/main">
+  <p:cSld>
+    <p:spTree>
+      <p:nvGrpSpPr>
+        <p:cNvPr id="1" name=""/>
+        <p:cNvGrpSpPr/>
+        <p:nvPr/>
+      </p:nvGrpSpPr>
+      <p:grpSpPr>
+        <a:xfrm>
+          <a:off x="0" y="0"/>
+          <a:ext cx="0" cy="0"/>
+          <a:chOff x="0" y="0"/>
+          <a:chExt cx="0" cy="0"/>
+        </a:xfrm>
+      </p:grpSpPr>
+      <p:sp>
+        <p:nvSpPr>
+          <p:cNvPr id="2" name="Slide Image Placeholder 1"/>
+          <p:cNvSpPr>
+            <a:spLocks noGrp="1" noRot="1" noChangeAspect="1"/>
+          </p:cNvSpPr>
+          <p:nvPr>
+            <p:ph type="sldImg"/>
+          </p:nvPr>
+        </p:nvSpPr>
+        <p:spPr/>
+      </p:sp>
+      <p:sp>
+        <p:nvSpPr>
+          <p:cNvPr id="3" name="Notes Placeholder 2"/>
+          <p:cNvSpPr>
+            <a:spLocks noGrp="1"/>
+          </p:cNvSpPr>
+          <p:nvPr>
+            <p:ph type="body" idx="1"/>
+          </p:nvPr>
+        </p:nvSpPr>
+        <p:spPr/>
+        <p:txBody>
+          <a:bodyPr/>
+          <a:lstStyle/>
+          <a:p>
+            <a:r>
+              <a:rPr lang="en-US" dirty="0" smtClean="0"/>
+              <a:t>Talk</a:t>
+            </a:r>
+            <a:r>
+              <a:rPr lang="en-US" baseline="0" dirty="0" smtClean="0"/>
+              <a:t> about attributes</a:t>
+            </a:r>
+            <a:endParaRPr lang="en-US" dirty="0"/>
+          </a:p>
+        </p:txBody>
+      </p:sp>
+      <p:sp>
+        <p:nvSpPr>
+          <p:cNvPr id="4" name="Slide Number Placeholder 3"/>
+          <p:cNvSpPr>
+            <a:spLocks noGrp="1"/>
+          </p:cNvSpPr>
+          <p:nvPr>
+            <p:ph type="sldNum" sz="quarter" idx="10"/>
+          </p:nvPr>
+        </p:nvSpPr>
+        <p:spPr/>
+        <p:txBody>
+          <a:bodyPr/>
+          <a:lstStyle/>
+          <a:p>
+            <a:fld id="{14FDEFAB-362E-6346-9103-5175FA327C56}" type="slidenum">
+              <a:rPr lang="en-US" smtClean="0"/>
+              <a:t>9</a:t>
+            </a:fld>
+            <a:endParaRPr lang="en-US"/>
+          </a:p>
+        </p:txBody>
+      </p:sp>
+    </p:spTree>
+    <p:extLst>
+      <p:ext uri="{BB962C8B-B14F-4D97-AF65-F5344CB8AC3E}">
+        <p14:creationId xmlns:p14="http://schemas.microsoft.com/office/powerpoint/2010/main" val="1271548297"/>
+      </p:ext>
+    </p:extLst>
+  </p:cSld>
+  <p:clrMapOvr>
+    <a:masterClrMapping/>
+  </p:clrMapOvr>
+</p:notes>
+</file>
+
+<file path=ppt/notesSlides/notesSlide9.xml><?xml version="1.0" encoding="utf-8"?>
+<p:notes xmlns:a="http://schemas.openxmlformats.org/drawingml/2006/main" xmlns:r="http://schemas.openxmlformats.org/officeDocument/2006/relationships" xmlns:p="http://schemas.openxmlformats.org/presentationml/2006/main">
+  <p:cSld>
+    <p:spTree>
+      <p:nvGrpSpPr>
+        <p:cNvPr id="1" name=""/>
+        <p:cNvGrpSpPr/>
+        <p:nvPr/>
+      </p:nvGrpSpPr>
+      <p:grpSpPr>
+        <a:xfrm>
+          <a:off x="0" y="0"/>
+          <a:ext cx="0" cy="0"/>
+          <a:chOff x="0" y="0"/>
+          <a:chExt cx="0" cy="0"/>
+        </a:xfrm>
+      </p:grpSpPr>
+      <p:sp>
+        <p:nvSpPr>
+          <p:cNvPr id="2" name="Slide Image Placeholder 1"/>
+          <p:cNvSpPr>
+            <a:spLocks noGrp="1" noRot="1" noChangeAspect="1"/>
+          </p:cNvSpPr>
+          <p:nvPr>
+            <p:ph type="sldImg"/>
+          </p:nvPr>
+        </p:nvSpPr>
+        <p:spPr/>
+      </p:sp>
+      <p:sp>
+        <p:nvSpPr>
+          <p:cNvPr id="3" name="Notes Placeholder 2"/>
+          <p:cNvSpPr>
+            <a:spLocks noGrp="1"/>
+          </p:cNvSpPr>
+          <p:nvPr>
+            <p:ph type="body" idx="1"/>
+          </p:nvPr>
+        </p:nvSpPr>
+        <p:spPr/>
+        <p:txBody>
+          <a:bodyPr/>
+          <a:lstStyle/>
+          <a:p>
+            <a:r>
+              <a:rPr lang="en-US" dirty="0" smtClean="0"/>
+              <a:t>Talk</a:t>
+            </a:r>
+            <a:r>
+              <a:rPr lang="en-US" baseline="0" dirty="0" smtClean="0"/>
+              <a:t> about attributes</a:t>
+            </a:r>
+            <a:endParaRPr lang="en-US" dirty="0"/>
+          </a:p>
+        </p:txBody>
+      </p:sp>
+      <p:sp>
+        <p:nvSpPr>
+          <p:cNvPr id="4" name="Slide Number Placeholder 3"/>
+          <p:cNvSpPr>
+            <a:spLocks noGrp="1"/>
+          </p:cNvSpPr>
+          <p:nvPr>
+            <p:ph type="sldNum" sz="quarter" idx="10"/>
+          </p:nvPr>
+        </p:nvSpPr>
+        <p:spPr/>
+        <p:txBody>
+          <a:bodyPr/>
+          <a:lstStyle/>
+          <a:p>
+            <a:fld id="{14FDEFAB-362E-6346-9103-5175FA327C56}" type="slidenum">
+              <a:rPr lang="en-US" smtClean="0"/>
+              <a:t>10</a:t>
             </a:fld>
             <a:endParaRPr lang="en-US"/>
           </a:p>
@@ -4583,6 +5230,356 @@
 </p:sld>
 </file>
 
+<file path=ppt/slides/slide10.xml><?xml version="1.0" encoding="utf-8"?>
+<p:sld xmlns:a="http://schemas.openxmlformats.org/drawingml/2006/main" xmlns:r="http://schemas.openxmlformats.org/officeDocument/2006/relationships" xmlns:p="http://schemas.openxmlformats.org/presentationml/2006/main">
+  <p:cSld>
+    <p:spTree>
+      <p:nvGrpSpPr>
+        <p:cNvPr id="1" name=""/>
+        <p:cNvGrpSpPr/>
+        <p:nvPr/>
+      </p:nvGrpSpPr>
+      <p:grpSpPr>
+        <a:xfrm>
+          <a:off x="0" y="0"/>
+          <a:ext cx="0" cy="0"/>
+          <a:chOff x="0" y="0"/>
+          <a:chExt cx="0" cy="0"/>
+        </a:xfrm>
+      </p:grpSpPr>
+      <p:sp>
+        <p:nvSpPr>
+          <p:cNvPr id="3" name="Content Placeholder 2"/>
+          <p:cNvSpPr>
+            <a:spLocks noGrp="1"/>
+          </p:cNvSpPr>
+          <p:nvPr>
+            <p:ph idx="1"/>
+          </p:nvPr>
+        </p:nvSpPr>
+        <p:spPr>
+          <a:xfrm>
+            <a:off x="1253463" y="1258445"/>
+            <a:ext cx="6096000" cy="4664302"/>
+          </a:xfrm>
+        </p:spPr>
+        <p:txBody>
+          <a:bodyPr>
+            <a:normAutofit/>
+          </a:bodyPr>
+          <a:lstStyle/>
+          <a:p>
+            <a:r>
+              <a:rPr lang="en-US" dirty="0" smtClean="0"/>
+              <a:t>How to interpret the data</a:t>
+            </a:r>
+          </a:p>
+          <a:p>
+            <a:pPr lvl="1"/>
+            <a:r>
+              <a:rPr lang="en-US" dirty="0" err="1" smtClean="0"/>
+              <a:t>Binarized</a:t>
+            </a:r>
+            <a:r>
+              <a:rPr lang="en-US" dirty="0" smtClean="0"/>
+              <a:t> Attributes </a:t>
+            </a:r>
+          </a:p>
+          <a:p>
+            <a:pPr lvl="2"/>
+            <a:r>
+              <a:rPr lang="en-US" dirty="0" smtClean="0"/>
+              <a:t>Encode the categorical attributes to a binary one-hot vector (mainly done to save space &amp; time)</a:t>
+            </a:r>
+          </a:p>
+          <a:p>
+            <a:pPr lvl="1"/>
+            <a:r>
+              <a:rPr lang="en-US" dirty="0" smtClean="0"/>
+              <a:t>Tokenized</a:t>
+            </a:r>
+          </a:p>
+          <a:p>
+            <a:pPr lvl="2"/>
+            <a:r>
+              <a:rPr lang="en-US" dirty="0" smtClean="0"/>
+              <a:t>Convert these (potentially large) strings to a bag of words representation.</a:t>
+            </a:r>
+          </a:p>
+          <a:p>
+            <a:pPr lvl="1"/>
+            <a:endParaRPr lang="en-US" dirty="0"/>
+          </a:p>
+        </p:txBody>
+      </p:sp>
+      <p:sp>
+        <p:nvSpPr>
+          <p:cNvPr id="2" name="Title 1"/>
+          <p:cNvSpPr>
+            <a:spLocks noGrp="1"/>
+          </p:cNvSpPr>
+          <p:nvPr>
+            <p:ph type="title"/>
+          </p:nvPr>
+        </p:nvSpPr>
+        <p:spPr>
+          <a:xfrm>
+            <a:off x="685800" y="324710"/>
+            <a:ext cx="7543800" cy="914400"/>
+          </a:xfrm>
+        </p:spPr>
+        <p:txBody>
+          <a:bodyPr/>
+          <a:lstStyle/>
+          <a:p>
+            <a:r>
+              <a:rPr lang="en-US" dirty="0" smtClean="0"/>
+              <a:t>Data Preparation</a:t>
+            </a:r>
+            <a:endParaRPr lang="en-US" dirty="0"/>
+          </a:p>
+        </p:txBody>
+      </p:sp>
+    </p:spTree>
+    <p:extLst>
+      <p:ext uri="{BB962C8B-B14F-4D97-AF65-F5344CB8AC3E}">
+        <p14:creationId xmlns:p14="http://schemas.microsoft.com/office/powerpoint/2010/main" val="2171045977"/>
+      </p:ext>
+    </p:extLst>
+  </p:cSld>
+  <p:clrMapOvr>
+    <a:masterClrMapping/>
+  </p:clrMapOvr>
+  <p:timing>
+    <p:tnLst>
+      <p:par>
+        <p:cTn xmlns:p14="http://schemas.microsoft.com/office/powerpoint/2010/main" id="1" dur="indefinite" restart="never" nodeType="tmRoot"/>
+      </p:par>
+    </p:tnLst>
+  </p:timing>
+</p:sld>
+</file>
+
+<file path=ppt/slides/slide11.xml><?xml version="1.0" encoding="utf-8"?>
+<p:sld xmlns:a="http://schemas.openxmlformats.org/drawingml/2006/main" xmlns:r="http://schemas.openxmlformats.org/officeDocument/2006/relationships" xmlns:p="http://schemas.openxmlformats.org/presentationml/2006/main">
+  <p:cSld>
+    <p:spTree>
+      <p:nvGrpSpPr>
+        <p:cNvPr id="1" name=""/>
+        <p:cNvGrpSpPr/>
+        <p:nvPr/>
+      </p:nvGrpSpPr>
+      <p:grpSpPr>
+        <a:xfrm>
+          <a:off x="0" y="0"/>
+          <a:ext cx="0" cy="0"/>
+          <a:chOff x="0" y="0"/>
+          <a:chExt cx="0" cy="0"/>
+        </a:xfrm>
+      </p:grpSpPr>
+      <p:sp>
+        <p:nvSpPr>
+          <p:cNvPr id="3" name="Content Placeholder 2"/>
+          <p:cNvSpPr>
+            <a:spLocks noGrp="1"/>
+          </p:cNvSpPr>
+          <p:nvPr>
+            <p:ph idx="1"/>
+          </p:nvPr>
+        </p:nvSpPr>
+        <p:spPr>
+          <a:xfrm>
+            <a:off x="1253463" y="1258445"/>
+            <a:ext cx="6096000" cy="4664302"/>
+          </a:xfrm>
+        </p:spPr>
+        <p:txBody>
+          <a:bodyPr>
+            <a:normAutofit/>
+          </a:bodyPr>
+          <a:lstStyle/>
+          <a:p>
+            <a:r>
+              <a:rPr lang="en-US" dirty="0" smtClean="0"/>
+              <a:t>Representation which uses a dictionary and simplifies full text abstracts grammar, and word order.  </a:t>
+            </a:r>
+            <a:endParaRPr lang="en-US" dirty="0"/>
+          </a:p>
+        </p:txBody>
+      </p:sp>
+      <p:sp>
+        <p:nvSpPr>
+          <p:cNvPr id="2" name="Title 1"/>
+          <p:cNvSpPr>
+            <a:spLocks noGrp="1"/>
+          </p:cNvSpPr>
+          <p:nvPr>
+            <p:ph type="title"/>
+          </p:nvPr>
+        </p:nvSpPr>
+        <p:spPr>
+          <a:xfrm>
+            <a:off x="685800" y="324710"/>
+            <a:ext cx="7543800" cy="914400"/>
+          </a:xfrm>
+        </p:spPr>
+        <p:txBody>
+          <a:bodyPr/>
+          <a:lstStyle/>
+          <a:p>
+            <a:r>
+              <a:rPr lang="en-US" dirty="0" smtClean="0"/>
+              <a:t>Bag-of-words</a:t>
+            </a:r>
+            <a:endParaRPr lang="en-US" dirty="0"/>
+          </a:p>
+        </p:txBody>
+      </p:sp>
+      <p:pic>
+        <p:nvPicPr>
+          <p:cNvPr id="4" name="Picture 3" descr="bow.png"/>
+          <p:cNvPicPr>
+            <a:picLocks noChangeAspect="1"/>
+          </p:cNvPicPr>
+          <p:nvPr/>
+        </p:nvPicPr>
+        <p:blipFill>
+          <a:blip r:embed="rId3">
+            <a:extLst>
+              <a:ext uri="{28A0092B-C50C-407E-A947-70E740481C1C}">
+                <a14:useLocalDpi xmlns:a14="http://schemas.microsoft.com/office/drawing/2010/main" val="0"/>
+              </a:ext>
+            </a:extLst>
+          </a:blip>
+          <a:stretch>
+            <a:fillRect/>
+          </a:stretch>
+        </p:blipFill>
+        <p:spPr>
+          <a:xfrm>
+            <a:off x="0" y="3522282"/>
+            <a:ext cx="9150296" cy="1897470"/>
+          </a:xfrm>
+          <a:prstGeom prst="rect">
+            <a:avLst/>
+          </a:prstGeom>
+        </p:spPr>
+      </p:pic>
+    </p:spTree>
+    <p:extLst>
+      <p:ext uri="{BB962C8B-B14F-4D97-AF65-F5344CB8AC3E}">
+        <p14:creationId xmlns:p14="http://schemas.microsoft.com/office/powerpoint/2010/main" val="2955770083"/>
+      </p:ext>
+    </p:extLst>
+  </p:cSld>
+  <p:clrMapOvr>
+    <a:masterClrMapping/>
+  </p:clrMapOvr>
+  <p:timing>
+    <p:tnLst>
+      <p:par>
+        <p:cTn xmlns:p14="http://schemas.microsoft.com/office/powerpoint/2010/main" id="1" dur="indefinite" restart="never" nodeType="tmRoot"/>
+      </p:par>
+    </p:tnLst>
+  </p:timing>
+</p:sld>
+</file>
+
+<file path=ppt/slides/slide12.xml><?xml version="1.0" encoding="utf-8"?>
+<p:sld xmlns:a="http://schemas.openxmlformats.org/drawingml/2006/main" xmlns:r="http://schemas.openxmlformats.org/officeDocument/2006/relationships" xmlns:p="http://schemas.openxmlformats.org/presentationml/2006/main">
+  <p:cSld>
+    <p:spTree>
+      <p:nvGrpSpPr>
+        <p:cNvPr id="1" name=""/>
+        <p:cNvGrpSpPr/>
+        <p:nvPr/>
+      </p:nvGrpSpPr>
+      <p:grpSpPr>
+        <a:xfrm>
+          <a:off x="0" y="0"/>
+          <a:ext cx="0" cy="0"/>
+          <a:chOff x="0" y="0"/>
+          <a:chExt cx="0" cy="0"/>
+        </a:xfrm>
+      </p:grpSpPr>
+      <p:sp>
+        <p:nvSpPr>
+          <p:cNvPr id="3" name="Content Placeholder 2"/>
+          <p:cNvSpPr>
+            <a:spLocks noGrp="1"/>
+          </p:cNvSpPr>
+          <p:nvPr>
+            <p:ph idx="1"/>
+          </p:nvPr>
+        </p:nvSpPr>
+        <p:spPr>
+          <a:xfrm>
+            <a:off x="1253463" y="1258445"/>
+            <a:ext cx="6096000" cy="4664302"/>
+          </a:xfrm>
+        </p:spPr>
+        <p:txBody>
+          <a:bodyPr>
+            <a:normAutofit/>
+          </a:bodyPr>
+          <a:lstStyle/>
+          <a:p>
+            <a:r>
+              <a:rPr lang="en-US" dirty="0" smtClean="0"/>
+              <a:t>Representation which uses a dictionary and simplifies full text abstracts grammar, and word order.  </a:t>
+            </a:r>
+            <a:endParaRPr lang="en-US" dirty="0"/>
+          </a:p>
+        </p:txBody>
+      </p:sp>
+      <p:sp>
+        <p:nvSpPr>
+          <p:cNvPr id="2" name="Title 1"/>
+          <p:cNvSpPr>
+            <a:spLocks noGrp="1"/>
+          </p:cNvSpPr>
+          <p:nvPr>
+            <p:ph type="title"/>
+          </p:nvPr>
+        </p:nvSpPr>
+        <p:spPr>
+          <a:xfrm>
+            <a:off x="685800" y="324710"/>
+            <a:ext cx="7543800" cy="914400"/>
+          </a:xfrm>
+        </p:spPr>
+        <p:txBody>
+          <a:bodyPr/>
+          <a:lstStyle/>
+          <a:p>
+            <a:r>
+              <a:rPr lang="en-US" dirty="0" smtClean="0"/>
+              <a:t>Bag-of-words</a:t>
+            </a:r>
+            <a:endParaRPr lang="en-US" dirty="0"/>
+          </a:p>
+        </p:txBody>
+      </p:sp>
+    </p:spTree>
+    <p:extLst>
+      <p:ext uri="{BB962C8B-B14F-4D97-AF65-F5344CB8AC3E}">
+        <p14:creationId xmlns:p14="http://schemas.microsoft.com/office/powerpoint/2010/main" val="4103438211"/>
+      </p:ext>
+    </p:extLst>
+  </p:cSld>
+  <p:clrMapOvr>
+    <a:masterClrMapping/>
+  </p:clrMapOvr>
+  <p:timing>
+    <p:tnLst>
+      <p:par>
+        <p:cTn xmlns:p14="http://schemas.microsoft.com/office/powerpoint/2010/main" id="1" dur="indefinite" restart="never" nodeType="tmRoot"/>
+      </p:par>
+    </p:tnLst>
+  </p:timing>
+</p:sld>
+</file>
+
 <file path=ppt/slides/slide2.xml><?xml version="1.0" encoding="utf-8"?>
 <p:sld xmlns:a="http://schemas.openxmlformats.org/drawingml/2006/main" xmlns:r="http://schemas.openxmlformats.org/officeDocument/2006/relationships" xmlns:p="http://schemas.openxmlformats.org/presentationml/2006/main">
   <p:cSld>
@@ -4958,14 +5955,45 @@
         <p:spPr>
           <a:xfrm>
             <a:off x="1253463" y="1258445"/>
-            <a:ext cx="6096000" cy="3657599"/>
+            <a:ext cx="6096000" cy="4664302"/>
           </a:xfrm>
         </p:spPr>
         <p:txBody>
-          <a:bodyPr/>
-          <a:lstStyle/>
-          <a:p>
+          <a:bodyPr>
+            <a:normAutofit/>
+          </a:bodyPr>
+          <a:lstStyle/>
+          <a:p>
+            <a:r>
+              <a:rPr lang="en-US" dirty="0" err="1" smtClean="0"/>
+              <a:t>Adzuna</a:t>
+            </a:r>
+            <a:r>
+              <a:rPr lang="en-US" dirty="0" smtClean="0"/>
+              <a:t> offered a dataset</a:t>
+            </a:r>
+          </a:p>
+          <a:p>
+            <a:pPr lvl="1"/>
+            <a:r>
+              <a:rPr lang="en-US" dirty="0" err="1" smtClean="0"/>
+              <a:t>Train.csv</a:t>
+            </a:r>
+            <a:endParaRPr lang="en-US" dirty="0" smtClean="0"/>
+          </a:p>
+          <a:p>
+            <a:pPr lvl="1"/>
+            <a:endParaRPr lang="en-US" dirty="0" smtClean="0"/>
+          </a:p>
+          <a:p>
+            <a:pPr lvl="1"/>
             <a:endParaRPr lang="en-US" dirty="0"/>
+          </a:p>
+          <a:p>
+            <a:pPr marL="384048" lvl="1" indent="0">
+              <a:buNone/>
+            </a:pPr>
+            <a:endParaRPr lang="en-US" dirty="0" smtClean="0"/>
           </a:p>
         </p:txBody>
       </p:sp>
@@ -4991,16 +6019,1909 @@
           <a:p>
             <a:r>
               <a:rPr lang="en-US" dirty="0" smtClean="0"/>
-              <a:t>Methods</a:t>
+              <a:t>Data</a:t>
             </a:r>
             <a:endParaRPr lang="en-US" dirty="0"/>
           </a:p>
         </p:txBody>
       </p:sp>
+      <p:graphicFrame>
+        <p:nvGraphicFramePr>
+          <p:cNvPr id="6" name="Table 5"/>
+          <p:cNvGraphicFramePr>
+            <a:graphicFrameLocks noGrp="1"/>
+          </p:cNvGraphicFramePr>
+          <p:nvPr>
+            <p:extLst>
+              <p:ext uri="{D42A27DB-BD31-4B8C-83A1-F6EECF244321}">
+                <p14:modId xmlns:p14="http://schemas.microsoft.com/office/powerpoint/2010/main" val="50115036"/>
+              </p:ext>
+            </p:extLst>
+          </p:nvPr>
+        </p:nvGraphicFramePr>
+        <p:xfrm>
+          <a:off x="-1" y="2419301"/>
+          <a:ext cx="9144000" cy="1010920"/>
+        </p:xfrm>
+        <a:graphic>
+          <a:graphicData uri="http://schemas.openxmlformats.org/drawingml/2006/table">
+            <a:tbl>
+              <a:tblPr firstRow="1" bandRow="1">
+                <a:tableStyleId>{D03447BB-5D67-496B-8E87-E561075AD55C}</a:tableStyleId>
+              </a:tblPr>
+              <a:tblGrid>
+                <a:gridCol w="500681"/>
+                <a:gridCol w="819526"/>
+                <a:gridCol w="2018210"/>
+                <a:gridCol w="1146293"/>
+                <a:gridCol w="1198465"/>
+                <a:gridCol w="1634541"/>
+                <a:gridCol w="1027502"/>
+                <a:gridCol w="798782"/>
+              </a:tblGrid>
+              <a:tr h="397183">
+                <a:tc>
+                  <a:txBody>
+                    <a:bodyPr/>
+                    <a:lstStyle/>
+                    <a:p>
+                      <a:pPr algn="ctr"/>
+                      <a:r>
+                        <a:rPr lang="en-US" dirty="0" smtClean="0"/>
+                        <a:t>ID</a:t>
+                      </a:r>
+                      <a:endParaRPr lang="en-US" dirty="0"/>
+                    </a:p>
+                  </a:txBody>
+                  <a:tcPr anchor="ctr">
+                    <a:lnL w="12700" cap="flat" cmpd="sng" algn="ctr">
+                      <a:solidFill>
+                        <a:scrgbClr r="0" g="0" b="0"/>
+                      </a:solidFill>
+                      <a:prstDash val="solid"/>
+                      <a:round/>
+                      <a:headEnd type="none" w="med" len="med"/>
+                      <a:tailEnd type="none" w="med" len="med"/>
+                    </a:lnL>
+                    <a:lnT w="12700" cap="flat" cmpd="sng" algn="ctr">
+                      <a:noFill/>
+                      <a:prstDash val="solid"/>
+                      <a:round/>
+                      <a:headEnd type="none" w="med" len="med"/>
+                      <a:tailEnd type="none" w="med" len="med"/>
+                    </a:lnT>
+                  </a:tcPr>
+                </a:tc>
+                <a:tc>
+                  <a:txBody>
+                    <a:bodyPr/>
+                    <a:lstStyle/>
+                    <a:p>
+                      <a:pPr algn="ctr"/>
+                      <a:r>
+                        <a:rPr lang="en-US" dirty="0" smtClean="0"/>
+                        <a:t>Title</a:t>
+                      </a:r>
+                      <a:endParaRPr lang="en-US" dirty="0"/>
+                    </a:p>
+                  </a:txBody>
+                  <a:tcPr anchor="ctr">
+                    <a:lnT w="12700" cap="flat" cmpd="sng" algn="ctr">
+                      <a:noFill/>
+                      <a:prstDash val="solid"/>
+                      <a:round/>
+                      <a:headEnd type="none" w="med" len="med"/>
+                      <a:tailEnd type="none" w="med" len="med"/>
+                    </a:lnT>
+                  </a:tcPr>
+                </a:tc>
+                <a:tc>
+                  <a:txBody>
+                    <a:bodyPr/>
+                    <a:lstStyle/>
+                    <a:p>
+                      <a:pPr algn="ctr"/>
+                      <a:r>
+                        <a:rPr lang="en-US" dirty="0" err="1" smtClean="0"/>
+                        <a:t>FullDescription</a:t>
+                      </a:r>
+                      <a:endParaRPr lang="en-US" dirty="0"/>
+                    </a:p>
+                  </a:txBody>
+                  <a:tcPr anchor="ctr">
+                    <a:lnT w="12700" cap="flat" cmpd="sng" algn="ctr">
+                      <a:noFill/>
+                      <a:prstDash val="solid"/>
+                      <a:round/>
+                      <a:headEnd type="none" w="med" len="med"/>
+                      <a:tailEnd type="none" w="med" len="med"/>
+                    </a:lnT>
+                  </a:tcPr>
+                </a:tc>
+                <a:tc>
+                  <a:txBody>
+                    <a:bodyPr/>
+                    <a:lstStyle/>
+                    <a:p>
+                      <a:pPr algn="ctr"/>
+                      <a:r>
+                        <a:rPr lang="en-US" dirty="0" err="1" smtClean="0"/>
+                        <a:t>Loc</a:t>
+                      </a:r>
+                      <a:r>
+                        <a:rPr lang="en-US" dirty="0" smtClean="0"/>
+                        <a:t> Raw</a:t>
+                      </a:r>
+                      <a:endParaRPr lang="en-US" dirty="0"/>
+                    </a:p>
+                  </a:txBody>
+                  <a:tcPr anchor="ctr">
+                    <a:lnT w="12700" cap="flat" cmpd="sng" algn="ctr">
+                      <a:noFill/>
+                      <a:prstDash val="solid"/>
+                      <a:round/>
+                      <a:headEnd type="none" w="med" len="med"/>
+                      <a:tailEnd type="none" w="med" len="med"/>
+                    </a:lnT>
+                  </a:tcPr>
+                </a:tc>
+                <a:tc>
+                  <a:txBody>
+                    <a:bodyPr/>
+                    <a:lstStyle/>
+                    <a:p>
+                      <a:pPr algn="ctr"/>
+                      <a:r>
+                        <a:rPr lang="en-US" dirty="0" err="1" smtClean="0"/>
+                        <a:t>Loc</a:t>
+                      </a:r>
+                      <a:r>
+                        <a:rPr lang="en-US" dirty="0" smtClean="0"/>
+                        <a:t> norm</a:t>
+                      </a:r>
+                      <a:endParaRPr lang="en-US" dirty="0"/>
+                    </a:p>
+                  </a:txBody>
+                  <a:tcPr anchor="ctr">
+                    <a:lnT w="12700" cap="flat" cmpd="sng" algn="ctr">
+                      <a:noFill/>
+                      <a:prstDash val="solid"/>
+                      <a:round/>
+                      <a:headEnd type="none" w="med" len="med"/>
+                      <a:tailEnd type="none" w="med" len="med"/>
+                    </a:lnT>
+                  </a:tcPr>
+                </a:tc>
+                <a:tc>
+                  <a:txBody>
+                    <a:bodyPr/>
+                    <a:lstStyle/>
+                    <a:p>
+                      <a:pPr algn="ctr"/>
+                      <a:r>
+                        <a:rPr lang="en-US" dirty="0" err="1" smtClean="0"/>
+                        <a:t>ContractType</a:t>
+                      </a:r>
+                      <a:endParaRPr lang="en-US" dirty="0"/>
+                    </a:p>
+                  </a:txBody>
+                  <a:tcPr anchor="ctr">
+                    <a:lnT w="12700" cap="flat" cmpd="sng" algn="ctr">
+                      <a:noFill/>
+                      <a:prstDash val="solid"/>
+                      <a:round/>
+                      <a:headEnd type="none" w="med" len="med"/>
+                      <a:tailEnd type="none" w="med" len="med"/>
+                    </a:lnT>
+                  </a:tcPr>
+                </a:tc>
+                <a:tc>
+                  <a:txBody>
+                    <a:bodyPr/>
+                    <a:lstStyle/>
+                    <a:p>
+                      <a:pPr algn="ctr"/>
+                      <a:r>
+                        <a:rPr lang="en-US" dirty="0" smtClean="0"/>
+                        <a:t>Company</a:t>
+                      </a:r>
+                      <a:endParaRPr lang="en-US" dirty="0"/>
+                    </a:p>
+                  </a:txBody>
+                  <a:tcPr anchor="ctr">
+                    <a:lnT w="12700" cap="flat" cmpd="sng" algn="ctr">
+                      <a:noFill/>
+                      <a:prstDash val="solid"/>
+                      <a:round/>
+                      <a:headEnd type="none" w="med" len="med"/>
+                      <a:tailEnd type="none" w="med" len="med"/>
+                    </a:lnT>
+                  </a:tcPr>
+                </a:tc>
+                <a:tc>
+                  <a:txBody>
+                    <a:bodyPr/>
+                    <a:lstStyle/>
+                    <a:p>
+                      <a:pPr algn="ctr"/>
+                      <a:r>
+                        <a:rPr lang="en-US" dirty="0" smtClean="0"/>
+                        <a:t>Salary</a:t>
+                      </a:r>
+                      <a:endParaRPr lang="en-US" dirty="0"/>
+                    </a:p>
+                  </a:txBody>
+                  <a:tcPr anchor="ctr">
+                    <a:lnR w="12700" cap="flat" cmpd="sng" algn="ctr">
+                      <a:solidFill>
+                        <a:scrgbClr r="0" g="0" b="0"/>
+                      </a:solidFill>
+                      <a:prstDash val="solid"/>
+                      <a:round/>
+                      <a:headEnd type="none" w="med" len="med"/>
+                      <a:tailEnd type="none" w="med" len="med"/>
+                    </a:lnR>
+                    <a:lnT w="12700" cap="flat" cmpd="sng" algn="ctr">
+                      <a:noFill/>
+                      <a:prstDash val="solid"/>
+                      <a:round/>
+                      <a:headEnd type="none" w="med" len="med"/>
+                      <a:tailEnd type="none" w="med" len="med"/>
+                    </a:lnT>
+                  </a:tcPr>
+                </a:tc>
+              </a:tr>
+              <a:tr h="370840">
+                <a:tc>
+                  <a:txBody>
+                    <a:bodyPr/>
+                    <a:lstStyle/>
+                    <a:p>
+                      <a:pPr algn="ctr"/>
+                      <a:r>
+                        <a:rPr lang="en-US" dirty="0" err="1" smtClean="0"/>
+                        <a:t>Int</a:t>
+                      </a:r>
+                      <a:endParaRPr lang="en-US" dirty="0"/>
+                    </a:p>
+                  </a:txBody>
+                  <a:tcPr anchor="ctr">
+                    <a:lnL w="12700" cap="flat" cmpd="sng" algn="ctr">
+                      <a:solidFill>
+                        <a:scrgbClr r="0" g="0" b="0"/>
+                      </a:solidFill>
+                      <a:prstDash val="solid"/>
+                      <a:round/>
+                      <a:headEnd type="none" w="med" len="med"/>
+                      <a:tailEnd type="none" w="med" len="med"/>
+                    </a:lnL>
+                    <a:lnB w="12700" cap="flat" cmpd="sng" algn="ctr">
+                      <a:solidFill>
+                        <a:scrgbClr r="0" g="0" b="0"/>
+                      </a:solidFill>
+                      <a:prstDash val="solid"/>
+                      <a:round/>
+                      <a:headEnd type="none" w="med" len="med"/>
+                      <a:tailEnd type="none" w="med" len="med"/>
+                    </a:lnB>
+                  </a:tcPr>
+                </a:tc>
+                <a:tc>
+                  <a:txBody>
+                    <a:bodyPr/>
+                    <a:lstStyle/>
+                    <a:p>
+                      <a:pPr algn="ctr"/>
+                      <a:r>
+                        <a:rPr lang="en-US" dirty="0" smtClean="0"/>
+                        <a:t>String</a:t>
+                      </a:r>
+                      <a:endParaRPr lang="en-US" dirty="0"/>
+                    </a:p>
+                  </a:txBody>
+                  <a:tcPr anchor="ctr">
+                    <a:lnB w="12700" cap="flat" cmpd="sng" algn="ctr">
+                      <a:solidFill>
+                        <a:scrgbClr r="0" g="0" b="0"/>
+                      </a:solidFill>
+                      <a:prstDash val="solid"/>
+                      <a:round/>
+                      <a:headEnd type="none" w="med" len="med"/>
+                      <a:tailEnd type="none" w="med" len="med"/>
+                    </a:lnB>
+                  </a:tcPr>
+                </a:tc>
+                <a:tc>
+                  <a:txBody>
+                    <a:bodyPr/>
+                    <a:lstStyle/>
+                    <a:p>
+                      <a:pPr algn="ctr"/>
+                      <a:r>
+                        <a:rPr lang="en-US" dirty="0" smtClean="0"/>
+                        <a:t>String</a:t>
+                      </a:r>
+                      <a:endParaRPr lang="en-US" dirty="0"/>
+                    </a:p>
+                  </a:txBody>
+                  <a:tcPr anchor="ctr">
+                    <a:lnB w="12700" cap="flat" cmpd="sng" algn="ctr">
+                      <a:solidFill>
+                        <a:scrgbClr r="0" g="0" b="0"/>
+                      </a:solidFill>
+                      <a:prstDash val="solid"/>
+                      <a:round/>
+                      <a:headEnd type="none" w="med" len="med"/>
+                      <a:tailEnd type="none" w="med" len="med"/>
+                    </a:lnB>
+                  </a:tcPr>
+                </a:tc>
+                <a:tc>
+                  <a:txBody>
+                    <a:bodyPr/>
+                    <a:lstStyle/>
+                    <a:p>
+                      <a:pPr algn="ctr"/>
+                      <a:r>
+                        <a:rPr lang="en-US" dirty="0" smtClean="0"/>
+                        <a:t>String</a:t>
+                      </a:r>
+                      <a:endParaRPr lang="en-US" dirty="0"/>
+                    </a:p>
+                  </a:txBody>
+                  <a:tcPr anchor="ctr">
+                    <a:lnB w="12700" cap="flat" cmpd="sng" algn="ctr">
+                      <a:solidFill>
+                        <a:scrgbClr r="0" g="0" b="0"/>
+                      </a:solidFill>
+                      <a:prstDash val="solid"/>
+                      <a:round/>
+                      <a:headEnd type="none" w="med" len="med"/>
+                      <a:tailEnd type="none" w="med" len="med"/>
+                    </a:lnB>
+                  </a:tcPr>
+                </a:tc>
+                <a:tc>
+                  <a:txBody>
+                    <a:bodyPr/>
+                    <a:lstStyle/>
+                    <a:p>
+                      <a:pPr algn="ctr"/>
+                      <a:r>
+                        <a:rPr lang="en-US" dirty="0" smtClean="0"/>
+                        <a:t>String</a:t>
+                      </a:r>
+                      <a:endParaRPr lang="en-US" dirty="0"/>
+                    </a:p>
+                  </a:txBody>
+                  <a:tcPr anchor="ctr">
+                    <a:lnB w="12700" cap="flat" cmpd="sng" algn="ctr">
+                      <a:solidFill>
+                        <a:scrgbClr r="0" g="0" b="0"/>
+                      </a:solidFill>
+                      <a:prstDash val="solid"/>
+                      <a:round/>
+                      <a:headEnd type="none" w="med" len="med"/>
+                      <a:tailEnd type="none" w="med" len="med"/>
+                    </a:lnB>
+                  </a:tcPr>
+                </a:tc>
+                <a:tc>
+                  <a:txBody>
+                    <a:bodyPr/>
+                    <a:lstStyle/>
+                    <a:p>
+                      <a:pPr algn="ctr"/>
+                      <a:r>
+                        <a:rPr lang="en-US" dirty="0" smtClean="0"/>
+                        <a:t>String</a:t>
+                      </a:r>
+                      <a:endParaRPr lang="en-US" dirty="0"/>
+                    </a:p>
+                  </a:txBody>
+                  <a:tcPr anchor="ctr">
+                    <a:lnB w="12700" cap="flat" cmpd="sng" algn="ctr">
+                      <a:solidFill>
+                        <a:scrgbClr r="0" g="0" b="0"/>
+                      </a:solidFill>
+                      <a:prstDash val="solid"/>
+                      <a:round/>
+                      <a:headEnd type="none" w="med" len="med"/>
+                      <a:tailEnd type="none" w="med" len="med"/>
+                    </a:lnB>
+                  </a:tcPr>
+                </a:tc>
+                <a:tc>
+                  <a:txBody>
+                    <a:bodyPr/>
+                    <a:lstStyle/>
+                    <a:p>
+                      <a:pPr algn="ctr"/>
+                      <a:r>
+                        <a:rPr lang="en-US" dirty="0" smtClean="0"/>
+                        <a:t>String</a:t>
+                      </a:r>
+                      <a:endParaRPr lang="en-US" dirty="0"/>
+                    </a:p>
+                  </a:txBody>
+                  <a:tcPr anchor="ctr">
+                    <a:lnB w="12700" cap="flat" cmpd="sng" algn="ctr">
+                      <a:solidFill>
+                        <a:scrgbClr r="0" g="0" b="0"/>
+                      </a:solidFill>
+                      <a:prstDash val="solid"/>
+                      <a:round/>
+                      <a:headEnd type="none" w="med" len="med"/>
+                      <a:tailEnd type="none" w="med" len="med"/>
+                    </a:lnB>
+                  </a:tcPr>
+                </a:tc>
+                <a:tc>
+                  <a:txBody>
+                    <a:bodyPr/>
+                    <a:lstStyle/>
+                    <a:p>
+                      <a:pPr algn="ctr"/>
+                      <a:r>
+                        <a:rPr lang="en-US" dirty="0" err="1" smtClean="0"/>
+                        <a:t>Int</a:t>
+                      </a:r>
+                      <a:endParaRPr lang="en-US" dirty="0"/>
+                    </a:p>
+                  </a:txBody>
+                  <a:tcPr anchor="ctr">
+                    <a:lnR w="12700" cap="flat" cmpd="sng" algn="ctr">
+                      <a:solidFill>
+                        <a:scrgbClr r="0" g="0" b="0"/>
+                      </a:solidFill>
+                      <a:prstDash val="solid"/>
+                      <a:round/>
+                      <a:headEnd type="none" w="med" len="med"/>
+                      <a:tailEnd type="none" w="med" len="med"/>
+                    </a:lnR>
+                    <a:lnB w="12700" cap="flat" cmpd="sng" algn="ctr">
+                      <a:solidFill>
+                        <a:scrgbClr r="0" g="0" b="0"/>
+                      </a:solidFill>
+                      <a:prstDash val="solid"/>
+                      <a:round/>
+                      <a:headEnd type="none" w="med" len="med"/>
+                      <a:tailEnd type="none" w="med" len="med"/>
+                    </a:lnB>
+                  </a:tcPr>
+                </a:tc>
+              </a:tr>
+            </a:tbl>
+          </a:graphicData>
+        </a:graphic>
+      </p:graphicFrame>
     </p:spTree>
     <p:extLst>
       <p:ext uri="{BB962C8B-B14F-4D97-AF65-F5344CB8AC3E}">
         <p14:creationId xmlns:p14="http://schemas.microsoft.com/office/powerpoint/2010/main" val="1264413412"/>
+      </p:ext>
+    </p:extLst>
+  </p:cSld>
+  <p:clrMapOvr>
+    <a:masterClrMapping/>
+  </p:clrMapOvr>
+  <p:timing>
+    <p:tnLst>
+      <p:par>
+        <p:cTn xmlns:p14="http://schemas.microsoft.com/office/powerpoint/2010/main" id="1" dur="indefinite" restart="never" nodeType="tmRoot"/>
+      </p:par>
+    </p:tnLst>
+  </p:timing>
+</p:sld>
+</file>
+
+<file path=ppt/slides/slide6.xml><?xml version="1.0" encoding="utf-8"?>
+<p:sld xmlns:a="http://schemas.openxmlformats.org/drawingml/2006/main" xmlns:r="http://schemas.openxmlformats.org/officeDocument/2006/relationships" xmlns:p="http://schemas.openxmlformats.org/presentationml/2006/main">
+  <p:cSld>
+    <p:spTree>
+      <p:nvGrpSpPr>
+        <p:cNvPr id="1" name=""/>
+        <p:cNvGrpSpPr/>
+        <p:nvPr/>
+      </p:nvGrpSpPr>
+      <p:grpSpPr>
+        <a:xfrm>
+          <a:off x="0" y="0"/>
+          <a:ext cx="0" cy="0"/>
+          <a:chOff x="0" y="0"/>
+          <a:chExt cx="0" cy="0"/>
+        </a:xfrm>
+      </p:grpSpPr>
+      <p:sp>
+        <p:nvSpPr>
+          <p:cNvPr id="3" name="Content Placeholder 2"/>
+          <p:cNvSpPr>
+            <a:spLocks noGrp="1"/>
+          </p:cNvSpPr>
+          <p:nvPr>
+            <p:ph idx="1"/>
+          </p:nvPr>
+        </p:nvSpPr>
+        <p:spPr>
+          <a:xfrm>
+            <a:off x="1253463" y="1258445"/>
+            <a:ext cx="6096000" cy="4664302"/>
+          </a:xfrm>
+        </p:spPr>
+        <p:txBody>
+          <a:bodyPr>
+            <a:normAutofit/>
+          </a:bodyPr>
+          <a:lstStyle/>
+          <a:p>
+            <a:r>
+              <a:rPr lang="en-US" dirty="0" err="1" smtClean="0"/>
+              <a:t>Adzuna</a:t>
+            </a:r>
+            <a:r>
+              <a:rPr lang="en-US" dirty="0" smtClean="0"/>
+              <a:t> offered a dataset</a:t>
+            </a:r>
+          </a:p>
+          <a:p>
+            <a:pPr lvl="1"/>
+            <a:r>
+              <a:rPr lang="en-US" dirty="0" err="1" smtClean="0"/>
+              <a:t>Train.csv</a:t>
+            </a:r>
+            <a:endParaRPr lang="en-US" dirty="0" smtClean="0"/>
+          </a:p>
+          <a:p>
+            <a:pPr lvl="1"/>
+            <a:endParaRPr lang="en-US" dirty="0" smtClean="0"/>
+          </a:p>
+          <a:p>
+            <a:pPr lvl="1"/>
+            <a:endParaRPr lang="en-US" dirty="0"/>
+          </a:p>
+          <a:p>
+            <a:pPr lvl="1"/>
+            <a:endParaRPr lang="en-US" dirty="0" smtClean="0"/>
+          </a:p>
+          <a:p>
+            <a:pPr lvl="1"/>
+            <a:r>
+              <a:rPr lang="en-US" dirty="0" smtClean="0"/>
+              <a:t>Over 244,000 training instances</a:t>
+            </a:r>
+          </a:p>
+        </p:txBody>
+      </p:sp>
+      <p:sp>
+        <p:nvSpPr>
+          <p:cNvPr id="2" name="Title 1"/>
+          <p:cNvSpPr>
+            <a:spLocks noGrp="1"/>
+          </p:cNvSpPr>
+          <p:nvPr>
+            <p:ph type="title"/>
+          </p:nvPr>
+        </p:nvSpPr>
+        <p:spPr>
+          <a:xfrm>
+            <a:off x="685800" y="324710"/>
+            <a:ext cx="7543800" cy="914400"/>
+          </a:xfrm>
+        </p:spPr>
+        <p:txBody>
+          <a:bodyPr/>
+          <a:lstStyle/>
+          <a:p>
+            <a:r>
+              <a:rPr lang="en-US" dirty="0" smtClean="0"/>
+              <a:t>Data</a:t>
+            </a:r>
+            <a:endParaRPr lang="en-US" dirty="0"/>
+          </a:p>
+        </p:txBody>
+      </p:sp>
+      <p:graphicFrame>
+        <p:nvGraphicFramePr>
+          <p:cNvPr id="6" name="Table 5"/>
+          <p:cNvGraphicFramePr>
+            <a:graphicFrameLocks noGrp="1"/>
+          </p:cNvGraphicFramePr>
+          <p:nvPr>
+            <p:extLst>
+              <p:ext uri="{D42A27DB-BD31-4B8C-83A1-F6EECF244321}">
+                <p14:modId xmlns:p14="http://schemas.microsoft.com/office/powerpoint/2010/main" val="3001444866"/>
+              </p:ext>
+            </p:extLst>
+          </p:nvPr>
+        </p:nvGraphicFramePr>
+        <p:xfrm>
+          <a:off x="-1" y="2419301"/>
+          <a:ext cx="9144000" cy="1010920"/>
+        </p:xfrm>
+        <a:graphic>
+          <a:graphicData uri="http://schemas.openxmlformats.org/drawingml/2006/table">
+            <a:tbl>
+              <a:tblPr firstRow="1" bandRow="1">
+                <a:tableStyleId>{D03447BB-5D67-496B-8E87-E561075AD55C}</a:tableStyleId>
+              </a:tblPr>
+              <a:tblGrid>
+                <a:gridCol w="500681"/>
+                <a:gridCol w="819526"/>
+                <a:gridCol w="2018210"/>
+                <a:gridCol w="1146293"/>
+                <a:gridCol w="1198465"/>
+                <a:gridCol w="1634541"/>
+                <a:gridCol w="1027502"/>
+                <a:gridCol w="798782"/>
+              </a:tblGrid>
+              <a:tr h="397183">
+                <a:tc>
+                  <a:txBody>
+                    <a:bodyPr/>
+                    <a:lstStyle/>
+                    <a:p>
+                      <a:pPr algn="ctr"/>
+                      <a:r>
+                        <a:rPr lang="en-US" dirty="0" smtClean="0"/>
+                        <a:t>ID</a:t>
+                      </a:r>
+                      <a:endParaRPr lang="en-US" dirty="0"/>
+                    </a:p>
+                  </a:txBody>
+                  <a:tcPr anchor="ctr">
+                    <a:lnL w="12700" cap="flat" cmpd="sng" algn="ctr">
+                      <a:solidFill>
+                        <a:scrgbClr r="0" g="0" b="0"/>
+                      </a:solidFill>
+                      <a:prstDash val="solid"/>
+                      <a:round/>
+                      <a:headEnd type="none" w="med" len="med"/>
+                      <a:tailEnd type="none" w="med" len="med"/>
+                    </a:lnL>
+                    <a:lnT w="12700" cap="flat" cmpd="sng" algn="ctr">
+                      <a:noFill/>
+                      <a:prstDash val="solid"/>
+                      <a:round/>
+                      <a:headEnd type="none" w="med" len="med"/>
+                      <a:tailEnd type="none" w="med" len="med"/>
+                    </a:lnT>
+                  </a:tcPr>
+                </a:tc>
+                <a:tc>
+                  <a:txBody>
+                    <a:bodyPr/>
+                    <a:lstStyle/>
+                    <a:p>
+                      <a:pPr algn="ctr"/>
+                      <a:r>
+                        <a:rPr lang="en-US" dirty="0" smtClean="0"/>
+                        <a:t>Title</a:t>
+                      </a:r>
+                      <a:endParaRPr lang="en-US" dirty="0"/>
+                    </a:p>
+                  </a:txBody>
+                  <a:tcPr anchor="ctr">
+                    <a:lnT w="12700" cap="flat" cmpd="sng" algn="ctr">
+                      <a:noFill/>
+                      <a:prstDash val="solid"/>
+                      <a:round/>
+                      <a:headEnd type="none" w="med" len="med"/>
+                      <a:tailEnd type="none" w="med" len="med"/>
+                    </a:lnT>
+                  </a:tcPr>
+                </a:tc>
+                <a:tc>
+                  <a:txBody>
+                    <a:bodyPr/>
+                    <a:lstStyle/>
+                    <a:p>
+                      <a:pPr algn="ctr"/>
+                      <a:r>
+                        <a:rPr lang="en-US" dirty="0" err="1" smtClean="0"/>
+                        <a:t>FullDescription</a:t>
+                      </a:r>
+                      <a:endParaRPr lang="en-US" dirty="0"/>
+                    </a:p>
+                  </a:txBody>
+                  <a:tcPr anchor="ctr">
+                    <a:lnT w="12700" cap="flat" cmpd="sng" algn="ctr">
+                      <a:noFill/>
+                      <a:prstDash val="solid"/>
+                      <a:round/>
+                      <a:headEnd type="none" w="med" len="med"/>
+                      <a:tailEnd type="none" w="med" len="med"/>
+                    </a:lnT>
+                  </a:tcPr>
+                </a:tc>
+                <a:tc>
+                  <a:txBody>
+                    <a:bodyPr/>
+                    <a:lstStyle/>
+                    <a:p>
+                      <a:pPr algn="ctr"/>
+                      <a:r>
+                        <a:rPr lang="en-US" dirty="0" err="1" smtClean="0"/>
+                        <a:t>Loc</a:t>
+                      </a:r>
+                      <a:r>
+                        <a:rPr lang="en-US" dirty="0" smtClean="0"/>
+                        <a:t> Raw</a:t>
+                      </a:r>
+                      <a:endParaRPr lang="en-US" dirty="0"/>
+                    </a:p>
+                  </a:txBody>
+                  <a:tcPr anchor="ctr">
+                    <a:lnT w="12700" cap="flat" cmpd="sng" algn="ctr">
+                      <a:noFill/>
+                      <a:prstDash val="solid"/>
+                      <a:round/>
+                      <a:headEnd type="none" w="med" len="med"/>
+                      <a:tailEnd type="none" w="med" len="med"/>
+                    </a:lnT>
+                  </a:tcPr>
+                </a:tc>
+                <a:tc>
+                  <a:txBody>
+                    <a:bodyPr/>
+                    <a:lstStyle/>
+                    <a:p>
+                      <a:pPr algn="ctr"/>
+                      <a:r>
+                        <a:rPr lang="en-US" dirty="0" err="1" smtClean="0"/>
+                        <a:t>Loc</a:t>
+                      </a:r>
+                      <a:r>
+                        <a:rPr lang="en-US" dirty="0" smtClean="0"/>
+                        <a:t> norm</a:t>
+                      </a:r>
+                      <a:endParaRPr lang="en-US" dirty="0"/>
+                    </a:p>
+                  </a:txBody>
+                  <a:tcPr anchor="ctr">
+                    <a:lnT w="12700" cap="flat" cmpd="sng" algn="ctr">
+                      <a:noFill/>
+                      <a:prstDash val="solid"/>
+                      <a:round/>
+                      <a:headEnd type="none" w="med" len="med"/>
+                      <a:tailEnd type="none" w="med" len="med"/>
+                    </a:lnT>
+                  </a:tcPr>
+                </a:tc>
+                <a:tc>
+                  <a:txBody>
+                    <a:bodyPr/>
+                    <a:lstStyle/>
+                    <a:p>
+                      <a:pPr algn="ctr"/>
+                      <a:r>
+                        <a:rPr lang="en-US" dirty="0" err="1" smtClean="0"/>
+                        <a:t>ContractType</a:t>
+                      </a:r>
+                      <a:endParaRPr lang="en-US" dirty="0"/>
+                    </a:p>
+                  </a:txBody>
+                  <a:tcPr anchor="ctr">
+                    <a:lnT w="12700" cap="flat" cmpd="sng" algn="ctr">
+                      <a:noFill/>
+                      <a:prstDash val="solid"/>
+                      <a:round/>
+                      <a:headEnd type="none" w="med" len="med"/>
+                      <a:tailEnd type="none" w="med" len="med"/>
+                    </a:lnT>
+                  </a:tcPr>
+                </a:tc>
+                <a:tc>
+                  <a:txBody>
+                    <a:bodyPr/>
+                    <a:lstStyle/>
+                    <a:p>
+                      <a:pPr algn="ctr"/>
+                      <a:r>
+                        <a:rPr lang="en-US" dirty="0" smtClean="0"/>
+                        <a:t>Company</a:t>
+                      </a:r>
+                      <a:endParaRPr lang="en-US" dirty="0"/>
+                    </a:p>
+                  </a:txBody>
+                  <a:tcPr anchor="ctr">
+                    <a:lnT w="12700" cap="flat" cmpd="sng" algn="ctr">
+                      <a:noFill/>
+                      <a:prstDash val="solid"/>
+                      <a:round/>
+                      <a:headEnd type="none" w="med" len="med"/>
+                      <a:tailEnd type="none" w="med" len="med"/>
+                    </a:lnT>
+                  </a:tcPr>
+                </a:tc>
+                <a:tc>
+                  <a:txBody>
+                    <a:bodyPr/>
+                    <a:lstStyle/>
+                    <a:p>
+                      <a:pPr algn="ctr"/>
+                      <a:r>
+                        <a:rPr lang="en-US" dirty="0" smtClean="0"/>
+                        <a:t>Salary</a:t>
+                      </a:r>
+                      <a:endParaRPr lang="en-US" dirty="0"/>
+                    </a:p>
+                  </a:txBody>
+                  <a:tcPr anchor="ctr">
+                    <a:lnR w="12700" cap="flat" cmpd="sng" algn="ctr">
+                      <a:solidFill>
+                        <a:scrgbClr r="0" g="0" b="0"/>
+                      </a:solidFill>
+                      <a:prstDash val="solid"/>
+                      <a:round/>
+                      <a:headEnd type="none" w="med" len="med"/>
+                      <a:tailEnd type="none" w="med" len="med"/>
+                    </a:lnR>
+                    <a:lnT w="12700" cap="flat" cmpd="sng" algn="ctr">
+                      <a:noFill/>
+                      <a:prstDash val="solid"/>
+                      <a:round/>
+                      <a:headEnd type="none" w="med" len="med"/>
+                      <a:tailEnd type="none" w="med" len="med"/>
+                    </a:lnT>
+                  </a:tcPr>
+                </a:tc>
+              </a:tr>
+              <a:tr h="370840">
+                <a:tc>
+                  <a:txBody>
+                    <a:bodyPr/>
+                    <a:lstStyle/>
+                    <a:p>
+                      <a:pPr algn="ctr"/>
+                      <a:r>
+                        <a:rPr lang="en-US" dirty="0" err="1" smtClean="0"/>
+                        <a:t>Int</a:t>
+                      </a:r>
+                      <a:endParaRPr lang="en-US" dirty="0"/>
+                    </a:p>
+                  </a:txBody>
+                  <a:tcPr anchor="ctr">
+                    <a:lnL w="12700" cap="flat" cmpd="sng" algn="ctr">
+                      <a:solidFill>
+                        <a:scrgbClr r="0" g="0" b="0"/>
+                      </a:solidFill>
+                      <a:prstDash val="solid"/>
+                      <a:round/>
+                      <a:headEnd type="none" w="med" len="med"/>
+                      <a:tailEnd type="none" w="med" len="med"/>
+                    </a:lnL>
+                    <a:lnB w="12700" cap="flat" cmpd="sng" algn="ctr">
+                      <a:solidFill>
+                        <a:scrgbClr r="0" g="0" b="0"/>
+                      </a:solidFill>
+                      <a:prstDash val="solid"/>
+                      <a:round/>
+                      <a:headEnd type="none" w="med" len="med"/>
+                      <a:tailEnd type="none" w="med" len="med"/>
+                    </a:lnB>
+                  </a:tcPr>
+                </a:tc>
+                <a:tc>
+                  <a:txBody>
+                    <a:bodyPr/>
+                    <a:lstStyle/>
+                    <a:p>
+                      <a:pPr algn="ctr"/>
+                      <a:r>
+                        <a:rPr lang="en-US" dirty="0" smtClean="0"/>
+                        <a:t>String</a:t>
+                      </a:r>
+                      <a:endParaRPr lang="en-US" dirty="0"/>
+                    </a:p>
+                  </a:txBody>
+                  <a:tcPr anchor="ctr">
+                    <a:lnB w="12700" cap="flat" cmpd="sng" algn="ctr">
+                      <a:solidFill>
+                        <a:scrgbClr r="0" g="0" b="0"/>
+                      </a:solidFill>
+                      <a:prstDash val="solid"/>
+                      <a:round/>
+                      <a:headEnd type="none" w="med" len="med"/>
+                      <a:tailEnd type="none" w="med" len="med"/>
+                    </a:lnB>
+                  </a:tcPr>
+                </a:tc>
+                <a:tc>
+                  <a:txBody>
+                    <a:bodyPr/>
+                    <a:lstStyle/>
+                    <a:p>
+                      <a:pPr algn="ctr"/>
+                      <a:r>
+                        <a:rPr lang="en-US" dirty="0" smtClean="0"/>
+                        <a:t>String</a:t>
+                      </a:r>
+                      <a:endParaRPr lang="en-US" dirty="0"/>
+                    </a:p>
+                  </a:txBody>
+                  <a:tcPr anchor="ctr">
+                    <a:lnB w="12700" cap="flat" cmpd="sng" algn="ctr">
+                      <a:solidFill>
+                        <a:scrgbClr r="0" g="0" b="0"/>
+                      </a:solidFill>
+                      <a:prstDash val="solid"/>
+                      <a:round/>
+                      <a:headEnd type="none" w="med" len="med"/>
+                      <a:tailEnd type="none" w="med" len="med"/>
+                    </a:lnB>
+                  </a:tcPr>
+                </a:tc>
+                <a:tc>
+                  <a:txBody>
+                    <a:bodyPr/>
+                    <a:lstStyle/>
+                    <a:p>
+                      <a:pPr algn="ctr"/>
+                      <a:r>
+                        <a:rPr lang="en-US" dirty="0" smtClean="0"/>
+                        <a:t>String</a:t>
+                      </a:r>
+                      <a:endParaRPr lang="en-US" dirty="0"/>
+                    </a:p>
+                  </a:txBody>
+                  <a:tcPr anchor="ctr">
+                    <a:lnB w="12700" cap="flat" cmpd="sng" algn="ctr">
+                      <a:solidFill>
+                        <a:scrgbClr r="0" g="0" b="0"/>
+                      </a:solidFill>
+                      <a:prstDash val="solid"/>
+                      <a:round/>
+                      <a:headEnd type="none" w="med" len="med"/>
+                      <a:tailEnd type="none" w="med" len="med"/>
+                    </a:lnB>
+                  </a:tcPr>
+                </a:tc>
+                <a:tc>
+                  <a:txBody>
+                    <a:bodyPr/>
+                    <a:lstStyle/>
+                    <a:p>
+                      <a:pPr algn="ctr"/>
+                      <a:r>
+                        <a:rPr lang="en-US" dirty="0" smtClean="0"/>
+                        <a:t>String</a:t>
+                      </a:r>
+                      <a:endParaRPr lang="en-US" dirty="0"/>
+                    </a:p>
+                  </a:txBody>
+                  <a:tcPr anchor="ctr">
+                    <a:lnB w="12700" cap="flat" cmpd="sng" algn="ctr">
+                      <a:solidFill>
+                        <a:scrgbClr r="0" g="0" b="0"/>
+                      </a:solidFill>
+                      <a:prstDash val="solid"/>
+                      <a:round/>
+                      <a:headEnd type="none" w="med" len="med"/>
+                      <a:tailEnd type="none" w="med" len="med"/>
+                    </a:lnB>
+                  </a:tcPr>
+                </a:tc>
+                <a:tc>
+                  <a:txBody>
+                    <a:bodyPr/>
+                    <a:lstStyle/>
+                    <a:p>
+                      <a:pPr algn="ctr"/>
+                      <a:r>
+                        <a:rPr lang="en-US" dirty="0" smtClean="0"/>
+                        <a:t>String</a:t>
+                      </a:r>
+                      <a:endParaRPr lang="en-US" dirty="0"/>
+                    </a:p>
+                  </a:txBody>
+                  <a:tcPr anchor="ctr">
+                    <a:lnB w="12700" cap="flat" cmpd="sng" algn="ctr">
+                      <a:solidFill>
+                        <a:scrgbClr r="0" g="0" b="0"/>
+                      </a:solidFill>
+                      <a:prstDash val="solid"/>
+                      <a:round/>
+                      <a:headEnd type="none" w="med" len="med"/>
+                      <a:tailEnd type="none" w="med" len="med"/>
+                    </a:lnB>
+                  </a:tcPr>
+                </a:tc>
+                <a:tc>
+                  <a:txBody>
+                    <a:bodyPr/>
+                    <a:lstStyle/>
+                    <a:p>
+                      <a:pPr algn="ctr"/>
+                      <a:r>
+                        <a:rPr lang="en-US" dirty="0" smtClean="0"/>
+                        <a:t>String</a:t>
+                      </a:r>
+                      <a:endParaRPr lang="en-US" dirty="0"/>
+                    </a:p>
+                  </a:txBody>
+                  <a:tcPr anchor="ctr">
+                    <a:lnB w="12700" cap="flat" cmpd="sng" algn="ctr">
+                      <a:solidFill>
+                        <a:scrgbClr r="0" g="0" b="0"/>
+                      </a:solidFill>
+                      <a:prstDash val="solid"/>
+                      <a:round/>
+                      <a:headEnd type="none" w="med" len="med"/>
+                      <a:tailEnd type="none" w="med" len="med"/>
+                    </a:lnB>
+                  </a:tcPr>
+                </a:tc>
+                <a:tc>
+                  <a:txBody>
+                    <a:bodyPr/>
+                    <a:lstStyle/>
+                    <a:p>
+                      <a:pPr algn="ctr"/>
+                      <a:r>
+                        <a:rPr lang="en-US" dirty="0" err="1" smtClean="0"/>
+                        <a:t>Int</a:t>
+                      </a:r>
+                      <a:endParaRPr lang="en-US" dirty="0"/>
+                    </a:p>
+                  </a:txBody>
+                  <a:tcPr anchor="ctr">
+                    <a:lnR w="12700" cap="flat" cmpd="sng" algn="ctr">
+                      <a:solidFill>
+                        <a:scrgbClr r="0" g="0" b="0"/>
+                      </a:solidFill>
+                      <a:prstDash val="solid"/>
+                      <a:round/>
+                      <a:headEnd type="none" w="med" len="med"/>
+                      <a:tailEnd type="none" w="med" len="med"/>
+                    </a:lnR>
+                    <a:lnB w="12700" cap="flat" cmpd="sng" algn="ctr">
+                      <a:solidFill>
+                        <a:scrgbClr r="0" g="0" b="0"/>
+                      </a:solidFill>
+                      <a:prstDash val="solid"/>
+                      <a:round/>
+                      <a:headEnd type="none" w="med" len="med"/>
+                      <a:tailEnd type="none" w="med" len="med"/>
+                    </a:lnB>
+                  </a:tcPr>
+                </a:tc>
+              </a:tr>
+            </a:tbl>
+          </a:graphicData>
+        </a:graphic>
+      </p:graphicFrame>
+    </p:spTree>
+    <p:extLst>
+      <p:ext uri="{BB962C8B-B14F-4D97-AF65-F5344CB8AC3E}">
+        <p14:creationId xmlns:p14="http://schemas.microsoft.com/office/powerpoint/2010/main" val="4107556346"/>
+      </p:ext>
+    </p:extLst>
+  </p:cSld>
+  <p:clrMapOvr>
+    <a:masterClrMapping/>
+  </p:clrMapOvr>
+  <p:timing>
+    <p:tnLst>
+      <p:par>
+        <p:cTn xmlns:p14="http://schemas.microsoft.com/office/powerpoint/2010/main" id="1" dur="indefinite" restart="never" nodeType="tmRoot"/>
+      </p:par>
+    </p:tnLst>
+  </p:timing>
+</p:sld>
+</file>
+
+<file path=ppt/slides/slide7.xml><?xml version="1.0" encoding="utf-8"?>
+<p:sld xmlns:a="http://schemas.openxmlformats.org/drawingml/2006/main" xmlns:r="http://schemas.openxmlformats.org/officeDocument/2006/relationships" xmlns:p="http://schemas.openxmlformats.org/presentationml/2006/main">
+  <p:cSld>
+    <p:spTree>
+      <p:nvGrpSpPr>
+        <p:cNvPr id="1" name=""/>
+        <p:cNvGrpSpPr/>
+        <p:nvPr/>
+      </p:nvGrpSpPr>
+      <p:grpSpPr>
+        <a:xfrm>
+          <a:off x="0" y="0"/>
+          <a:ext cx="0" cy="0"/>
+          <a:chOff x="0" y="0"/>
+          <a:chExt cx="0" cy="0"/>
+        </a:xfrm>
+      </p:grpSpPr>
+      <p:sp>
+        <p:nvSpPr>
+          <p:cNvPr id="3" name="Content Placeholder 2"/>
+          <p:cNvSpPr>
+            <a:spLocks noGrp="1"/>
+          </p:cNvSpPr>
+          <p:nvPr>
+            <p:ph idx="1"/>
+          </p:nvPr>
+        </p:nvSpPr>
+        <p:spPr>
+          <a:xfrm>
+            <a:off x="1253463" y="1258445"/>
+            <a:ext cx="6096000" cy="4664302"/>
+          </a:xfrm>
+        </p:spPr>
+        <p:txBody>
+          <a:bodyPr>
+            <a:normAutofit/>
+          </a:bodyPr>
+          <a:lstStyle/>
+          <a:p>
+            <a:r>
+              <a:rPr lang="en-US" dirty="0" err="1" smtClean="0"/>
+              <a:t>Adzuna</a:t>
+            </a:r>
+            <a:r>
+              <a:rPr lang="en-US" dirty="0" smtClean="0"/>
+              <a:t> offered a dataset</a:t>
+            </a:r>
+          </a:p>
+          <a:p>
+            <a:pPr lvl="1"/>
+            <a:r>
+              <a:rPr lang="en-US" dirty="0" err="1" smtClean="0"/>
+              <a:t>Train.csv</a:t>
+            </a:r>
+            <a:endParaRPr lang="en-US" dirty="0" smtClean="0"/>
+          </a:p>
+          <a:p>
+            <a:pPr lvl="1"/>
+            <a:endParaRPr lang="en-US" dirty="0" smtClean="0"/>
+          </a:p>
+          <a:p>
+            <a:pPr lvl="1"/>
+            <a:endParaRPr lang="en-US" dirty="0"/>
+          </a:p>
+          <a:p>
+            <a:pPr lvl="1"/>
+            <a:endParaRPr lang="en-US" dirty="0" smtClean="0"/>
+          </a:p>
+          <a:p>
+            <a:pPr lvl="1"/>
+            <a:r>
+              <a:rPr lang="en-US" dirty="0" smtClean="0"/>
+              <a:t>Over 240,000 training instances</a:t>
+            </a:r>
+          </a:p>
+          <a:p>
+            <a:pPr lvl="1"/>
+            <a:r>
+              <a:rPr lang="en-US" dirty="0" smtClean="0"/>
+              <a:t>Approximately 40,000 test instances</a:t>
+            </a:r>
+          </a:p>
+          <a:p>
+            <a:pPr lvl="1"/>
+            <a:r>
+              <a:rPr lang="en-US" dirty="0" smtClean="0"/>
+              <a:t>Mostly String attributes, two very important ones, </a:t>
+            </a:r>
+            <a:r>
+              <a:rPr lang="en-US" b="1" dirty="0" err="1" smtClean="0"/>
+              <a:t>FullDescription</a:t>
+            </a:r>
+            <a:r>
+              <a:rPr lang="en-US" dirty="0" smtClean="0"/>
+              <a:t>, and </a:t>
+            </a:r>
+            <a:r>
+              <a:rPr lang="en-US" b="1" dirty="0" smtClean="0"/>
+              <a:t>Title</a:t>
+            </a:r>
+            <a:endParaRPr lang="en-US" dirty="0" smtClean="0"/>
+          </a:p>
+        </p:txBody>
+      </p:sp>
+      <p:sp>
+        <p:nvSpPr>
+          <p:cNvPr id="2" name="Title 1"/>
+          <p:cNvSpPr>
+            <a:spLocks noGrp="1"/>
+          </p:cNvSpPr>
+          <p:nvPr>
+            <p:ph type="title"/>
+          </p:nvPr>
+        </p:nvSpPr>
+        <p:spPr>
+          <a:xfrm>
+            <a:off x="685800" y="324710"/>
+            <a:ext cx="7543800" cy="914400"/>
+          </a:xfrm>
+        </p:spPr>
+        <p:txBody>
+          <a:bodyPr/>
+          <a:lstStyle/>
+          <a:p>
+            <a:r>
+              <a:rPr lang="en-US" dirty="0" smtClean="0"/>
+              <a:t>Data</a:t>
+            </a:r>
+            <a:endParaRPr lang="en-US" dirty="0"/>
+          </a:p>
+        </p:txBody>
+      </p:sp>
+      <p:graphicFrame>
+        <p:nvGraphicFramePr>
+          <p:cNvPr id="6" name="Table 5"/>
+          <p:cNvGraphicFramePr>
+            <a:graphicFrameLocks noGrp="1"/>
+          </p:cNvGraphicFramePr>
+          <p:nvPr>
+            <p:extLst>
+              <p:ext uri="{D42A27DB-BD31-4B8C-83A1-F6EECF244321}">
+                <p14:modId xmlns:p14="http://schemas.microsoft.com/office/powerpoint/2010/main" val="3304856811"/>
+              </p:ext>
+            </p:extLst>
+          </p:nvPr>
+        </p:nvGraphicFramePr>
+        <p:xfrm>
+          <a:off x="-1" y="2419301"/>
+          <a:ext cx="9144000" cy="1010920"/>
+        </p:xfrm>
+        <a:graphic>
+          <a:graphicData uri="http://schemas.openxmlformats.org/drawingml/2006/table">
+            <a:tbl>
+              <a:tblPr firstRow="1" bandRow="1">
+                <a:tableStyleId>{D03447BB-5D67-496B-8E87-E561075AD55C}</a:tableStyleId>
+              </a:tblPr>
+              <a:tblGrid>
+                <a:gridCol w="500681"/>
+                <a:gridCol w="819526"/>
+                <a:gridCol w="2018210"/>
+                <a:gridCol w="1146293"/>
+                <a:gridCol w="1198465"/>
+                <a:gridCol w="1634541"/>
+                <a:gridCol w="1027502"/>
+                <a:gridCol w="798782"/>
+              </a:tblGrid>
+              <a:tr h="397183">
+                <a:tc>
+                  <a:txBody>
+                    <a:bodyPr/>
+                    <a:lstStyle/>
+                    <a:p>
+                      <a:pPr algn="ctr"/>
+                      <a:r>
+                        <a:rPr lang="en-US" dirty="0" smtClean="0"/>
+                        <a:t>ID</a:t>
+                      </a:r>
+                      <a:endParaRPr lang="en-US" dirty="0"/>
+                    </a:p>
+                  </a:txBody>
+                  <a:tcPr anchor="ctr">
+                    <a:lnL w="12700" cap="flat" cmpd="sng" algn="ctr">
+                      <a:solidFill>
+                        <a:scrgbClr r="0" g="0" b="0"/>
+                      </a:solidFill>
+                      <a:prstDash val="solid"/>
+                      <a:round/>
+                      <a:headEnd type="none" w="med" len="med"/>
+                      <a:tailEnd type="none" w="med" len="med"/>
+                    </a:lnL>
+                    <a:lnT w="12700" cap="flat" cmpd="sng" algn="ctr">
+                      <a:noFill/>
+                      <a:prstDash val="solid"/>
+                      <a:round/>
+                      <a:headEnd type="none" w="med" len="med"/>
+                      <a:tailEnd type="none" w="med" len="med"/>
+                    </a:lnT>
+                  </a:tcPr>
+                </a:tc>
+                <a:tc>
+                  <a:txBody>
+                    <a:bodyPr/>
+                    <a:lstStyle/>
+                    <a:p>
+                      <a:pPr algn="ctr"/>
+                      <a:r>
+                        <a:rPr lang="en-US" dirty="0" smtClean="0"/>
+                        <a:t>Title</a:t>
+                      </a:r>
+                      <a:endParaRPr lang="en-US" dirty="0"/>
+                    </a:p>
+                  </a:txBody>
+                  <a:tcPr anchor="ctr">
+                    <a:lnT w="12700" cap="flat" cmpd="sng" algn="ctr">
+                      <a:noFill/>
+                      <a:prstDash val="solid"/>
+                      <a:round/>
+                      <a:headEnd type="none" w="med" len="med"/>
+                      <a:tailEnd type="none" w="med" len="med"/>
+                    </a:lnT>
+                  </a:tcPr>
+                </a:tc>
+                <a:tc>
+                  <a:txBody>
+                    <a:bodyPr/>
+                    <a:lstStyle/>
+                    <a:p>
+                      <a:pPr algn="ctr"/>
+                      <a:r>
+                        <a:rPr lang="en-US" dirty="0" err="1" smtClean="0"/>
+                        <a:t>FullDescription</a:t>
+                      </a:r>
+                      <a:endParaRPr lang="en-US" dirty="0"/>
+                    </a:p>
+                  </a:txBody>
+                  <a:tcPr anchor="ctr">
+                    <a:lnT w="12700" cap="flat" cmpd="sng" algn="ctr">
+                      <a:noFill/>
+                      <a:prstDash val="solid"/>
+                      <a:round/>
+                      <a:headEnd type="none" w="med" len="med"/>
+                      <a:tailEnd type="none" w="med" len="med"/>
+                    </a:lnT>
+                  </a:tcPr>
+                </a:tc>
+                <a:tc>
+                  <a:txBody>
+                    <a:bodyPr/>
+                    <a:lstStyle/>
+                    <a:p>
+                      <a:pPr algn="ctr"/>
+                      <a:r>
+                        <a:rPr lang="en-US" dirty="0" err="1" smtClean="0"/>
+                        <a:t>Loc</a:t>
+                      </a:r>
+                      <a:r>
+                        <a:rPr lang="en-US" dirty="0" smtClean="0"/>
+                        <a:t> Raw</a:t>
+                      </a:r>
+                      <a:endParaRPr lang="en-US" dirty="0"/>
+                    </a:p>
+                  </a:txBody>
+                  <a:tcPr anchor="ctr">
+                    <a:lnT w="12700" cap="flat" cmpd="sng" algn="ctr">
+                      <a:noFill/>
+                      <a:prstDash val="solid"/>
+                      <a:round/>
+                      <a:headEnd type="none" w="med" len="med"/>
+                      <a:tailEnd type="none" w="med" len="med"/>
+                    </a:lnT>
+                  </a:tcPr>
+                </a:tc>
+                <a:tc>
+                  <a:txBody>
+                    <a:bodyPr/>
+                    <a:lstStyle/>
+                    <a:p>
+                      <a:pPr algn="ctr"/>
+                      <a:r>
+                        <a:rPr lang="en-US" dirty="0" err="1" smtClean="0"/>
+                        <a:t>Loc</a:t>
+                      </a:r>
+                      <a:r>
+                        <a:rPr lang="en-US" dirty="0" smtClean="0"/>
+                        <a:t> norm</a:t>
+                      </a:r>
+                      <a:endParaRPr lang="en-US" dirty="0"/>
+                    </a:p>
+                  </a:txBody>
+                  <a:tcPr anchor="ctr">
+                    <a:lnT w="12700" cap="flat" cmpd="sng" algn="ctr">
+                      <a:noFill/>
+                      <a:prstDash val="solid"/>
+                      <a:round/>
+                      <a:headEnd type="none" w="med" len="med"/>
+                      <a:tailEnd type="none" w="med" len="med"/>
+                    </a:lnT>
+                  </a:tcPr>
+                </a:tc>
+                <a:tc>
+                  <a:txBody>
+                    <a:bodyPr/>
+                    <a:lstStyle/>
+                    <a:p>
+                      <a:pPr algn="ctr"/>
+                      <a:r>
+                        <a:rPr lang="en-US" dirty="0" err="1" smtClean="0"/>
+                        <a:t>ContractType</a:t>
+                      </a:r>
+                      <a:endParaRPr lang="en-US" dirty="0"/>
+                    </a:p>
+                  </a:txBody>
+                  <a:tcPr anchor="ctr">
+                    <a:lnT w="12700" cap="flat" cmpd="sng" algn="ctr">
+                      <a:noFill/>
+                      <a:prstDash val="solid"/>
+                      <a:round/>
+                      <a:headEnd type="none" w="med" len="med"/>
+                      <a:tailEnd type="none" w="med" len="med"/>
+                    </a:lnT>
+                  </a:tcPr>
+                </a:tc>
+                <a:tc>
+                  <a:txBody>
+                    <a:bodyPr/>
+                    <a:lstStyle/>
+                    <a:p>
+                      <a:pPr algn="ctr"/>
+                      <a:r>
+                        <a:rPr lang="en-US" dirty="0" smtClean="0"/>
+                        <a:t>Company</a:t>
+                      </a:r>
+                      <a:endParaRPr lang="en-US" dirty="0"/>
+                    </a:p>
+                  </a:txBody>
+                  <a:tcPr anchor="ctr">
+                    <a:lnT w="12700" cap="flat" cmpd="sng" algn="ctr">
+                      <a:noFill/>
+                      <a:prstDash val="solid"/>
+                      <a:round/>
+                      <a:headEnd type="none" w="med" len="med"/>
+                      <a:tailEnd type="none" w="med" len="med"/>
+                    </a:lnT>
+                  </a:tcPr>
+                </a:tc>
+                <a:tc>
+                  <a:txBody>
+                    <a:bodyPr/>
+                    <a:lstStyle/>
+                    <a:p>
+                      <a:pPr algn="ctr"/>
+                      <a:r>
+                        <a:rPr lang="en-US" dirty="0" smtClean="0"/>
+                        <a:t>Salary</a:t>
+                      </a:r>
+                      <a:endParaRPr lang="en-US" dirty="0"/>
+                    </a:p>
+                  </a:txBody>
+                  <a:tcPr anchor="ctr">
+                    <a:lnR w="12700" cap="flat" cmpd="sng" algn="ctr">
+                      <a:solidFill>
+                        <a:scrgbClr r="0" g="0" b="0"/>
+                      </a:solidFill>
+                      <a:prstDash val="solid"/>
+                      <a:round/>
+                      <a:headEnd type="none" w="med" len="med"/>
+                      <a:tailEnd type="none" w="med" len="med"/>
+                    </a:lnR>
+                    <a:lnT w="12700" cap="flat" cmpd="sng" algn="ctr">
+                      <a:noFill/>
+                      <a:prstDash val="solid"/>
+                      <a:round/>
+                      <a:headEnd type="none" w="med" len="med"/>
+                      <a:tailEnd type="none" w="med" len="med"/>
+                    </a:lnT>
+                  </a:tcPr>
+                </a:tc>
+              </a:tr>
+              <a:tr h="370840">
+                <a:tc>
+                  <a:txBody>
+                    <a:bodyPr/>
+                    <a:lstStyle/>
+                    <a:p>
+                      <a:pPr algn="ctr"/>
+                      <a:r>
+                        <a:rPr lang="en-US" dirty="0" err="1" smtClean="0"/>
+                        <a:t>Int</a:t>
+                      </a:r>
+                      <a:endParaRPr lang="en-US" dirty="0"/>
+                    </a:p>
+                  </a:txBody>
+                  <a:tcPr anchor="ctr">
+                    <a:lnL w="12700" cap="flat" cmpd="sng" algn="ctr">
+                      <a:solidFill>
+                        <a:scrgbClr r="0" g="0" b="0"/>
+                      </a:solidFill>
+                      <a:prstDash val="solid"/>
+                      <a:round/>
+                      <a:headEnd type="none" w="med" len="med"/>
+                      <a:tailEnd type="none" w="med" len="med"/>
+                    </a:lnL>
+                    <a:lnB w="12700" cap="flat" cmpd="sng" algn="ctr">
+                      <a:solidFill>
+                        <a:scrgbClr r="0" g="0" b="0"/>
+                      </a:solidFill>
+                      <a:prstDash val="solid"/>
+                      <a:round/>
+                      <a:headEnd type="none" w="med" len="med"/>
+                      <a:tailEnd type="none" w="med" len="med"/>
+                    </a:lnB>
+                  </a:tcPr>
+                </a:tc>
+                <a:tc>
+                  <a:txBody>
+                    <a:bodyPr/>
+                    <a:lstStyle/>
+                    <a:p>
+                      <a:pPr algn="ctr"/>
+                      <a:r>
+                        <a:rPr lang="en-US" dirty="0" smtClean="0"/>
+                        <a:t>String</a:t>
+                      </a:r>
+                      <a:endParaRPr lang="en-US" dirty="0"/>
+                    </a:p>
+                  </a:txBody>
+                  <a:tcPr anchor="ctr">
+                    <a:lnB w="12700" cap="flat" cmpd="sng" algn="ctr">
+                      <a:solidFill>
+                        <a:scrgbClr r="0" g="0" b="0"/>
+                      </a:solidFill>
+                      <a:prstDash val="solid"/>
+                      <a:round/>
+                      <a:headEnd type="none" w="med" len="med"/>
+                      <a:tailEnd type="none" w="med" len="med"/>
+                    </a:lnB>
+                  </a:tcPr>
+                </a:tc>
+                <a:tc>
+                  <a:txBody>
+                    <a:bodyPr/>
+                    <a:lstStyle/>
+                    <a:p>
+                      <a:pPr algn="ctr"/>
+                      <a:r>
+                        <a:rPr lang="en-US" dirty="0" smtClean="0"/>
+                        <a:t>String</a:t>
+                      </a:r>
+                      <a:endParaRPr lang="en-US" dirty="0"/>
+                    </a:p>
+                  </a:txBody>
+                  <a:tcPr anchor="ctr">
+                    <a:lnB w="12700" cap="flat" cmpd="sng" algn="ctr">
+                      <a:solidFill>
+                        <a:scrgbClr r="0" g="0" b="0"/>
+                      </a:solidFill>
+                      <a:prstDash val="solid"/>
+                      <a:round/>
+                      <a:headEnd type="none" w="med" len="med"/>
+                      <a:tailEnd type="none" w="med" len="med"/>
+                    </a:lnB>
+                  </a:tcPr>
+                </a:tc>
+                <a:tc>
+                  <a:txBody>
+                    <a:bodyPr/>
+                    <a:lstStyle/>
+                    <a:p>
+                      <a:pPr algn="ctr"/>
+                      <a:r>
+                        <a:rPr lang="en-US" dirty="0" smtClean="0"/>
+                        <a:t>String</a:t>
+                      </a:r>
+                      <a:endParaRPr lang="en-US" dirty="0"/>
+                    </a:p>
+                  </a:txBody>
+                  <a:tcPr anchor="ctr">
+                    <a:lnB w="12700" cap="flat" cmpd="sng" algn="ctr">
+                      <a:solidFill>
+                        <a:scrgbClr r="0" g="0" b="0"/>
+                      </a:solidFill>
+                      <a:prstDash val="solid"/>
+                      <a:round/>
+                      <a:headEnd type="none" w="med" len="med"/>
+                      <a:tailEnd type="none" w="med" len="med"/>
+                    </a:lnB>
+                  </a:tcPr>
+                </a:tc>
+                <a:tc>
+                  <a:txBody>
+                    <a:bodyPr/>
+                    <a:lstStyle/>
+                    <a:p>
+                      <a:pPr algn="ctr"/>
+                      <a:r>
+                        <a:rPr lang="en-US" dirty="0" smtClean="0"/>
+                        <a:t>String</a:t>
+                      </a:r>
+                      <a:endParaRPr lang="en-US" dirty="0"/>
+                    </a:p>
+                  </a:txBody>
+                  <a:tcPr anchor="ctr">
+                    <a:lnB w="12700" cap="flat" cmpd="sng" algn="ctr">
+                      <a:solidFill>
+                        <a:scrgbClr r="0" g="0" b="0"/>
+                      </a:solidFill>
+                      <a:prstDash val="solid"/>
+                      <a:round/>
+                      <a:headEnd type="none" w="med" len="med"/>
+                      <a:tailEnd type="none" w="med" len="med"/>
+                    </a:lnB>
+                  </a:tcPr>
+                </a:tc>
+                <a:tc>
+                  <a:txBody>
+                    <a:bodyPr/>
+                    <a:lstStyle/>
+                    <a:p>
+                      <a:pPr algn="ctr"/>
+                      <a:r>
+                        <a:rPr lang="en-US" dirty="0" smtClean="0"/>
+                        <a:t>String</a:t>
+                      </a:r>
+                      <a:endParaRPr lang="en-US" dirty="0"/>
+                    </a:p>
+                  </a:txBody>
+                  <a:tcPr anchor="ctr">
+                    <a:lnB w="12700" cap="flat" cmpd="sng" algn="ctr">
+                      <a:solidFill>
+                        <a:scrgbClr r="0" g="0" b="0"/>
+                      </a:solidFill>
+                      <a:prstDash val="solid"/>
+                      <a:round/>
+                      <a:headEnd type="none" w="med" len="med"/>
+                      <a:tailEnd type="none" w="med" len="med"/>
+                    </a:lnB>
+                  </a:tcPr>
+                </a:tc>
+                <a:tc>
+                  <a:txBody>
+                    <a:bodyPr/>
+                    <a:lstStyle/>
+                    <a:p>
+                      <a:pPr algn="ctr"/>
+                      <a:r>
+                        <a:rPr lang="en-US" dirty="0" smtClean="0"/>
+                        <a:t>String</a:t>
+                      </a:r>
+                      <a:endParaRPr lang="en-US" dirty="0"/>
+                    </a:p>
+                  </a:txBody>
+                  <a:tcPr anchor="ctr">
+                    <a:lnB w="12700" cap="flat" cmpd="sng" algn="ctr">
+                      <a:solidFill>
+                        <a:scrgbClr r="0" g="0" b="0"/>
+                      </a:solidFill>
+                      <a:prstDash val="solid"/>
+                      <a:round/>
+                      <a:headEnd type="none" w="med" len="med"/>
+                      <a:tailEnd type="none" w="med" len="med"/>
+                    </a:lnB>
+                  </a:tcPr>
+                </a:tc>
+                <a:tc>
+                  <a:txBody>
+                    <a:bodyPr/>
+                    <a:lstStyle/>
+                    <a:p>
+                      <a:pPr algn="ctr"/>
+                      <a:r>
+                        <a:rPr lang="en-US" dirty="0" err="1" smtClean="0"/>
+                        <a:t>Int</a:t>
+                      </a:r>
+                      <a:endParaRPr lang="en-US" dirty="0"/>
+                    </a:p>
+                  </a:txBody>
+                  <a:tcPr anchor="ctr">
+                    <a:lnR w="12700" cap="flat" cmpd="sng" algn="ctr">
+                      <a:solidFill>
+                        <a:scrgbClr r="0" g="0" b="0"/>
+                      </a:solidFill>
+                      <a:prstDash val="solid"/>
+                      <a:round/>
+                      <a:headEnd type="none" w="med" len="med"/>
+                      <a:tailEnd type="none" w="med" len="med"/>
+                    </a:lnR>
+                    <a:lnB w="12700" cap="flat" cmpd="sng" algn="ctr">
+                      <a:solidFill>
+                        <a:scrgbClr r="0" g="0" b="0"/>
+                      </a:solidFill>
+                      <a:prstDash val="solid"/>
+                      <a:round/>
+                      <a:headEnd type="none" w="med" len="med"/>
+                      <a:tailEnd type="none" w="med" len="med"/>
+                    </a:lnB>
+                  </a:tcPr>
+                </a:tc>
+              </a:tr>
+            </a:tbl>
+          </a:graphicData>
+        </a:graphic>
+      </p:graphicFrame>
+    </p:spTree>
+    <p:extLst>
+      <p:ext uri="{BB962C8B-B14F-4D97-AF65-F5344CB8AC3E}">
+        <p14:creationId xmlns:p14="http://schemas.microsoft.com/office/powerpoint/2010/main" val="818185699"/>
+      </p:ext>
+    </p:extLst>
+  </p:cSld>
+  <p:clrMapOvr>
+    <a:masterClrMapping/>
+  </p:clrMapOvr>
+  <p:timing>
+    <p:tnLst>
+      <p:par>
+        <p:cTn xmlns:p14="http://schemas.microsoft.com/office/powerpoint/2010/main" id="1" dur="indefinite" restart="never" nodeType="tmRoot"/>
+      </p:par>
+    </p:tnLst>
+  </p:timing>
+</p:sld>
+</file>
+
+<file path=ppt/slides/slide8.xml><?xml version="1.0" encoding="utf-8"?>
+<p:sld xmlns:a="http://schemas.openxmlformats.org/drawingml/2006/main" xmlns:r="http://schemas.openxmlformats.org/officeDocument/2006/relationships" xmlns:p="http://schemas.openxmlformats.org/presentationml/2006/main">
+  <p:cSld>
+    <p:spTree>
+      <p:nvGrpSpPr>
+        <p:cNvPr id="1" name=""/>
+        <p:cNvGrpSpPr/>
+        <p:nvPr/>
+      </p:nvGrpSpPr>
+      <p:grpSpPr>
+        <a:xfrm>
+          <a:off x="0" y="0"/>
+          <a:ext cx="0" cy="0"/>
+          <a:chOff x="0" y="0"/>
+          <a:chExt cx="0" cy="0"/>
+        </a:xfrm>
+      </p:grpSpPr>
+      <p:sp>
+        <p:nvSpPr>
+          <p:cNvPr id="3" name="Content Placeholder 2"/>
+          <p:cNvSpPr>
+            <a:spLocks noGrp="1"/>
+          </p:cNvSpPr>
+          <p:nvPr>
+            <p:ph idx="1"/>
+          </p:nvPr>
+        </p:nvSpPr>
+        <p:spPr>
+          <a:xfrm>
+            <a:off x="1253463" y="1258445"/>
+            <a:ext cx="6096000" cy="4664302"/>
+          </a:xfrm>
+        </p:spPr>
+        <p:txBody>
+          <a:bodyPr>
+            <a:normAutofit/>
+          </a:bodyPr>
+          <a:lstStyle/>
+          <a:p>
+            <a:r>
+              <a:rPr lang="en-US" dirty="0" smtClean="0"/>
+              <a:t>How to interpret the data</a:t>
+            </a:r>
+          </a:p>
+        </p:txBody>
+      </p:sp>
+      <p:sp>
+        <p:nvSpPr>
+          <p:cNvPr id="2" name="Title 1"/>
+          <p:cNvSpPr>
+            <a:spLocks noGrp="1"/>
+          </p:cNvSpPr>
+          <p:nvPr>
+            <p:ph type="title"/>
+          </p:nvPr>
+        </p:nvSpPr>
+        <p:spPr>
+          <a:xfrm>
+            <a:off x="685800" y="324710"/>
+            <a:ext cx="7543800" cy="914400"/>
+          </a:xfrm>
+        </p:spPr>
+        <p:txBody>
+          <a:bodyPr/>
+          <a:lstStyle/>
+          <a:p>
+            <a:r>
+              <a:rPr lang="en-US" dirty="0" smtClean="0"/>
+              <a:t>Data Preparation</a:t>
+            </a:r>
+            <a:endParaRPr lang="en-US" dirty="0"/>
+          </a:p>
+        </p:txBody>
+      </p:sp>
+    </p:spTree>
+    <p:extLst>
+      <p:ext uri="{BB962C8B-B14F-4D97-AF65-F5344CB8AC3E}">
+        <p14:creationId xmlns:p14="http://schemas.microsoft.com/office/powerpoint/2010/main" val="755781717"/>
+      </p:ext>
+    </p:extLst>
+  </p:cSld>
+  <p:clrMapOvr>
+    <a:masterClrMapping/>
+  </p:clrMapOvr>
+  <p:timing>
+    <p:tnLst>
+      <p:par>
+        <p:cTn xmlns:p14="http://schemas.microsoft.com/office/powerpoint/2010/main" id="1" dur="indefinite" restart="never" nodeType="tmRoot"/>
+      </p:par>
+    </p:tnLst>
+  </p:timing>
+</p:sld>
+</file>
+
+<file path=ppt/slides/slide9.xml><?xml version="1.0" encoding="utf-8"?>
+<p:sld xmlns:a="http://schemas.openxmlformats.org/drawingml/2006/main" xmlns:r="http://schemas.openxmlformats.org/officeDocument/2006/relationships" xmlns:p="http://schemas.openxmlformats.org/presentationml/2006/main">
+  <p:cSld>
+    <p:spTree>
+      <p:nvGrpSpPr>
+        <p:cNvPr id="1" name=""/>
+        <p:cNvGrpSpPr/>
+        <p:nvPr/>
+      </p:nvGrpSpPr>
+      <p:grpSpPr>
+        <a:xfrm>
+          <a:off x="0" y="0"/>
+          <a:ext cx="0" cy="0"/>
+          <a:chOff x="0" y="0"/>
+          <a:chExt cx="0" cy="0"/>
+        </a:xfrm>
+      </p:grpSpPr>
+      <p:sp>
+        <p:nvSpPr>
+          <p:cNvPr id="3" name="Content Placeholder 2"/>
+          <p:cNvSpPr>
+            <a:spLocks noGrp="1"/>
+          </p:cNvSpPr>
+          <p:nvPr>
+            <p:ph idx="1"/>
+          </p:nvPr>
+        </p:nvSpPr>
+        <p:spPr>
+          <a:xfrm>
+            <a:off x="1253463" y="1258445"/>
+            <a:ext cx="6096000" cy="4664302"/>
+          </a:xfrm>
+        </p:spPr>
+        <p:txBody>
+          <a:bodyPr>
+            <a:normAutofit/>
+          </a:bodyPr>
+          <a:lstStyle/>
+          <a:p>
+            <a:r>
+              <a:rPr lang="en-US" dirty="0" smtClean="0"/>
+              <a:t>How to interpret the data</a:t>
+            </a:r>
+          </a:p>
+          <a:p>
+            <a:pPr lvl="1"/>
+            <a:r>
+              <a:rPr lang="en-US" dirty="0" err="1" smtClean="0"/>
+              <a:t>Binarized</a:t>
+            </a:r>
+            <a:r>
+              <a:rPr lang="en-US" dirty="0" smtClean="0"/>
+              <a:t> Attributes </a:t>
+            </a:r>
+          </a:p>
+          <a:p>
+            <a:pPr lvl="2"/>
+            <a:r>
+              <a:rPr lang="en-US" dirty="0" smtClean="0"/>
+              <a:t>Encode the categorical attributes to a binary one-hot vector (mainly done to save space &amp; time)</a:t>
+            </a:r>
+          </a:p>
+        </p:txBody>
+      </p:sp>
+      <p:sp>
+        <p:nvSpPr>
+          <p:cNvPr id="2" name="Title 1"/>
+          <p:cNvSpPr>
+            <a:spLocks noGrp="1"/>
+          </p:cNvSpPr>
+          <p:nvPr>
+            <p:ph type="title"/>
+          </p:nvPr>
+        </p:nvSpPr>
+        <p:spPr>
+          <a:xfrm>
+            <a:off x="685800" y="324710"/>
+            <a:ext cx="7543800" cy="914400"/>
+          </a:xfrm>
+        </p:spPr>
+        <p:txBody>
+          <a:bodyPr/>
+          <a:lstStyle/>
+          <a:p>
+            <a:r>
+              <a:rPr lang="en-US" dirty="0" smtClean="0"/>
+              <a:t>Data Preparation</a:t>
+            </a:r>
+            <a:endParaRPr lang="en-US" dirty="0"/>
+          </a:p>
+        </p:txBody>
+      </p:sp>
+    </p:spTree>
+    <p:extLst>
+      <p:ext uri="{BB962C8B-B14F-4D97-AF65-F5344CB8AC3E}">
+        <p14:creationId xmlns:p14="http://schemas.microsoft.com/office/powerpoint/2010/main" val="3782876595"/>
       </p:ext>
     </p:extLst>
   </p:cSld>

--- a/presentation.pptx
+++ b/presentation.pptx
@@ -5,7 +5,7 @@
     <p:sldMasterId id="2147483837" r:id="rId1"/>
   </p:sldMasterIdLst>
   <p:notesMasterIdLst>
-    <p:notesMasterId r:id="rId14"/>
+    <p:notesMasterId r:id="rId21"/>
   </p:notesMasterIdLst>
   <p:sldIdLst>
     <p:sldId id="256" r:id="rId2"/>
@@ -20,6 +20,13 @@
     <p:sldId id="267" r:id="rId11"/>
     <p:sldId id="270" r:id="rId12"/>
     <p:sldId id="271" r:id="rId13"/>
+    <p:sldId id="272" r:id="rId14"/>
+    <p:sldId id="273" r:id="rId15"/>
+    <p:sldId id="274" r:id="rId16"/>
+    <p:sldId id="275" r:id="rId17"/>
+    <p:sldId id="276" r:id="rId18"/>
+    <p:sldId id="277" r:id="rId19"/>
+    <p:sldId id="278" r:id="rId20"/>
   </p:sldIdLst>
   <p:sldSz cx="9144000" cy="6858000" type="screen4x3"/>
   <p:notesSz cx="6858000" cy="9144000"/>
@@ -119,6 +126,3355 @@
     </a:lvl9pPr>
   </p:defaultTextStyle>
 </p:presentation>
+</file>
+
+<file path=ppt/diagrams/colors1.xml><?xml version="1.0" encoding="utf-8"?>
+<dgm:colorsDef xmlns:dgm="http://schemas.openxmlformats.org/drawingml/2006/diagram" xmlns:a="http://schemas.openxmlformats.org/drawingml/2006/main" uniqueId="urn:microsoft.com/office/officeart/2005/8/colors/accent1_2">
+  <dgm:title val=""/>
+  <dgm:desc val=""/>
+  <dgm:catLst>
+    <dgm:cat type="accent1" pri="11200"/>
+  </dgm:catLst>
+  <dgm:styleLbl name="node0">
+    <dgm:fillClrLst meth="repeat">
+      <a:schemeClr val="accent1"/>
+    </dgm:fillClrLst>
+    <dgm:linClrLst meth="repeat">
+      <a:schemeClr val="lt1"/>
+    </dgm:linClrLst>
+    <dgm:effectClrLst/>
+    <dgm:txLinClrLst/>
+    <dgm:txFillClrLst/>
+    <dgm:txEffectClrLst/>
+  </dgm:styleLbl>
+  <dgm:styleLbl name="alignNode1">
+    <dgm:fillClrLst meth="repeat">
+      <a:schemeClr val="accent1"/>
+    </dgm:fillClrLst>
+    <dgm:linClrLst meth="repeat">
+      <a:schemeClr val="accent1"/>
+    </dgm:linClrLst>
+    <dgm:effectClrLst/>
+    <dgm:txLinClrLst/>
+    <dgm:txFillClrLst/>
+    <dgm:txEffectClrLst/>
+  </dgm:styleLbl>
+  <dgm:styleLbl name="node1">
+    <dgm:fillClrLst meth="repeat">
+      <a:schemeClr val="accent1"/>
+    </dgm:fillClrLst>
+    <dgm:linClrLst meth="repeat">
+      <a:schemeClr val="lt1"/>
+    </dgm:linClrLst>
+    <dgm:effectClrLst/>
+    <dgm:txLinClrLst/>
+    <dgm:txFillClrLst/>
+    <dgm:txEffectClrLst/>
+  </dgm:styleLbl>
+  <dgm:styleLbl name="lnNode1">
+    <dgm:fillClrLst meth="repeat">
+      <a:schemeClr val="accent1"/>
+    </dgm:fillClrLst>
+    <dgm:linClrLst meth="repeat">
+      <a:schemeClr val="lt1"/>
+    </dgm:linClrLst>
+    <dgm:effectClrLst/>
+    <dgm:txLinClrLst/>
+    <dgm:txFillClrLst/>
+    <dgm:txEffectClrLst/>
+  </dgm:styleLbl>
+  <dgm:styleLbl name="vennNode1">
+    <dgm:fillClrLst meth="repeat">
+      <a:schemeClr val="accent1">
+        <a:alpha val="50000"/>
+      </a:schemeClr>
+    </dgm:fillClrLst>
+    <dgm:linClrLst meth="repeat">
+      <a:schemeClr val="lt1"/>
+    </dgm:linClrLst>
+    <dgm:effectClrLst/>
+    <dgm:txLinClrLst/>
+    <dgm:txFillClrLst/>
+    <dgm:txEffectClrLst/>
+  </dgm:styleLbl>
+  <dgm:styleLbl name="node2">
+    <dgm:fillClrLst meth="repeat">
+      <a:schemeClr val="accent1"/>
+    </dgm:fillClrLst>
+    <dgm:linClrLst meth="repeat">
+      <a:schemeClr val="lt1"/>
+    </dgm:linClrLst>
+    <dgm:effectClrLst/>
+    <dgm:txLinClrLst/>
+    <dgm:txFillClrLst/>
+    <dgm:txEffectClrLst/>
+  </dgm:styleLbl>
+  <dgm:styleLbl name="node3">
+    <dgm:fillClrLst meth="repeat">
+      <a:schemeClr val="accent1"/>
+    </dgm:fillClrLst>
+    <dgm:linClrLst meth="repeat">
+      <a:schemeClr val="lt1"/>
+    </dgm:linClrLst>
+    <dgm:effectClrLst/>
+    <dgm:txLinClrLst/>
+    <dgm:txFillClrLst/>
+    <dgm:txEffectClrLst/>
+  </dgm:styleLbl>
+  <dgm:styleLbl name="node4">
+    <dgm:fillClrLst meth="repeat">
+      <a:schemeClr val="accent1"/>
+    </dgm:fillClrLst>
+    <dgm:linClrLst meth="repeat">
+      <a:schemeClr val="lt1"/>
+    </dgm:linClrLst>
+    <dgm:effectClrLst/>
+    <dgm:txLinClrLst/>
+    <dgm:txFillClrLst/>
+    <dgm:txEffectClrLst/>
+  </dgm:styleLbl>
+  <dgm:styleLbl name="fgImgPlace1">
+    <dgm:fillClrLst meth="repeat">
+      <a:schemeClr val="accent1">
+        <a:tint val="50000"/>
+      </a:schemeClr>
+    </dgm:fillClrLst>
+    <dgm:linClrLst meth="repeat">
+      <a:schemeClr val="lt1"/>
+    </dgm:linClrLst>
+    <dgm:effectClrLst/>
+    <dgm:txLinClrLst/>
+    <dgm:txFillClrLst meth="repeat">
+      <a:schemeClr val="lt1"/>
+    </dgm:txFillClrLst>
+    <dgm:txEffectClrLst/>
+  </dgm:styleLbl>
+  <dgm:styleLbl name="alignImgPlace1">
+    <dgm:fillClrLst meth="repeat">
+      <a:schemeClr val="accent1">
+        <a:tint val="50000"/>
+      </a:schemeClr>
+    </dgm:fillClrLst>
+    <dgm:linClrLst meth="repeat">
+      <a:schemeClr val="lt1"/>
+    </dgm:linClrLst>
+    <dgm:effectClrLst/>
+    <dgm:txLinClrLst/>
+    <dgm:txFillClrLst meth="repeat">
+      <a:schemeClr val="lt1"/>
+    </dgm:txFillClrLst>
+    <dgm:txEffectClrLst/>
+  </dgm:styleLbl>
+  <dgm:styleLbl name="bgImgPlace1">
+    <dgm:fillClrLst meth="repeat">
+      <a:schemeClr val="accent1">
+        <a:tint val="50000"/>
+      </a:schemeClr>
+    </dgm:fillClrLst>
+    <dgm:linClrLst meth="repeat">
+      <a:schemeClr val="lt1"/>
+    </dgm:linClrLst>
+    <dgm:effectClrLst/>
+    <dgm:txLinClrLst/>
+    <dgm:txFillClrLst meth="repeat">
+      <a:schemeClr val="lt1"/>
+    </dgm:txFillClrLst>
+    <dgm:txEffectClrLst/>
+  </dgm:styleLbl>
+  <dgm:styleLbl name="sibTrans2D1">
+    <dgm:fillClrLst meth="repeat">
+      <a:schemeClr val="accent1">
+        <a:tint val="60000"/>
+      </a:schemeClr>
+    </dgm:fillClrLst>
+    <dgm:linClrLst meth="repeat">
+      <a:schemeClr val="accent1">
+        <a:tint val="60000"/>
+      </a:schemeClr>
+    </dgm:linClrLst>
+    <dgm:effectClrLst/>
+    <dgm:txLinClrLst/>
+    <dgm:txFillClrLst/>
+    <dgm:txEffectClrLst/>
+  </dgm:styleLbl>
+  <dgm:styleLbl name="fgSibTrans2D1">
+    <dgm:fillClrLst meth="repeat">
+      <a:schemeClr val="accent1">
+        <a:tint val="60000"/>
+      </a:schemeClr>
+    </dgm:fillClrLst>
+    <dgm:linClrLst meth="repeat">
+      <a:schemeClr val="accent1">
+        <a:tint val="60000"/>
+      </a:schemeClr>
+    </dgm:linClrLst>
+    <dgm:effectClrLst/>
+    <dgm:txLinClrLst/>
+    <dgm:txFillClrLst/>
+    <dgm:txEffectClrLst/>
+  </dgm:styleLbl>
+  <dgm:styleLbl name="bgSibTrans2D1">
+    <dgm:fillClrLst meth="repeat">
+      <a:schemeClr val="accent1">
+        <a:tint val="60000"/>
+      </a:schemeClr>
+    </dgm:fillClrLst>
+    <dgm:linClrLst meth="repeat">
+      <a:schemeClr val="accent1">
+        <a:tint val="60000"/>
+      </a:schemeClr>
+    </dgm:linClrLst>
+    <dgm:effectClrLst/>
+    <dgm:txLinClrLst/>
+    <dgm:txFillClrLst/>
+    <dgm:txEffectClrLst/>
+  </dgm:styleLbl>
+  <dgm:styleLbl name="sibTrans1D1">
+    <dgm:fillClrLst meth="repeat">
+      <a:schemeClr val="accent1"/>
+    </dgm:fillClrLst>
+    <dgm:linClrLst meth="repeat">
+      <a:schemeClr val="accent1"/>
+    </dgm:linClrLst>
+    <dgm:effectClrLst/>
+    <dgm:txLinClrLst/>
+    <dgm:txFillClrLst meth="repeat">
+      <a:schemeClr val="tx1"/>
+    </dgm:txFillClrLst>
+    <dgm:txEffectClrLst/>
+  </dgm:styleLbl>
+  <dgm:styleLbl name="callout">
+    <dgm:fillClrLst meth="repeat">
+      <a:schemeClr val="accent1"/>
+    </dgm:fillClrLst>
+    <dgm:linClrLst meth="repeat">
+      <a:schemeClr val="accent1">
+        <a:tint val="50000"/>
+      </a:schemeClr>
+    </dgm:linClrLst>
+    <dgm:effectClrLst/>
+    <dgm:txLinClrLst/>
+    <dgm:txFillClrLst meth="repeat">
+      <a:schemeClr val="tx1"/>
+    </dgm:txFillClrLst>
+    <dgm:txEffectClrLst/>
+  </dgm:styleLbl>
+  <dgm:styleLbl name="asst0">
+    <dgm:fillClrLst meth="repeat">
+      <a:schemeClr val="accent1"/>
+    </dgm:fillClrLst>
+    <dgm:linClrLst meth="repeat">
+      <a:schemeClr val="lt1"/>
+    </dgm:linClrLst>
+    <dgm:effectClrLst/>
+    <dgm:txLinClrLst/>
+    <dgm:txFillClrLst/>
+    <dgm:txEffectClrLst/>
+  </dgm:styleLbl>
+  <dgm:styleLbl name="asst1">
+    <dgm:fillClrLst meth="repeat">
+      <a:schemeClr val="accent1"/>
+    </dgm:fillClrLst>
+    <dgm:linClrLst meth="repeat">
+      <a:schemeClr val="lt1"/>
+    </dgm:linClrLst>
+    <dgm:effectClrLst/>
+    <dgm:txLinClrLst/>
+    <dgm:txFillClrLst/>
+    <dgm:txEffectClrLst/>
+  </dgm:styleLbl>
+  <dgm:styleLbl name="asst2">
+    <dgm:fillClrLst meth="repeat">
+      <a:schemeClr val="accent1"/>
+    </dgm:fillClrLst>
+    <dgm:linClrLst meth="repeat">
+      <a:schemeClr val="lt1"/>
+    </dgm:linClrLst>
+    <dgm:effectClrLst/>
+    <dgm:txLinClrLst/>
+    <dgm:txFillClrLst/>
+    <dgm:txEffectClrLst/>
+  </dgm:styleLbl>
+  <dgm:styleLbl name="asst3">
+    <dgm:fillClrLst meth="repeat">
+      <a:schemeClr val="accent1"/>
+    </dgm:fillClrLst>
+    <dgm:linClrLst meth="repeat">
+      <a:schemeClr val="lt1"/>
+    </dgm:linClrLst>
+    <dgm:effectClrLst/>
+    <dgm:txLinClrLst/>
+    <dgm:txFillClrLst/>
+    <dgm:txEffectClrLst/>
+  </dgm:styleLbl>
+  <dgm:styleLbl name="asst4">
+    <dgm:fillClrLst meth="repeat">
+      <a:schemeClr val="accent1"/>
+    </dgm:fillClrLst>
+    <dgm:linClrLst meth="repeat">
+      <a:schemeClr val="lt1"/>
+    </dgm:linClrLst>
+    <dgm:effectClrLst/>
+    <dgm:txLinClrLst/>
+    <dgm:txFillClrLst/>
+    <dgm:txEffectClrLst/>
+  </dgm:styleLbl>
+  <dgm:styleLbl name="parChTrans2D1">
+    <dgm:fillClrLst meth="repeat">
+      <a:schemeClr val="accent1">
+        <a:tint val="60000"/>
+      </a:schemeClr>
+    </dgm:fillClrLst>
+    <dgm:linClrLst meth="repeat">
+      <a:schemeClr val="accent1">
+        <a:tint val="60000"/>
+      </a:schemeClr>
+    </dgm:linClrLst>
+    <dgm:effectClrLst/>
+    <dgm:txLinClrLst/>
+    <dgm:txFillClrLst meth="repeat">
+      <a:schemeClr val="lt1"/>
+    </dgm:txFillClrLst>
+    <dgm:txEffectClrLst/>
+  </dgm:styleLbl>
+  <dgm:styleLbl name="parChTrans2D2">
+    <dgm:fillClrLst meth="repeat">
+      <a:schemeClr val="accent1"/>
+    </dgm:fillClrLst>
+    <dgm:linClrLst meth="repeat">
+      <a:schemeClr val="accent1"/>
+    </dgm:linClrLst>
+    <dgm:effectClrLst/>
+    <dgm:txLinClrLst/>
+    <dgm:txFillClrLst meth="repeat">
+      <a:schemeClr val="lt1"/>
+    </dgm:txFillClrLst>
+    <dgm:txEffectClrLst/>
+  </dgm:styleLbl>
+  <dgm:styleLbl name="parChTrans2D3">
+    <dgm:fillClrLst meth="repeat">
+      <a:schemeClr val="accent1"/>
+    </dgm:fillClrLst>
+    <dgm:linClrLst meth="repeat">
+      <a:schemeClr val="accent1"/>
+    </dgm:linClrLst>
+    <dgm:effectClrLst/>
+    <dgm:txLinClrLst/>
+    <dgm:txFillClrLst meth="repeat">
+      <a:schemeClr val="lt1"/>
+    </dgm:txFillClrLst>
+    <dgm:txEffectClrLst/>
+  </dgm:styleLbl>
+  <dgm:styleLbl name="parChTrans2D4">
+    <dgm:fillClrLst meth="repeat">
+      <a:schemeClr val="accent1"/>
+    </dgm:fillClrLst>
+    <dgm:linClrLst meth="repeat">
+      <a:schemeClr val="accent1"/>
+    </dgm:linClrLst>
+    <dgm:effectClrLst/>
+    <dgm:txLinClrLst/>
+    <dgm:txFillClrLst meth="repeat">
+      <a:schemeClr val="lt1"/>
+    </dgm:txFillClrLst>
+    <dgm:txEffectClrLst/>
+  </dgm:styleLbl>
+  <dgm:styleLbl name="parChTrans1D1">
+    <dgm:fillClrLst meth="repeat">
+      <a:schemeClr val="accent1"/>
+    </dgm:fillClrLst>
+    <dgm:linClrLst meth="repeat">
+      <a:schemeClr val="accent1">
+        <a:shade val="60000"/>
+      </a:schemeClr>
+    </dgm:linClrLst>
+    <dgm:effectClrLst/>
+    <dgm:txLinClrLst/>
+    <dgm:txFillClrLst meth="repeat">
+      <a:schemeClr val="tx1"/>
+    </dgm:txFillClrLst>
+    <dgm:txEffectClrLst/>
+  </dgm:styleLbl>
+  <dgm:styleLbl name="parChTrans1D2">
+    <dgm:fillClrLst meth="repeat">
+      <a:schemeClr val="accent1"/>
+    </dgm:fillClrLst>
+    <dgm:linClrLst meth="repeat">
+      <a:schemeClr val="accent1">
+        <a:shade val="60000"/>
+      </a:schemeClr>
+    </dgm:linClrLst>
+    <dgm:effectClrLst/>
+    <dgm:txLinClrLst/>
+    <dgm:txFillClrLst meth="repeat">
+      <a:schemeClr val="tx1"/>
+    </dgm:txFillClrLst>
+    <dgm:txEffectClrLst/>
+  </dgm:styleLbl>
+  <dgm:styleLbl name="parChTrans1D3">
+    <dgm:fillClrLst meth="repeat">
+      <a:schemeClr val="accent1"/>
+    </dgm:fillClrLst>
+    <dgm:linClrLst meth="repeat">
+      <a:schemeClr val="accent1">
+        <a:shade val="80000"/>
+      </a:schemeClr>
+    </dgm:linClrLst>
+    <dgm:effectClrLst/>
+    <dgm:txLinClrLst/>
+    <dgm:txFillClrLst meth="repeat">
+      <a:schemeClr val="tx1"/>
+    </dgm:txFillClrLst>
+    <dgm:txEffectClrLst/>
+  </dgm:styleLbl>
+  <dgm:styleLbl name="parChTrans1D4">
+    <dgm:fillClrLst meth="repeat">
+      <a:schemeClr val="accent1"/>
+    </dgm:fillClrLst>
+    <dgm:linClrLst meth="repeat">
+      <a:schemeClr val="accent1">
+        <a:shade val="80000"/>
+      </a:schemeClr>
+    </dgm:linClrLst>
+    <dgm:effectClrLst/>
+    <dgm:txLinClrLst/>
+    <dgm:txFillClrLst meth="repeat">
+      <a:schemeClr val="tx1"/>
+    </dgm:txFillClrLst>
+    <dgm:txEffectClrLst/>
+  </dgm:styleLbl>
+  <dgm:styleLbl name="fgAcc1">
+    <dgm:fillClrLst meth="repeat">
+      <a:schemeClr val="lt1">
+        <a:alpha val="90000"/>
+      </a:schemeClr>
+    </dgm:fillClrLst>
+    <dgm:linClrLst meth="repeat">
+      <a:schemeClr val="accent1"/>
+    </dgm:linClrLst>
+    <dgm:effectClrLst/>
+    <dgm:txLinClrLst/>
+    <dgm:txFillClrLst meth="repeat">
+      <a:schemeClr val="dk1"/>
+    </dgm:txFillClrLst>
+    <dgm:txEffectClrLst/>
+  </dgm:styleLbl>
+  <dgm:styleLbl name="conFgAcc1">
+    <dgm:fillClrLst meth="repeat">
+      <a:schemeClr val="lt1">
+        <a:alpha val="90000"/>
+      </a:schemeClr>
+    </dgm:fillClrLst>
+    <dgm:linClrLst meth="repeat">
+      <a:schemeClr val="accent1"/>
+    </dgm:linClrLst>
+    <dgm:effectClrLst/>
+    <dgm:txLinClrLst/>
+    <dgm:txFillClrLst meth="repeat">
+      <a:schemeClr val="dk1"/>
+    </dgm:txFillClrLst>
+    <dgm:txEffectClrLst/>
+  </dgm:styleLbl>
+  <dgm:styleLbl name="alignAcc1">
+    <dgm:fillClrLst meth="repeat">
+      <a:schemeClr val="lt1">
+        <a:alpha val="90000"/>
+      </a:schemeClr>
+    </dgm:fillClrLst>
+    <dgm:linClrLst meth="repeat">
+      <a:schemeClr val="accent1"/>
+    </dgm:linClrLst>
+    <dgm:effectClrLst/>
+    <dgm:txLinClrLst/>
+    <dgm:txFillClrLst meth="repeat">
+      <a:schemeClr val="dk1"/>
+    </dgm:txFillClrLst>
+    <dgm:txEffectClrLst/>
+  </dgm:styleLbl>
+  <dgm:styleLbl name="trAlignAcc1">
+    <dgm:fillClrLst meth="repeat">
+      <a:schemeClr val="lt1">
+        <a:alpha val="40000"/>
+      </a:schemeClr>
+    </dgm:fillClrLst>
+    <dgm:linClrLst meth="repeat">
+      <a:schemeClr val="accent1"/>
+    </dgm:linClrLst>
+    <dgm:effectClrLst/>
+    <dgm:txLinClrLst/>
+    <dgm:txFillClrLst meth="repeat">
+      <a:schemeClr val="dk1"/>
+    </dgm:txFillClrLst>
+    <dgm:txEffectClrLst/>
+  </dgm:styleLbl>
+  <dgm:styleLbl name="bgAcc1">
+    <dgm:fillClrLst meth="repeat">
+      <a:schemeClr val="lt1">
+        <a:alpha val="90000"/>
+      </a:schemeClr>
+    </dgm:fillClrLst>
+    <dgm:linClrLst meth="repeat">
+      <a:schemeClr val="accent1"/>
+    </dgm:linClrLst>
+    <dgm:effectClrLst/>
+    <dgm:txLinClrLst/>
+    <dgm:txFillClrLst meth="repeat">
+      <a:schemeClr val="dk1"/>
+    </dgm:txFillClrLst>
+    <dgm:txEffectClrLst/>
+  </dgm:styleLbl>
+  <dgm:styleLbl name="solidFgAcc1">
+    <dgm:fillClrLst meth="repeat">
+      <a:schemeClr val="lt1"/>
+    </dgm:fillClrLst>
+    <dgm:linClrLst meth="repeat">
+      <a:schemeClr val="accent1"/>
+    </dgm:linClrLst>
+    <dgm:effectClrLst/>
+    <dgm:txLinClrLst/>
+    <dgm:txFillClrLst meth="repeat">
+      <a:schemeClr val="dk1"/>
+    </dgm:txFillClrLst>
+    <dgm:txEffectClrLst/>
+  </dgm:styleLbl>
+  <dgm:styleLbl name="solidAlignAcc1">
+    <dgm:fillClrLst meth="repeat">
+      <a:schemeClr val="lt1"/>
+    </dgm:fillClrLst>
+    <dgm:linClrLst meth="repeat">
+      <a:schemeClr val="accent1"/>
+    </dgm:linClrLst>
+    <dgm:effectClrLst/>
+    <dgm:txLinClrLst/>
+    <dgm:txFillClrLst meth="repeat">
+      <a:schemeClr val="dk1"/>
+    </dgm:txFillClrLst>
+    <dgm:txEffectClrLst/>
+  </dgm:styleLbl>
+  <dgm:styleLbl name="solidBgAcc1">
+    <dgm:fillClrLst meth="repeat">
+      <a:schemeClr val="lt1"/>
+    </dgm:fillClrLst>
+    <dgm:linClrLst meth="repeat">
+      <a:schemeClr val="accent1"/>
+    </dgm:linClrLst>
+    <dgm:effectClrLst/>
+    <dgm:txLinClrLst/>
+    <dgm:txFillClrLst meth="repeat">
+      <a:schemeClr val="dk1"/>
+    </dgm:txFillClrLst>
+    <dgm:txEffectClrLst/>
+  </dgm:styleLbl>
+  <dgm:styleLbl name="fgAccFollowNode1">
+    <dgm:fillClrLst meth="repeat">
+      <a:schemeClr val="accent1">
+        <a:alpha val="90000"/>
+        <a:tint val="40000"/>
+      </a:schemeClr>
+    </dgm:fillClrLst>
+    <dgm:linClrLst meth="repeat">
+      <a:schemeClr val="accent1">
+        <a:alpha val="90000"/>
+        <a:tint val="40000"/>
+      </a:schemeClr>
+    </dgm:linClrLst>
+    <dgm:effectClrLst/>
+    <dgm:txLinClrLst/>
+    <dgm:txFillClrLst meth="repeat">
+      <a:schemeClr val="dk1"/>
+    </dgm:txFillClrLst>
+    <dgm:txEffectClrLst/>
+  </dgm:styleLbl>
+  <dgm:styleLbl name="alignAccFollowNode1">
+    <dgm:fillClrLst meth="repeat">
+      <a:schemeClr val="accent1">
+        <a:alpha val="90000"/>
+        <a:tint val="40000"/>
+      </a:schemeClr>
+    </dgm:fillClrLst>
+    <dgm:linClrLst meth="repeat">
+      <a:schemeClr val="accent1">
+        <a:alpha val="90000"/>
+        <a:tint val="40000"/>
+      </a:schemeClr>
+    </dgm:linClrLst>
+    <dgm:effectClrLst/>
+    <dgm:txLinClrLst/>
+    <dgm:txFillClrLst meth="repeat">
+      <a:schemeClr val="dk1"/>
+    </dgm:txFillClrLst>
+    <dgm:txEffectClrLst/>
+  </dgm:styleLbl>
+  <dgm:styleLbl name="bgAccFollowNode1">
+    <dgm:fillClrLst meth="repeat">
+      <a:schemeClr val="accent1">
+        <a:alpha val="90000"/>
+        <a:tint val="40000"/>
+      </a:schemeClr>
+    </dgm:fillClrLst>
+    <dgm:linClrLst meth="repeat">
+      <a:schemeClr val="accent1">
+        <a:alpha val="90000"/>
+        <a:tint val="40000"/>
+      </a:schemeClr>
+    </dgm:linClrLst>
+    <dgm:effectClrLst/>
+    <dgm:txLinClrLst/>
+    <dgm:txFillClrLst meth="repeat">
+      <a:schemeClr val="dk1"/>
+    </dgm:txFillClrLst>
+    <dgm:txEffectClrLst/>
+  </dgm:styleLbl>
+  <dgm:styleLbl name="fgAcc0">
+    <dgm:fillClrLst meth="repeat">
+      <a:schemeClr val="lt1">
+        <a:alpha val="90000"/>
+      </a:schemeClr>
+    </dgm:fillClrLst>
+    <dgm:linClrLst meth="repeat">
+      <a:schemeClr val="accent1"/>
+    </dgm:linClrLst>
+    <dgm:effectClrLst/>
+    <dgm:txLinClrLst/>
+    <dgm:txFillClrLst meth="repeat">
+      <a:schemeClr val="dk1"/>
+    </dgm:txFillClrLst>
+    <dgm:txEffectClrLst/>
+  </dgm:styleLbl>
+  <dgm:styleLbl name="fgAcc2">
+    <dgm:fillClrLst meth="repeat">
+      <a:schemeClr val="lt1">
+        <a:alpha val="90000"/>
+      </a:schemeClr>
+    </dgm:fillClrLst>
+    <dgm:linClrLst meth="repeat">
+      <a:schemeClr val="accent1"/>
+    </dgm:linClrLst>
+    <dgm:effectClrLst/>
+    <dgm:txLinClrLst/>
+    <dgm:txFillClrLst meth="repeat">
+      <a:schemeClr val="dk1"/>
+    </dgm:txFillClrLst>
+    <dgm:txEffectClrLst/>
+  </dgm:styleLbl>
+  <dgm:styleLbl name="fgAcc3">
+    <dgm:fillClrLst meth="repeat">
+      <a:schemeClr val="lt1">
+        <a:alpha val="90000"/>
+      </a:schemeClr>
+    </dgm:fillClrLst>
+    <dgm:linClrLst meth="repeat">
+      <a:schemeClr val="accent1"/>
+    </dgm:linClrLst>
+    <dgm:effectClrLst/>
+    <dgm:txLinClrLst/>
+    <dgm:txFillClrLst meth="repeat">
+      <a:schemeClr val="dk1"/>
+    </dgm:txFillClrLst>
+    <dgm:txEffectClrLst/>
+  </dgm:styleLbl>
+  <dgm:styleLbl name="fgAcc4">
+    <dgm:fillClrLst meth="repeat">
+      <a:schemeClr val="lt1">
+        <a:alpha val="90000"/>
+      </a:schemeClr>
+    </dgm:fillClrLst>
+    <dgm:linClrLst meth="repeat">
+      <a:schemeClr val="accent1"/>
+    </dgm:linClrLst>
+    <dgm:effectClrLst/>
+    <dgm:txLinClrLst/>
+    <dgm:txFillClrLst meth="repeat">
+      <a:schemeClr val="dk1"/>
+    </dgm:txFillClrLst>
+    <dgm:txEffectClrLst/>
+  </dgm:styleLbl>
+  <dgm:styleLbl name="bgShp">
+    <dgm:fillClrLst meth="repeat">
+      <a:schemeClr val="accent1">
+        <a:tint val="40000"/>
+      </a:schemeClr>
+    </dgm:fillClrLst>
+    <dgm:linClrLst meth="repeat">
+      <a:schemeClr val="accent1"/>
+    </dgm:linClrLst>
+    <dgm:effectClrLst/>
+    <dgm:txLinClrLst/>
+    <dgm:txFillClrLst meth="repeat">
+      <a:schemeClr val="dk1"/>
+    </dgm:txFillClrLst>
+    <dgm:txEffectClrLst/>
+  </dgm:styleLbl>
+  <dgm:styleLbl name="dkBgShp">
+    <dgm:fillClrLst meth="repeat">
+      <a:schemeClr val="accent1">
+        <a:shade val="80000"/>
+      </a:schemeClr>
+    </dgm:fillClrLst>
+    <dgm:linClrLst meth="repeat">
+      <a:schemeClr val="accent1"/>
+    </dgm:linClrLst>
+    <dgm:effectClrLst/>
+    <dgm:txLinClrLst/>
+    <dgm:txFillClrLst meth="repeat">
+      <a:schemeClr val="lt1"/>
+    </dgm:txFillClrLst>
+    <dgm:txEffectClrLst/>
+  </dgm:styleLbl>
+  <dgm:styleLbl name="trBgShp">
+    <dgm:fillClrLst meth="repeat">
+      <a:schemeClr val="accent1">
+        <a:tint val="50000"/>
+        <a:alpha val="40000"/>
+      </a:schemeClr>
+    </dgm:fillClrLst>
+    <dgm:linClrLst meth="repeat">
+      <a:schemeClr val="accent1"/>
+    </dgm:linClrLst>
+    <dgm:effectClrLst/>
+    <dgm:txLinClrLst/>
+    <dgm:txFillClrLst meth="repeat">
+      <a:schemeClr val="lt1"/>
+    </dgm:txFillClrLst>
+    <dgm:txEffectClrLst/>
+  </dgm:styleLbl>
+  <dgm:styleLbl name="fgShp">
+    <dgm:fillClrLst meth="repeat">
+      <a:schemeClr val="accent1">
+        <a:tint val="60000"/>
+      </a:schemeClr>
+    </dgm:fillClrLst>
+    <dgm:linClrLst meth="repeat">
+      <a:schemeClr val="lt1"/>
+    </dgm:linClrLst>
+    <dgm:effectClrLst/>
+    <dgm:txLinClrLst/>
+    <dgm:txFillClrLst meth="repeat">
+      <a:schemeClr val="dk1"/>
+    </dgm:txFillClrLst>
+    <dgm:txEffectClrLst/>
+  </dgm:styleLbl>
+  <dgm:styleLbl name="revTx">
+    <dgm:fillClrLst meth="repeat">
+      <a:schemeClr val="lt1">
+        <a:alpha val="0"/>
+      </a:schemeClr>
+    </dgm:fillClrLst>
+    <dgm:linClrLst meth="repeat">
+      <a:schemeClr val="dk1">
+        <a:alpha val="0"/>
+      </a:schemeClr>
+    </dgm:linClrLst>
+    <dgm:effectClrLst/>
+    <dgm:txLinClrLst/>
+    <dgm:txFillClrLst meth="repeat">
+      <a:schemeClr val="tx1"/>
+    </dgm:txFillClrLst>
+    <dgm:txEffectClrLst/>
+  </dgm:styleLbl>
+</dgm:colorsDef>
+</file>
+
+<file path=ppt/diagrams/data1.xml><?xml version="1.0" encoding="utf-8"?>
+<dgm:dataModel xmlns:dgm="http://schemas.openxmlformats.org/drawingml/2006/diagram" xmlns:a="http://schemas.openxmlformats.org/drawingml/2006/main">
+  <dgm:ptLst>
+    <dgm:pt modelId="{E77F4731-5214-3E4A-BBFE-45921ECBCD1F}" type="doc">
+      <dgm:prSet loTypeId="urn:microsoft.com/office/officeart/2005/8/layout/process1" loCatId="" qsTypeId="urn:microsoft.com/office/officeart/2005/8/quickstyle/simple4" qsCatId="simple" csTypeId="urn:microsoft.com/office/officeart/2005/8/colors/accent1_2" csCatId="accent1" phldr="1"/>
+      <dgm:spPr/>
+    </dgm:pt>
+    <dgm:pt modelId="{C0492E5A-A9DD-0A45-A06C-84D7CA5ED048}">
+      <dgm:prSet phldrT="[Text]" custT="1"/>
+      <dgm:spPr/>
+      <dgm:t>
+        <a:bodyPr lIns="0" tIns="0" rIns="0" bIns="0"/>
+        <a:lstStyle/>
+        <a:p>
+          <a:r>
+            <a:rPr lang="en-US" sz="1900" dirty="0" smtClean="0"/>
+            <a:t>Given Data</a:t>
+          </a:r>
+          <a:endParaRPr lang="en-US" sz="1900" dirty="0"/>
+        </a:p>
+      </dgm:t>
+    </dgm:pt>
+    <dgm:pt modelId="{78C56508-3C73-8842-93EF-D8FE71FB2556}" type="parTrans" cxnId="{ACB471E3-7B96-DE40-96FD-6D57C6A9B46C}">
+      <dgm:prSet/>
+      <dgm:spPr/>
+      <dgm:t>
+        <a:bodyPr/>
+        <a:lstStyle/>
+        <a:p>
+          <a:endParaRPr lang="en-US"/>
+        </a:p>
+      </dgm:t>
+    </dgm:pt>
+    <dgm:pt modelId="{3F1ED324-4185-2448-B3F9-73678BC17CFF}" type="sibTrans" cxnId="{ACB471E3-7B96-DE40-96FD-6D57C6A9B46C}">
+      <dgm:prSet/>
+      <dgm:spPr/>
+      <dgm:t>
+        <a:bodyPr/>
+        <a:lstStyle/>
+        <a:p>
+          <a:endParaRPr lang="en-US"/>
+        </a:p>
+      </dgm:t>
+    </dgm:pt>
+    <dgm:pt modelId="{C7ACAE0B-42D7-844C-9614-2C70059EE22A}">
+      <dgm:prSet phldrT="[Text]" custT="1"/>
+      <dgm:spPr/>
+      <dgm:t>
+        <a:bodyPr lIns="0" tIns="0" rIns="0" bIns="0"/>
+        <a:lstStyle/>
+        <a:p>
+          <a:r>
+            <a:rPr lang="en-US" sz="1900" dirty="0" smtClean="0"/>
+            <a:t>Python Preparation Scripts</a:t>
+          </a:r>
+          <a:endParaRPr lang="en-US" sz="1900" dirty="0"/>
+        </a:p>
+      </dgm:t>
+    </dgm:pt>
+    <dgm:pt modelId="{592EBC40-8179-4F4D-87D5-AD9C3C8BD7F7}" type="parTrans" cxnId="{1ECBF77B-35FF-9B4F-8FEA-145C93829473}">
+      <dgm:prSet/>
+      <dgm:spPr/>
+      <dgm:t>
+        <a:bodyPr/>
+        <a:lstStyle/>
+        <a:p>
+          <a:endParaRPr lang="en-US"/>
+        </a:p>
+      </dgm:t>
+    </dgm:pt>
+    <dgm:pt modelId="{91A47F4F-9E33-8541-8F61-2D95090CFB0E}" type="sibTrans" cxnId="{1ECBF77B-35FF-9B4F-8FEA-145C93829473}">
+      <dgm:prSet/>
+      <dgm:spPr/>
+      <dgm:t>
+        <a:bodyPr/>
+        <a:lstStyle/>
+        <a:p>
+          <a:endParaRPr lang="en-US"/>
+        </a:p>
+      </dgm:t>
+    </dgm:pt>
+    <dgm:pt modelId="{98A25245-ED48-EC48-9D65-CF9F2451611C}">
+      <dgm:prSet phldrT="[Text]" custT="1"/>
+      <dgm:spPr/>
+      <dgm:t>
+        <a:bodyPr lIns="0" tIns="0" rIns="0" bIns="0"/>
+        <a:lstStyle/>
+        <a:p>
+          <a:r>
+            <a:rPr lang="en-US" sz="1900" dirty="0" err="1" smtClean="0"/>
+            <a:t>Vowpal</a:t>
+          </a:r>
+          <a:r>
+            <a:rPr lang="en-US" sz="1900" dirty="0" smtClean="0"/>
+            <a:t> </a:t>
+          </a:r>
+          <a:r>
+            <a:rPr lang="en-US" sz="1900" dirty="0" err="1" smtClean="0"/>
+            <a:t>Wabbit</a:t>
+          </a:r>
+          <a:endParaRPr lang="en-US" sz="1900" dirty="0"/>
+        </a:p>
+      </dgm:t>
+    </dgm:pt>
+    <dgm:pt modelId="{5522B9CB-E331-FC4F-9760-E1E8ED3A7DA0}" type="parTrans" cxnId="{11AAFBA4-CFBE-5247-9B7F-F362D3BB5267}">
+      <dgm:prSet/>
+      <dgm:spPr/>
+      <dgm:t>
+        <a:bodyPr/>
+        <a:lstStyle/>
+        <a:p>
+          <a:endParaRPr lang="en-US"/>
+        </a:p>
+      </dgm:t>
+    </dgm:pt>
+    <dgm:pt modelId="{CD14BEA5-633A-D247-9086-DB784175D0FE}" type="sibTrans" cxnId="{11AAFBA4-CFBE-5247-9B7F-F362D3BB5267}">
+      <dgm:prSet/>
+      <dgm:spPr/>
+      <dgm:t>
+        <a:bodyPr/>
+        <a:lstStyle/>
+        <a:p>
+          <a:endParaRPr lang="en-US"/>
+        </a:p>
+      </dgm:t>
+    </dgm:pt>
+    <dgm:pt modelId="{8A4E21F5-AEE5-A646-86AF-416F2F799973}">
+      <dgm:prSet custT="1"/>
+      <dgm:spPr/>
+      <dgm:t>
+        <a:bodyPr lIns="0" tIns="0" rIns="0" bIns="0"/>
+        <a:lstStyle/>
+        <a:p>
+          <a:r>
+            <a:rPr lang="en-US" sz="1900" dirty="0" smtClean="0"/>
+            <a:t>Python Cleanup Scripts</a:t>
+          </a:r>
+        </a:p>
+      </dgm:t>
+    </dgm:pt>
+    <dgm:pt modelId="{5D7A0F65-3A0E-0244-BDF2-96107E29CBB1}" type="parTrans" cxnId="{5C0698AA-DCFD-464A-912F-6A7722959BA8}">
+      <dgm:prSet/>
+      <dgm:spPr/>
+      <dgm:t>
+        <a:bodyPr/>
+        <a:lstStyle/>
+        <a:p>
+          <a:endParaRPr lang="en-US"/>
+        </a:p>
+      </dgm:t>
+    </dgm:pt>
+    <dgm:pt modelId="{611A041E-B663-3D41-AED2-662E98DA7FD3}" type="sibTrans" cxnId="{5C0698AA-DCFD-464A-912F-6A7722959BA8}">
+      <dgm:prSet/>
+      <dgm:spPr/>
+      <dgm:t>
+        <a:bodyPr/>
+        <a:lstStyle/>
+        <a:p>
+          <a:endParaRPr lang="en-US"/>
+        </a:p>
+      </dgm:t>
+    </dgm:pt>
+    <dgm:pt modelId="{4CB4D715-1902-ED41-A393-042F813D1064}">
+      <dgm:prSet custT="1"/>
+      <dgm:spPr/>
+      <dgm:t>
+        <a:bodyPr lIns="0" tIns="0" rIns="0" bIns="0"/>
+        <a:lstStyle/>
+        <a:p>
+          <a:r>
+            <a:rPr lang="en-US" sz="1900" dirty="0" err="1" smtClean="0"/>
+            <a:t>Kaggle</a:t>
+          </a:r>
+          <a:r>
+            <a:rPr lang="en-US" sz="1900" dirty="0" smtClean="0"/>
+            <a:t> Submission</a:t>
+          </a:r>
+          <a:endParaRPr lang="en-US" sz="1900" dirty="0"/>
+        </a:p>
+      </dgm:t>
+    </dgm:pt>
+    <dgm:pt modelId="{4E1B9869-CABF-6A48-A60F-930580A2689C}" type="parTrans" cxnId="{B59055A9-072D-D040-B588-E881A8936DC3}">
+      <dgm:prSet/>
+      <dgm:spPr/>
+      <dgm:t>
+        <a:bodyPr/>
+        <a:lstStyle/>
+        <a:p>
+          <a:endParaRPr lang="en-US"/>
+        </a:p>
+      </dgm:t>
+    </dgm:pt>
+    <dgm:pt modelId="{1F48CD12-3482-9B45-BC10-8699953A05EE}" type="sibTrans" cxnId="{B59055A9-072D-D040-B588-E881A8936DC3}">
+      <dgm:prSet/>
+      <dgm:spPr/>
+      <dgm:t>
+        <a:bodyPr/>
+        <a:lstStyle/>
+        <a:p>
+          <a:endParaRPr lang="en-US"/>
+        </a:p>
+      </dgm:t>
+    </dgm:pt>
+    <dgm:pt modelId="{191491BC-D417-5B46-9BFC-FE5995094ED0}" type="pres">
+      <dgm:prSet presAssocID="{E77F4731-5214-3E4A-BBFE-45921ECBCD1F}" presName="Name0" presStyleCnt="0">
+        <dgm:presLayoutVars>
+          <dgm:dir/>
+          <dgm:resizeHandles val="exact"/>
+        </dgm:presLayoutVars>
+      </dgm:prSet>
+      <dgm:spPr/>
+    </dgm:pt>
+    <dgm:pt modelId="{539E0DA5-C97E-7348-A8A8-21611334F2FB}" type="pres">
+      <dgm:prSet presAssocID="{C0492E5A-A9DD-0A45-A06C-84D7CA5ED048}" presName="node" presStyleLbl="node1" presStyleIdx="0" presStyleCnt="5" custScaleX="229298" custScaleY="186936" custLinFactY="-38523" custLinFactNeighborX="77545" custLinFactNeighborY="-100000">
+        <dgm:presLayoutVars>
+          <dgm:bulletEnabled val="1"/>
+        </dgm:presLayoutVars>
+      </dgm:prSet>
+      <dgm:spPr/>
+      <dgm:t>
+        <a:bodyPr/>
+        <a:lstStyle/>
+        <a:p>
+          <a:endParaRPr lang="en-US"/>
+        </a:p>
+      </dgm:t>
+    </dgm:pt>
+    <dgm:pt modelId="{FF1D8F2C-7729-414B-933C-789AA665DB74}" type="pres">
+      <dgm:prSet presAssocID="{3F1ED324-4185-2448-B3F9-73678BC17CFF}" presName="sibTrans" presStyleLbl="sibTrans2D1" presStyleIdx="0" presStyleCnt="4"/>
+      <dgm:spPr/>
+    </dgm:pt>
+    <dgm:pt modelId="{D6BB6B03-51A2-174A-898E-0C739FB63056}" type="pres">
+      <dgm:prSet presAssocID="{3F1ED324-4185-2448-B3F9-73678BC17CFF}" presName="connectorText" presStyleLbl="sibTrans2D1" presStyleIdx="0" presStyleCnt="4"/>
+      <dgm:spPr/>
+    </dgm:pt>
+    <dgm:pt modelId="{CA8D90C2-BA69-3744-A20C-0454CEB5BBA8}" type="pres">
+      <dgm:prSet presAssocID="{C7ACAE0B-42D7-844C-9614-2C70059EE22A}" presName="node" presStyleLbl="node1" presStyleIdx="1" presStyleCnt="5" custScaleX="229298" custScaleY="186936" custLinFactX="21655" custLinFactY="-38523" custLinFactNeighborX="100000" custLinFactNeighborY="-100000">
+        <dgm:presLayoutVars>
+          <dgm:bulletEnabled val="1"/>
+        </dgm:presLayoutVars>
+      </dgm:prSet>
+      <dgm:spPr/>
+      <dgm:t>
+        <a:bodyPr/>
+        <a:lstStyle/>
+        <a:p>
+          <a:endParaRPr lang="en-US"/>
+        </a:p>
+      </dgm:t>
+    </dgm:pt>
+    <dgm:pt modelId="{FF8EFEB4-B6C5-8146-8C69-10341F1046B6}" type="pres">
+      <dgm:prSet presAssocID="{91A47F4F-9E33-8541-8F61-2D95090CFB0E}" presName="sibTrans" presStyleLbl="sibTrans2D1" presStyleIdx="1" presStyleCnt="4"/>
+      <dgm:spPr/>
+    </dgm:pt>
+    <dgm:pt modelId="{79C1617F-3B2A-E44F-A8E6-40883D43E8BD}" type="pres">
+      <dgm:prSet presAssocID="{91A47F4F-9E33-8541-8F61-2D95090CFB0E}" presName="connectorText" presStyleLbl="sibTrans2D1" presStyleIdx="1" presStyleCnt="4"/>
+      <dgm:spPr/>
+    </dgm:pt>
+    <dgm:pt modelId="{5F447B3D-91D9-9641-AA91-BBFEA9D37B71}" type="pres">
+      <dgm:prSet presAssocID="{98A25245-ED48-EC48-9D65-CF9F2451611C}" presName="node" presStyleLbl="node1" presStyleIdx="2" presStyleCnt="5" custScaleX="229298" custScaleY="186936" custLinFactX="64423" custLinFactY="-38523" custLinFactNeighborX="100000" custLinFactNeighborY="-100000">
+        <dgm:presLayoutVars>
+          <dgm:bulletEnabled val="1"/>
+        </dgm:presLayoutVars>
+      </dgm:prSet>
+      <dgm:spPr/>
+      <dgm:t>
+        <a:bodyPr/>
+        <a:lstStyle/>
+        <a:p>
+          <a:endParaRPr lang="en-US"/>
+        </a:p>
+      </dgm:t>
+    </dgm:pt>
+    <dgm:pt modelId="{C3199361-0263-814C-9E55-2E5FE23350C2}" type="pres">
+      <dgm:prSet presAssocID="{CD14BEA5-633A-D247-9086-DB784175D0FE}" presName="sibTrans" presStyleLbl="sibTrans2D1" presStyleIdx="2" presStyleCnt="4"/>
+      <dgm:spPr/>
+    </dgm:pt>
+    <dgm:pt modelId="{CF794C3E-5D81-D840-838D-C1182D94A585}" type="pres">
+      <dgm:prSet presAssocID="{CD14BEA5-633A-D247-9086-DB784175D0FE}" presName="connectorText" presStyleLbl="sibTrans2D1" presStyleIdx="2" presStyleCnt="4"/>
+      <dgm:spPr/>
+    </dgm:pt>
+    <dgm:pt modelId="{D43DCB50-6D4B-0649-9DE1-F76C58773865}" type="pres">
+      <dgm:prSet presAssocID="{8A4E21F5-AEE5-A646-86AF-416F2F799973}" presName="node" presStyleLbl="node1" presStyleIdx="3" presStyleCnt="5" custScaleX="229298" custScaleY="186936" custLinFactX="154935" custLinFactNeighborX="200000" custLinFactNeighborY="-10893">
+        <dgm:presLayoutVars>
+          <dgm:bulletEnabled val="1"/>
+        </dgm:presLayoutVars>
+      </dgm:prSet>
+      <dgm:spPr/>
+      <dgm:t>
+        <a:bodyPr/>
+        <a:lstStyle/>
+        <a:p>
+          <a:endParaRPr lang="en-US"/>
+        </a:p>
+      </dgm:t>
+    </dgm:pt>
+    <dgm:pt modelId="{10F8498C-E24E-0F40-B316-2BDB8694A360}" type="pres">
+      <dgm:prSet presAssocID="{611A041E-B663-3D41-AED2-662E98DA7FD3}" presName="sibTrans" presStyleLbl="sibTrans2D1" presStyleIdx="3" presStyleCnt="4"/>
+      <dgm:spPr/>
+    </dgm:pt>
+    <dgm:pt modelId="{4ED1294D-FA64-0643-BFB9-F8F2B19A73EA}" type="pres">
+      <dgm:prSet presAssocID="{611A041E-B663-3D41-AED2-662E98DA7FD3}" presName="connectorText" presStyleLbl="sibTrans2D1" presStyleIdx="3" presStyleCnt="4"/>
+      <dgm:spPr/>
+    </dgm:pt>
+    <dgm:pt modelId="{5DB57F4E-E499-6F49-A9B3-1791519076CC}" type="pres">
+      <dgm:prSet presAssocID="{4CB4D715-1902-ED41-A393-042F813D1064}" presName="node" presStyleLbl="node1" presStyleIdx="4" presStyleCnt="5" custScaleX="229298" custScaleY="186936" custLinFactX="-310005" custLinFactY="72097" custLinFactNeighborX="-400000" custLinFactNeighborY="100000">
+        <dgm:presLayoutVars>
+          <dgm:bulletEnabled val="1"/>
+        </dgm:presLayoutVars>
+      </dgm:prSet>
+      <dgm:spPr/>
+      <dgm:t>
+        <a:bodyPr/>
+        <a:lstStyle/>
+        <a:p>
+          <a:endParaRPr lang="en-US"/>
+        </a:p>
+      </dgm:t>
+    </dgm:pt>
+  </dgm:ptLst>
+  <dgm:cxnLst>
+    <dgm:cxn modelId="{B70216A7-2056-6841-BF14-785A52CCC68D}" type="presOf" srcId="{E77F4731-5214-3E4A-BBFE-45921ECBCD1F}" destId="{191491BC-D417-5B46-9BFC-FE5995094ED0}" srcOrd="0" destOrd="0" presId="urn:microsoft.com/office/officeart/2005/8/layout/process1"/>
+    <dgm:cxn modelId="{490D2C49-1AEF-F149-9F65-43C5EECD0D26}" type="presOf" srcId="{CD14BEA5-633A-D247-9086-DB784175D0FE}" destId="{C3199361-0263-814C-9E55-2E5FE23350C2}" srcOrd="0" destOrd="0" presId="urn:microsoft.com/office/officeart/2005/8/layout/process1"/>
+    <dgm:cxn modelId="{5C0698AA-DCFD-464A-912F-6A7722959BA8}" srcId="{E77F4731-5214-3E4A-BBFE-45921ECBCD1F}" destId="{8A4E21F5-AEE5-A646-86AF-416F2F799973}" srcOrd="3" destOrd="0" parTransId="{5D7A0F65-3A0E-0244-BDF2-96107E29CBB1}" sibTransId="{611A041E-B663-3D41-AED2-662E98DA7FD3}"/>
+    <dgm:cxn modelId="{E294FC66-E8EE-1A4D-BA34-1D17691DE4E3}" type="presOf" srcId="{91A47F4F-9E33-8541-8F61-2D95090CFB0E}" destId="{FF8EFEB4-B6C5-8146-8C69-10341F1046B6}" srcOrd="0" destOrd="0" presId="urn:microsoft.com/office/officeart/2005/8/layout/process1"/>
+    <dgm:cxn modelId="{7FB37121-7956-CB41-8C34-BC3220812C29}" type="presOf" srcId="{3F1ED324-4185-2448-B3F9-73678BC17CFF}" destId="{D6BB6B03-51A2-174A-898E-0C739FB63056}" srcOrd="1" destOrd="0" presId="urn:microsoft.com/office/officeart/2005/8/layout/process1"/>
+    <dgm:cxn modelId="{4F70B6E7-7119-104F-96F9-7BBA235A5AAB}" type="presOf" srcId="{98A25245-ED48-EC48-9D65-CF9F2451611C}" destId="{5F447B3D-91D9-9641-AA91-BBFEA9D37B71}" srcOrd="0" destOrd="0" presId="urn:microsoft.com/office/officeart/2005/8/layout/process1"/>
+    <dgm:cxn modelId="{30507065-C8CA-B343-A4D4-68F8DB048DF8}" type="presOf" srcId="{C0492E5A-A9DD-0A45-A06C-84D7CA5ED048}" destId="{539E0DA5-C97E-7348-A8A8-21611334F2FB}" srcOrd="0" destOrd="0" presId="urn:microsoft.com/office/officeart/2005/8/layout/process1"/>
+    <dgm:cxn modelId="{95C2F015-2B2C-2C4A-88C0-F22E26F75FA7}" type="presOf" srcId="{4CB4D715-1902-ED41-A393-042F813D1064}" destId="{5DB57F4E-E499-6F49-A9B3-1791519076CC}" srcOrd="0" destOrd="0" presId="urn:microsoft.com/office/officeart/2005/8/layout/process1"/>
+    <dgm:cxn modelId="{6A7A7ACA-A326-3247-96C2-C39F5C0F2509}" type="presOf" srcId="{611A041E-B663-3D41-AED2-662E98DA7FD3}" destId="{4ED1294D-FA64-0643-BFB9-F8F2B19A73EA}" srcOrd="1" destOrd="0" presId="urn:microsoft.com/office/officeart/2005/8/layout/process1"/>
+    <dgm:cxn modelId="{0F036EB9-BFB2-AF4B-AA2F-21BDB2676F6A}" type="presOf" srcId="{91A47F4F-9E33-8541-8F61-2D95090CFB0E}" destId="{79C1617F-3B2A-E44F-A8E6-40883D43E8BD}" srcOrd="1" destOrd="0" presId="urn:microsoft.com/office/officeart/2005/8/layout/process1"/>
+    <dgm:cxn modelId="{1ECBF77B-35FF-9B4F-8FEA-145C93829473}" srcId="{E77F4731-5214-3E4A-BBFE-45921ECBCD1F}" destId="{C7ACAE0B-42D7-844C-9614-2C70059EE22A}" srcOrd="1" destOrd="0" parTransId="{592EBC40-8179-4F4D-87D5-AD9C3C8BD7F7}" sibTransId="{91A47F4F-9E33-8541-8F61-2D95090CFB0E}"/>
+    <dgm:cxn modelId="{B59055A9-072D-D040-B588-E881A8936DC3}" srcId="{E77F4731-5214-3E4A-BBFE-45921ECBCD1F}" destId="{4CB4D715-1902-ED41-A393-042F813D1064}" srcOrd="4" destOrd="0" parTransId="{4E1B9869-CABF-6A48-A60F-930580A2689C}" sibTransId="{1F48CD12-3482-9B45-BC10-8699953A05EE}"/>
+    <dgm:cxn modelId="{0456711F-D280-B644-B21C-AD427571943A}" type="presOf" srcId="{C7ACAE0B-42D7-844C-9614-2C70059EE22A}" destId="{CA8D90C2-BA69-3744-A20C-0454CEB5BBA8}" srcOrd="0" destOrd="0" presId="urn:microsoft.com/office/officeart/2005/8/layout/process1"/>
+    <dgm:cxn modelId="{ACB471E3-7B96-DE40-96FD-6D57C6A9B46C}" srcId="{E77F4731-5214-3E4A-BBFE-45921ECBCD1F}" destId="{C0492E5A-A9DD-0A45-A06C-84D7CA5ED048}" srcOrd="0" destOrd="0" parTransId="{78C56508-3C73-8842-93EF-D8FE71FB2556}" sibTransId="{3F1ED324-4185-2448-B3F9-73678BC17CFF}"/>
+    <dgm:cxn modelId="{65230C50-E990-AE42-A0C1-42F22C4621F6}" type="presOf" srcId="{611A041E-B663-3D41-AED2-662E98DA7FD3}" destId="{10F8498C-E24E-0F40-B316-2BDB8694A360}" srcOrd="0" destOrd="0" presId="urn:microsoft.com/office/officeart/2005/8/layout/process1"/>
+    <dgm:cxn modelId="{11AAFBA4-CFBE-5247-9B7F-F362D3BB5267}" srcId="{E77F4731-5214-3E4A-BBFE-45921ECBCD1F}" destId="{98A25245-ED48-EC48-9D65-CF9F2451611C}" srcOrd="2" destOrd="0" parTransId="{5522B9CB-E331-FC4F-9760-E1E8ED3A7DA0}" sibTransId="{CD14BEA5-633A-D247-9086-DB784175D0FE}"/>
+    <dgm:cxn modelId="{31D09DA9-5955-A640-94B3-83E25B654FB4}" type="presOf" srcId="{CD14BEA5-633A-D247-9086-DB784175D0FE}" destId="{CF794C3E-5D81-D840-838D-C1182D94A585}" srcOrd="1" destOrd="0" presId="urn:microsoft.com/office/officeart/2005/8/layout/process1"/>
+    <dgm:cxn modelId="{33AADCFD-2315-1545-BE31-59C5A1A3F944}" type="presOf" srcId="{3F1ED324-4185-2448-B3F9-73678BC17CFF}" destId="{FF1D8F2C-7729-414B-933C-789AA665DB74}" srcOrd="0" destOrd="0" presId="urn:microsoft.com/office/officeart/2005/8/layout/process1"/>
+    <dgm:cxn modelId="{2EE9FA6B-6FD9-E04F-BF05-AD2A23708A7A}" type="presOf" srcId="{8A4E21F5-AEE5-A646-86AF-416F2F799973}" destId="{D43DCB50-6D4B-0649-9DE1-F76C58773865}" srcOrd="0" destOrd="0" presId="urn:microsoft.com/office/officeart/2005/8/layout/process1"/>
+    <dgm:cxn modelId="{629C4622-72B3-334F-A463-C54CC737DE2F}" type="presParOf" srcId="{191491BC-D417-5B46-9BFC-FE5995094ED0}" destId="{539E0DA5-C97E-7348-A8A8-21611334F2FB}" srcOrd="0" destOrd="0" presId="urn:microsoft.com/office/officeart/2005/8/layout/process1"/>
+    <dgm:cxn modelId="{11724E0A-CE0D-7C41-89E6-FC31BA329987}" type="presParOf" srcId="{191491BC-D417-5B46-9BFC-FE5995094ED0}" destId="{FF1D8F2C-7729-414B-933C-789AA665DB74}" srcOrd="1" destOrd="0" presId="urn:microsoft.com/office/officeart/2005/8/layout/process1"/>
+    <dgm:cxn modelId="{A5D996FB-6989-D945-B8A2-6A2FE88AE0D8}" type="presParOf" srcId="{FF1D8F2C-7729-414B-933C-789AA665DB74}" destId="{D6BB6B03-51A2-174A-898E-0C739FB63056}" srcOrd="0" destOrd="0" presId="urn:microsoft.com/office/officeart/2005/8/layout/process1"/>
+    <dgm:cxn modelId="{40C3E306-F232-D94E-B148-568463FB6C47}" type="presParOf" srcId="{191491BC-D417-5B46-9BFC-FE5995094ED0}" destId="{CA8D90C2-BA69-3744-A20C-0454CEB5BBA8}" srcOrd="2" destOrd="0" presId="urn:microsoft.com/office/officeart/2005/8/layout/process1"/>
+    <dgm:cxn modelId="{0ABD2A82-42ED-CA4E-8B79-F15332364D72}" type="presParOf" srcId="{191491BC-D417-5B46-9BFC-FE5995094ED0}" destId="{FF8EFEB4-B6C5-8146-8C69-10341F1046B6}" srcOrd="3" destOrd="0" presId="urn:microsoft.com/office/officeart/2005/8/layout/process1"/>
+    <dgm:cxn modelId="{97A0CB8C-1C38-3B42-8150-CC8BE12CA851}" type="presParOf" srcId="{FF8EFEB4-B6C5-8146-8C69-10341F1046B6}" destId="{79C1617F-3B2A-E44F-A8E6-40883D43E8BD}" srcOrd="0" destOrd="0" presId="urn:microsoft.com/office/officeart/2005/8/layout/process1"/>
+    <dgm:cxn modelId="{2A5EFF1F-9FC8-BA43-AAEF-6BCD3D9B203C}" type="presParOf" srcId="{191491BC-D417-5B46-9BFC-FE5995094ED0}" destId="{5F447B3D-91D9-9641-AA91-BBFEA9D37B71}" srcOrd="4" destOrd="0" presId="urn:microsoft.com/office/officeart/2005/8/layout/process1"/>
+    <dgm:cxn modelId="{2464C6E1-0C4C-5543-B8EE-8D3C12FD0E38}" type="presParOf" srcId="{191491BC-D417-5B46-9BFC-FE5995094ED0}" destId="{C3199361-0263-814C-9E55-2E5FE23350C2}" srcOrd="5" destOrd="0" presId="urn:microsoft.com/office/officeart/2005/8/layout/process1"/>
+    <dgm:cxn modelId="{6FB4ECE8-14B4-5449-B934-FDB19D616207}" type="presParOf" srcId="{C3199361-0263-814C-9E55-2E5FE23350C2}" destId="{CF794C3E-5D81-D840-838D-C1182D94A585}" srcOrd="0" destOrd="0" presId="urn:microsoft.com/office/officeart/2005/8/layout/process1"/>
+    <dgm:cxn modelId="{5CC53A94-F8A4-D846-A881-3450136103B2}" type="presParOf" srcId="{191491BC-D417-5B46-9BFC-FE5995094ED0}" destId="{D43DCB50-6D4B-0649-9DE1-F76C58773865}" srcOrd="6" destOrd="0" presId="urn:microsoft.com/office/officeart/2005/8/layout/process1"/>
+    <dgm:cxn modelId="{3DD0E215-85E2-C540-B10F-97668E5E18C3}" type="presParOf" srcId="{191491BC-D417-5B46-9BFC-FE5995094ED0}" destId="{10F8498C-E24E-0F40-B316-2BDB8694A360}" srcOrd="7" destOrd="0" presId="urn:microsoft.com/office/officeart/2005/8/layout/process1"/>
+    <dgm:cxn modelId="{A46BCAEC-442E-484A-8053-CC87A8353AAF}" type="presParOf" srcId="{10F8498C-E24E-0F40-B316-2BDB8694A360}" destId="{4ED1294D-FA64-0643-BFB9-F8F2B19A73EA}" srcOrd="0" destOrd="0" presId="urn:microsoft.com/office/officeart/2005/8/layout/process1"/>
+    <dgm:cxn modelId="{720F4A84-2D63-8D40-95D3-D97E43CB9622}" type="presParOf" srcId="{191491BC-D417-5B46-9BFC-FE5995094ED0}" destId="{5DB57F4E-E499-6F49-A9B3-1791519076CC}" srcOrd="8" destOrd="0" presId="urn:microsoft.com/office/officeart/2005/8/layout/process1"/>
+  </dgm:cxnLst>
+  <dgm:bg/>
+  <dgm:whole/>
+  <dgm:extLst>
+    <a:ext uri="http://schemas.microsoft.com/office/drawing/2008/diagram">
+      <dsp:dataModelExt xmlns:dsp="http://schemas.microsoft.com/office/drawing/2008/diagram" relId="rId7" minVer="http://schemas.openxmlformats.org/drawingml/2006/diagram"/>
+    </a:ext>
+  </dgm:extLst>
+</dgm:dataModel>
+</file>
+
+<file path=ppt/diagrams/drawing1.xml><?xml version="1.0" encoding="utf-8"?>
+<dsp:drawing xmlns:dgm="http://schemas.openxmlformats.org/drawingml/2006/diagram" xmlns:dsp="http://schemas.microsoft.com/office/drawing/2008/diagram" xmlns:a="http://schemas.openxmlformats.org/drawingml/2006/main">
+  <dsp:spTree>
+    <dsp:nvGrpSpPr>
+      <dsp:cNvPr id="0" name=""/>
+      <dsp:cNvGrpSpPr/>
+    </dsp:nvGrpSpPr>
+    <dsp:grpSpPr/>
+    <dsp:sp modelId="{539E0DA5-C97E-7348-A8A8-21611334F2FB}">
+      <dsp:nvSpPr>
+        <dsp:cNvPr id="0" name=""/>
+        <dsp:cNvSpPr/>
+      </dsp:nvSpPr>
+      <dsp:spPr>
+        <a:xfrm>
+          <a:off x="221906" y="663136"/>
+          <a:ext cx="1606091" cy="1731816"/>
+        </a:xfrm>
+        <a:prstGeom prst="roundRect">
+          <a:avLst>
+            <a:gd name="adj" fmla="val 10000"/>
+          </a:avLst>
+        </a:prstGeom>
+        <a:gradFill rotWithShape="0">
+          <a:gsLst>
+            <a:gs pos="0">
+              <a:schemeClr val="accent1">
+                <a:hueOff val="0"/>
+                <a:satOff val="0"/>
+                <a:lumOff val="0"/>
+                <a:alphaOff val="0"/>
+              </a:schemeClr>
+            </a:gs>
+            <a:gs pos="100000">
+              <a:schemeClr val="accent1">
+                <a:hueOff val="0"/>
+                <a:satOff val="0"/>
+                <a:lumOff val="0"/>
+                <a:alphaOff val="0"/>
+                <a:shade val="48000"/>
+                <a:satMod val="180000"/>
+                <a:lumMod val="94000"/>
+              </a:schemeClr>
+            </a:gs>
+            <a:gs pos="100000">
+              <a:schemeClr val="accent1">
+                <a:hueOff val="0"/>
+                <a:satOff val="0"/>
+                <a:lumOff val="0"/>
+                <a:alphaOff val="0"/>
+                <a:shade val="48000"/>
+                <a:satMod val="180000"/>
+                <a:lumMod val="94000"/>
+              </a:schemeClr>
+            </a:gs>
+          </a:gsLst>
+          <a:lin ang="4140000" scaled="1"/>
+        </a:gradFill>
+        <a:ln>
+          <a:noFill/>
+        </a:ln>
+        <a:effectLst>
+          <a:outerShdw blurRad="76200" dist="38100" dir="5400000" rotWithShape="0">
+            <a:srgbClr val="000000">
+              <a:alpha val="60000"/>
+            </a:srgbClr>
+          </a:outerShdw>
+        </a:effectLst>
+        <a:scene3d>
+          <a:camera prst="orthographicFront">
+            <a:rot lat="0" lon="0" rev="0"/>
+          </a:camera>
+          <a:lightRig rig="glow" dir="tl">
+            <a:rot lat="0" lon="0" rev="19800000"/>
+          </a:lightRig>
+        </a:scene3d>
+        <a:sp3d prstMaterial="metal">
+          <a:bevelT w="38100" h="38100"/>
+        </a:sp3d>
+      </dsp:spPr>
+      <dsp:style>
+        <a:lnRef idx="0">
+          <a:scrgbClr r="0" g="0" b="0"/>
+        </a:lnRef>
+        <a:fillRef idx="3">
+          <a:scrgbClr r="0" g="0" b="0"/>
+        </a:fillRef>
+        <a:effectRef idx="2">
+          <a:scrgbClr r="0" g="0" b="0"/>
+        </a:effectRef>
+        <a:fontRef idx="minor">
+          <a:schemeClr val="lt1"/>
+        </a:fontRef>
+      </dsp:style>
+      <dsp:txBody>
+        <a:bodyPr spcFirstLastPara="0" vert="horz" wrap="square" lIns="0" tIns="0" rIns="0" bIns="0" numCol="1" spcCol="1270" anchor="ctr" anchorCtr="0">
+          <a:noAutofit/>
+        </a:bodyPr>
+        <a:lstStyle/>
+        <a:p>
+          <a:pPr lvl="0" algn="ctr" defTabSz="844550">
+            <a:lnSpc>
+              <a:spcPct val="90000"/>
+            </a:lnSpc>
+            <a:spcBef>
+              <a:spcPct val="0"/>
+            </a:spcBef>
+            <a:spcAft>
+              <a:spcPct val="35000"/>
+            </a:spcAft>
+          </a:pPr>
+          <a:r>
+            <a:rPr lang="en-US" sz="1900" kern="1200" dirty="0" smtClean="0"/>
+            <a:t>Given Data</a:t>
+          </a:r>
+          <a:endParaRPr lang="en-US" sz="1900" kern="1200" dirty="0"/>
+        </a:p>
+      </dsp:txBody>
+      <dsp:txXfrm>
+        <a:off x="268947" y="710177"/>
+        <a:ext cx="1512009" cy="1637734"/>
+      </dsp:txXfrm>
+    </dsp:sp>
+    <dsp:sp modelId="{FF1D8F2C-7729-414B-933C-789AA665DB74}">
+      <dsp:nvSpPr>
+        <dsp:cNvPr id="0" name=""/>
+        <dsp:cNvSpPr/>
+      </dsp:nvSpPr>
+      <dsp:spPr>
+        <a:xfrm>
+          <a:off x="1951690" y="1442190"/>
+          <a:ext cx="262227" cy="173708"/>
+        </a:xfrm>
+        <a:prstGeom prst="rightArrow">
+          <a:avLst>
+            <a:gd name="adj1" fmla="val 60000"/>
+            <a:gd name="adj2" fmla="val 50000"/>
+          </a:avLst>
+        </a:prstGeom>
+        <a:gradFill rotWithShape="0">
+          <a:gsLst>
+            <a:gs pos="0">
+              <a:schemeClr val="accent1">
+                <a:tint val="60000"/>
+                <a:hueOff val="0"/>
+                <a:satOff val="0"/>
+                <a:lumOff val="0"/>
+                <a:alphaOff val="0"/>
+              </a:schemeClr>
+            </a:gs>
+            <a:gs pos="100000">
+              <a:schemeClr val="accent1">
+                <a:tint val="60000"/>
+                <a:hueOff val="0"/>
+                <a:satOff val="0"/>
+                <a:lumOff val="0"/>
+                <a:alphaOff val="0"/>
+                <a:shade val="48000"/>
+                <a:satMod val="180000"/>
+                <a:lumMod val="94000"/>
+              </a:schemeClr>
+            </a:gs>
+            <a:gs pos="100000">
+              <a:schemeClr val="accent1">
+                <a:tint val="60000"/>
+                <a:hueOff val="0"/>
+                <a:satOff val="0"/>
+                <a:lumOff val="0"/>
+                <a:alphaOff val="0"/>
+                <a:shade val="48000"/>
+                <a:satMod val="180000"/>
+                <a:lumMod val="94000"/>
+              </a:schemeClr>
+            </a:gs>
+          </a:gsLst>
+          <a:lin ang="4140000" scaled="1"/>
+        </a:gradFill>
+        <a:ln>
+          <a:noFill/>
+        </a:ln>
+        <a:effectLst>
+          <a:outerShdw blurRad="76200" dist="38100" dir="5400000" rotWithShape="0">
+            <a:srgbClr val="000000">
+              <a:alpha val="60000"/>
+            </a:srgbClr>
+          </a:outerShdw>
+        </a:effectLst>
+        <a:scene3d>
+          <a:camera prst="orthographicFront">
+            <a:rot lat="0" lon="0" rev="0"/>
+          </a:camera>
+          <a:lightRig rig="glow" dir="tl">
+            <a:rot lat="0" lon="0" rev="19800000"/>
+          </a:lightRig>
+        </a:scene3d>
+        <a:sp3d prstMaterial="metal">
+          <a:bevelT w="38100" h="38100"/>
+        </a:sp3d>
+      </dsp:spPr>
+      <dsp:style>
+        <a:lnRef idx="0">
+          <a:scrgbClr r="0" g="0" b="0"/>
+        </a:lnRef>
+        <a:fillRef idx="3">
+          <a:scrgbClr r="0" g="0" b="0"/>
+        </a:fillRef>
+        <a:effectRef idx="2">
+          <a:scrgbClr r="0" g="0" b="0"/>
+        </a:effectRef>
+        <a:fontRef idx="minor">
+          <a:schemeClr val="lt1"/>
+        </a:fontRef>
+      </dsp:style>
+      <dsp:txBody>
+        <a:bodyPr spcFirstLastPara="0" vert="horz" wrap="square" lIns="0" tIns="0" rIns="0" bIns="0" numCol="1" spcCol="1270" anchor="ctr" anchorCtr="0">
+          <a:noAutofit/>
+        </a:bodyPr>
+        <a:lstStyle/>
+        <a:p>
+          <a:pPr lvl="0" algn="ctr" defTabSz="311150">
+            <a:lnSpc>
+              <a:spcPct val="90000"/>
+            </a:lnSpc>
+            <a:spcBef>
+              <a:spcPct val="0"/>
+            </a:spcBef>
+            <a:spcAft>
+              <a:spcPct val="35000"/>
+            </a:spcAft>
+          </a:pPr>
+          <a:endParaRPr lang="en-US" sz="700" kern="1200"/>
+        </a:p>
+      </dsp:txBody>
+      <dsp:txXfrm>
+        <a:off x="1951690" y="1476932"/>
+        <a:ext cx="210115" cy="104224"/>
+      </dsp:txXfrm>
+    </dsp:sp>
+    <dsp:sp modelId="{CA8D90C2-BA69-3744-A20C-0454CEB5BBA8}">
+      <dsp:nvSpPr>
+        <dsp:cNvPr id="0" name=""/>
+        <dsp:cNvSpPr/>
+      </dsp:nvSpPr>
+      <dsp:spPr>
+        <a:xfrm>
+          <a:off x="2322767" y="663136"/>
+          <a:ext cx="1606091" cy="1731816"/>
+        </a:xfrm>
+        <a:prstGeom prst="roundRect">
+          <a:avLst>
+            <a:gd name="adj" fmla="val 10000"/>
+          </a:avLst>
+        </a:prstGeom>
+        <a:gradFill rotWithShape="0">
+          <a:gsLst>
+            <a:gs pos="0">
+              <a:schemeClr val="accent1">
+                <a:hueOff val="0"/>
+                <a:satOff val="0"/>
+                <a:lumOff val="0"/>
+                <a:alphaOff val="0"/>
+              </a:schemeClr>
+            </a:gs>
+            <a:gs pos="100000">
+              <a:schemeClr val="accent1">
+                <a:hueOff val="0"/>
+                <a:satOff val="0"/>
+                <a:lumOff val="0"/>
+                <a:alphaOff val="0"/>
+                <a:shade val="48000"/>
+                <a:satMod val="180000"/>
+                <a:lumMod val="94000"/>
+              </a:schemeClr>
+            </a:gs>
+            <a:gs pos="100000">
+              <a:schemeClr val="accent1">
+                <a:hueOff val="0"/>
+                <a:satOff val="0"/>
+                <a:lumOff val="0"/>
+                <a:alphaOff val="0"/>
+                <a:shade val="48000"/>
+                <a:satMod val="180000"/>
+                <a:lumMod val="94000"/>
+              </a:schemeClr>
+            </a:gs>
+          </a:gsLst>
+          <a:lin ang="4140000" scaled="1"/>
+        </a:gradFill>
+        <a:ln>
+          <a:noFill/>
+        </a:ln>
+        <a:effectLst>
+          <a:outerShdw blurRad="76200" dist="38100" dir="5400000" rotWithShape="0">
+            <a:srgbClr val="000000">
+              <a:alpha val="60000"/>
+            </a:srgbClr>
+          </a:outerShdw>
+        </a:effectLst>
+        <a:scene3d>
+          <a:camera prst="orthographicFront">
+            <a:rot lat="0" lon="0" rev="0"/>
+          </a:camera>
+          <a:lightRig rig="glow" dir="tl">
+            <a:rot lat="0" lon="0" rev="19800000"/>
+          </a:lightRig>
+        </a:scene3d>
+        <a:sp3d prstMaterial="metal">
+          <a:bevelT w="38100" h="38100"/>
+        </a:sp3d>
+      </dsp:spPr>
+      <dsp:style>
+        <a:lnRef idx="0">
+          <a:scrgbClr r="0" g="0" b="0"/>
+        </a:lnRef>
+        <a:fillRef idx="3">
+          <a:scrgbClr r="0" g="0" b="0"/>
+        </a:fillRef>
+        <a:effectRef idx="2">
+          <a:scrgbClr r="0" g="0" b="0"/>
+        </a:effectRef>
+        <a:fontRef idx="minor">
+          <a:schemeClr val="lt1"/>
+        </a:fontRef>
+      </dsp:style>
+      <dsp:txBody>
+        <a:bodyPr spcFirstLastPara="0" vert="horz" wrap="square" lIns="0" tIns="0" rIns="0" bIns="0" numCol="1" spcCol="1270" anchor="ctr" anchorCtr="0">
+          <a:noAutofit/>
+        </a:bodyPr>
+        <a:lstStyle/>
+        <a:p>
+          <a:pPr lvl="0" algn="ctr" defTabSz="844550">
+            <a:lnSpc>
+              <a:spcPct val="90000"/>
+            </a:lnSpc>
+            <a:spcBef>
+              <a:spcPct val="0"/>
+            </a:spcBef>
+            <a:spcAft>
+              <a:spcPct val="35000"/>
+            </a:spcAft>
+          </a:pPr>
+          <a:r>
+            <a:rPr lang="en-US" sz="1900" kern="1200" dirty="0" smtClean="0"/>
+            <a:t>Python Preparation Scripts</a:t>
+          </a:r>
+          <a:endParaRPr lang="en-US" sz="1900" kern="1200" dirty="0"/>
+        </a:p>
+      </dsp:txBody>
+      <dsp:txXfrm>
+        <a:off x="2369808" y="710177"/>
+        <a:ext cx="1512009" cy="1637734"/>
+      </dsp:txXfrm>
+    </dsp:sp>
+    <dsp:sp modelId="{FF8EFEB4-B6C5-8146-8C69-10341F1046B6}">
+      <dsp:nvSpPr>
+        <dsp:cNvPr id="0" name=""/>
+        <dsp:cNvSpPr/>
+      </dsp:nvSpPr>
+      <dsp:spPr>
+        <a:xfrm>
+          <a:off x="4073793" y="1442190"/>
+          <a:ext cx="307261" cy="173708"/>
+        </a:xfrm>
+        <a:prstGeom prst="rightArrow">
+          <a:avLst>
+            <a:gd name="adj1" fmla="val 60000"/>
+            <a:gd name="adj2" fmla="val 50000"/>
+          </a:avLst>
+        </a:prstGeom>
+        <a:gradFill rotWithShape="0">
+          <a:gsLst>
+            <a:gs pos="0">
+              <a:schemeClr val="accent1">
+                <a:tint val="60000"/>
+                <a:hueOff val="0"/>
+                <a:satOff val="0"/>
+                <a:lumOff val="0"/>
+                <a:alphaOff val="0"/>
+              </a:schemeClr>
+            </a:gs>
+            <a:gs pos="100000">
+              <a:schemeClr val="accent1">
+                <a:tint val="60000"/>
+                <a:hueOff val="0"/>
+                <a:satOff val="0"/>
+                <a:lumOff val="0"/>
+                <a:alphaOff val="0"/>
+                <a:shade val="48000"/>
+                <a:satMod val="180000"/>
+                <a:lumMod val="94000"/>
+              </a:schemeClr>
+            </a:gs>
+            <a:gs pos="100000">
+              <a:schemeClr val="accent1">
+                <a:tint val="60000"/>
+                <a:hueOff val="0"/>
+                <a:satOff val="0"/>
+                <a:lumOff val="0"/>
+                <a:alphaOff val="0"/>
+                <a:shade val="48000"/>
+                <a:satMod val="180000"/>
+                <a:lumMod val="94000"/>
+              </a:schemeClr>
+            </a:gs>
+          </a:gsLst>
+          <a:lin ang="4140000" scaled="1"/>
+        </a:gradFill>
+        <a:ln>
+          <a:noFill/>
+        </a:ln>
+        <a:effectLst>
+          <a:outerShdw blurRad="76200" dist="38100" dir="5400000" rotWithShape="0">
+            <a:srgbClr val="000000">
+              <a:alpha val="60000"/>
+            </a:srgbClr>
+          </a:outerShdw>
+        </a:effectLst>
+        <a:scene3d>
+          <a:camera prst="orthographicFront">
+            <a:rot lat="0" lon="0" rev="0"/>
+          </a:camera>
+          <a:lightRig rig="glow" dir="tl">
+            <a:rot lat="0" lon="0" rev="19800000"/>
+          </a:lightRig>
+        </a:scene3d>
+        <a:sp3d prstMaterial="metal">
+          <a:bevelT w="38100" h="38100"/>
+        </a:sp3d>
+      </dsp:spPr>
+      <dsp:style>
+        <a:lnRef idx="0">
+          <a:scrgbClr r="0" g="0" b="0"/>
+        </a:lnRef>
+        <a:fillRef idx="3">
+          <a:scrgbClr r="0" g="0" b="0"/>
+        </a:fillRef>
+        <a:effectRef idx="2">
+          <a:scrgbClr r="0" g="0" b="0"/>
+        </a:effectRef>
+        <a:fontRef idx="minor">
+          <a:schemeClr val="lt1"/>
+        </a:fontRef>
+      </dsp:style>
+      <dsp:txBody>
+        <a:bodyPr spcFirstLastPara="0" vert="horz" wrap="square" lIns="0" tIns="0" rIns="0" bIns="0" numCol="1" spcCol="1270" anchor="ctr" anchorCtr="0">
+          <a:noAutofit/>
+        </a:bodyPr>
+        <a:lstStyle/>
+        <a:p>
+          <a:pPr lvl="0" algn="ctr" defTabSz="311150">
+            <a:lnSpc>
+              <a:spcPct val="90000"/>
+            </a:lnSpc>
+            <a:spcBef>
+              <a:spcPct val="0"/>
+            </a:spcBef>
+            <a:spcAft>
+              <a:spcPct val="35000"/>
+            </a:spcAft>
+          </a:pPr>
+          <a:endParaRPr lang="en-US" sz="700" kern="1200"/>
+        </a:p>
+      </dsp:txBody>
+      <dsp:txXfrm>
+        <a:off x="4073793" y="1476932"/>
+        <a:ext cx="255149" cy="104224"/>
+      </dsp:txXfrm>
+    </dsp:sp>
+    <dsp:sp modelId="{5F447B3D-91D9-9641-AA91-BBFEA9D37B71}">
+      <dsp:nvSpPr>
+        <dsp:cNvPr id="0" name=""/>
+        <dsp:cNvSpPr/>
+      </dsp:nvSpPr>
+      <dsp:spPr>
+        <a:xfrm>
+          <a:off x="4508598" y="663136"/>
+          <a:ext cx="1606091" cy="1731816"/>
+        </a:xfrm>
+        <a:prstGeom prst="roundRect">
+          <a:avLst>
+            <a:gd name="adj" fmla="val 10000"/>
+          </a:avLst>
+        </a:prstGeom>
+        <a:gradFill rotWithShape="0">
+          <a:gsLst>
+            <a:gs pos="0">
+              <a:schemeClr val="accent1">
+                <a:hueOff val="0"/>
+                <a:satOff val="0"/>
+                <a:lumOff val="0"/>
+                <a:alphaOff val="0"/>
+              </a:schemeClr>
+            </a:gs>
+            <a:gs pos="100000">
+              <a:schemeClr val="accent1">
+                <a:hueOff val="0"/>
+                <a:satOff val="0"/>
+                <a:lumOff val="0"/>
+                <a:alphaOff val="0"/>
+                <a:shade val="48000"/>
+                <a:satMod val="180000"/>
+                <a:lumMod val="94000"/>
+              </a:schemeClr>
+            </a:gs>
+            <a:gs pos="100000">
+              <a:schemeClr val="accent1">
+                <a:hueOff val="0"/>
+                <a:satOff val="0"/>
+                <a:lumOff val="0"/>
+                <a:alphaOff val="0"/>
+                <a:shade val="48000"/>
+                <a:satMod val="180000"/>
+                <a:lumMod val="94000"/>
+              </a:schemeClr>
+            </a:gs>
+          </a:gsLst>
+          <a:lin ang="4140000" scaled="1"/>
+        </a:gradFill>
+        <a:ln>
+          <a:noFill/>
+        </a:ln>
+        <a:effectLst>
+          <a:outerShdw blurRad="76200" dist="38100" dir="5400000" rotWithShape="0">
+            <a:srgbClr val="000000">
+              <a:alpha val="60000"/>
+            </a:srgbClr>
+          </a:outerShdw>
+        </a:effectLst>
+        <a:scene3d>
+          <a:camera prst="orthographicFront">
+            <a:rot lat="0" lon="0" rev="0"/>
+          </a:camera>
+          <a:lightRig rig="glow" dir="tl">
+            <a:rot lat="0" lon="0" rev="19800000"/>
+          </a:lightRig>
+        </a:scene3d>
+        <a:sp3d prstMaterial="metal">
+          <a:bevelT w="38100" h="38100"/>
+        </a:sp3d>
+      </dsp:spPr>
+      <dsp:style>
+        <a:lnRef idx="0">
+          <a:scrgbClr r="0" g="0" b="0"/>
+        </a:lnRef>
+        <a:fillRef idx="3">
+          <a:scrgbClr r="0" g="0" b="0"/>
+        </a:fillRef>
+        <a:effectRef idx="2">
+          <a:scrgbClr r="0" g="0" b="0"/>
+        </a:effectRef>
+        <a:fontRef idx="minor">
+          <a:schemeClr val="lt1"/>
+        </a:fontRef>
+      </dsp:style>
+      <dsp:txBody>
+        <a:bodyPr spcFirstLastPara="0" vert="horz" wrap="square" lIns="0" tIns="0" rIns="0" bIns="0" numCol="1" spcCol="1270" anchor="ctr" anchorCtr="0">
+          <a:noAutofit/>
+        </a:bodyPr>
+        <a:lstStyle/>
+        <a:p>
+          <a:pPr lvl="0" algn="ctr" defTabSz="844550">
+            <a:lnSpc>
+              <a:spcPct val="90000"/>
+            </a:lnSpc>
+            <a:spcBef>
+              <a:spcPct val="0"/>
+            </a:spcBef>
+            <a:spcAft>
+              <a:spcPct val="35000"/>
+            </a:spcAft>
+          </a:pPr>
+          <a:r>
+            <a:rPr lang="en-US" sz="1900" kern="1200" dirty="0" err="1" smtClean="0"/>
+            <a:t>Vowpal</a:t>
+          </a:r>
+          <a:r>
+            <a:rPr lang="en-US" sz="1900" kern="1200" dirty="0" smtClean="0"/>
+            <a:t> </a:t>
+          </a:r>
+          <a:r>
+            <a:rPr lang="en-US" sz="1900" kern="1200" dirty="0" err="1" smtClean="0"/>
+            <a:t>Wabbit</a:t>
+          </a:r>
+          <a:endParaRPr lang="en-US" sz="1900" kern="1200" dirty="0"/>
+        </a:p>
+      </dsp:txBody>
+      <dsp:txXfrm>
+        <a:off x="4555639" y="710177"/>
+        <a:ext cx="1512009" cy="1637734"/>
+      </dsp:txXfrm>
+    </dsp:sp>
+    <dsp:sp modelId="{C3199361-0263-814C-9E55-2E5FE23350C2}">
+      <dsp:nvSpPr>
+        <dsp:cNvPr id="0" name=""/>
+        <dsp:cNvSpPr/>
+      </dsp:nvSpPr>
+      <dsp:spPr>
+        <a:xfrm rot="1373424">
+          <a:off x="6386218" y="2040950"/>
+          <a:ext cx="687105" cy="173708"/>
+        </a:xfrm>
+        <a:prstGeom prst="rightArrow">
+          <a:avLst>
+            <a:gd name="adj1" fmla="val 60000"/>
+            <a:gd name="adj2" fmla="val 50000"/>
+          </a:avLst>
+        </a:prstGeom>
+        <a:gradFill rotWithShape="0">
+          <a:gsLst>
+            <a:gs pos="0">
+              <a:schemeClr val="accent1">
+                <a:tint val="60000"/>
+                <a:hueOff val="0"/>
+                <a:satOff val="0"/>
+                <a:lumOff val="0"/>
+                <a:alphaOff val="0"/>
+              </a:schemeClr>
+            </a:gs>
+            <a:gs pos="100000">
+              <a:schemeClr val="accent1">
+                <a:tint val="60000"/>
+                <a:hueOff val="0"/>
+                <a:satOff val="0"/>
+                <a:lumOff val="0"/>
+                <a:alphaOff val="0"/>
+                <a:shade val="48000"/>
+                <a:satMod val="180000"/>
+                <a:lumMod val="94000"/>
+              </a:schemeClr>
+            </a:gs>
+            <a:gs pos="100000">
+              <a:schemeClr val="accent1">
+                <a:tint val="60000"/>
+                <a:hueOff val="0"/>
+                <a:satOff val="0"/>
+                <a:lumOff val="0"/>
+                <a:alphaOff val="0"/>
+                <a:shade val="48000"/>
+                <a:satMod val="180000"/>
+                <a:lumMod val="94000"/>
+              </a:schemeClr>
+            </a:gs>
+          </a:gsLst>
+          <a:lin ang="4140000" scaled="1"/>
+        </a:gradFill>
+        <a:ln>
+          <a:noFill/>
+        </a:ln>
+        <a:effectLst>
+          <a:outerShdw blurRad="76200" dist="38100" dir="5400000" rotWithShape="0">
+            <a:srgbClr val="000000">
+              <a:alpha val="60000"/>
+            </a:srgbClr>
+          </a:outerShdw>
+        </a:effectLst>
+        <a:scene3d>
+          <a:camera prst="orthographicFront">
+            <a:rot lat="0" lon="0" rev="0"/>
+          </a:camera>
+          <a:lightRig rig="glow" dir="tl">
+            <a:rot lat="0" lon="0" rev="19800000"/>
+          </a:lightRig>
+        </a:scene3d>
+        <a:sp3d prstMaterial="metal">
+          <a:bevelT w="38100" h="38100"/>
+        </a:sp3d>
+      </dsp:spPr>
+      <dsp:style>
+        <a:lnRef idx="0">
+          <a:scrgbClr r="0" g="0" b="0"/>
+        </a:lnRef>
+        <a:fillRef idx="3">
+          <a:scrgbClr r="0" g="0" b="0"/>
+        </a:fillRef>
+        <a:effectRef idx="2">
+          <a:scrgbClr r="0" g="0" b="0"/>
+        </a:effectRef>
+        <a:fontRef idx="minor">
+          <a:schemeClr val="lt1"/>
+        </a:fontRef>
+      </dsp:style>
+      <dsp:txBody>
+        <a:bodyPr spcFirstLastPara="0" vert="horz" wrap="square" lIns="0" tIns="0" rIns="0" bIns="0" numCol="1" spcCol="1270" anchor="ctr" anchorCtr="0">
+          <a:noAutofit/>
+        </a:bodyPr>
+        <a:lstStyle/>
+        <a:p>
+          <a:pPr lvl="0" algn="ctr" defTabSz="311150">
+            <a:lnSpc>
+              <a:spcPct val="90000"/>
+            </a:lnSpc>
+            <a:spcBef>
+              <a:spcPct val="0"/>
+            </a:spcBef>
+            <a:spcAft>
+              <a:spcPct val="35000"/>
+            </a:spcAft>
+          </a:pPr>
+          <a:endParaRPr lang="en-US" sz="700" kern="1200"/>
+        </a:p>
+      </dsp:txBody>
+      <dsp:txXfrm>
+        <a:off x="6388270" y="2065557"/>
+        <a:ext cx="634993" cy="104224"/>
+      </dsp:txXfrm>
+    </dsp:sp>
+    <dsp:sp modelId="{D43DCB50-6D4B-0649-9DE1-F76C58773865}">
+      <dsp:nvSpPr>
+        <dsp:cNvPr id="0" name=""/>
+        <dsp:cNvSpPr/>
+      </dsp:nvSpPr>
+      <dsp:spPr>
+        <a:xfrm>
+          <a:off x="7309021" y="1845528"/>
+          <a:ext cx="1606091" cy="1731816"/>
+        </a:xfrm>
+        <a:prstGeom prst="roundRect">
+          <a:avLst>
+            <a:gd name="adj" fmla="val 10000"/>
+          </a:avLst>
+        </a:prstGeom>
+        <a:gradFill rotWithShape="0">
+          <a:gsLst>
+            <a:gs pos="0">
+              <a:schemeClr val="accent1">
+                <a:hueOff val="0"/>
+                <a:satOff val="0"/>
+                <a:lumOff val="0"/>
+                <a:alphaOff val="0"/>
+              </a:schemeClr>
+            </a:gs>
+            <a:gs pos="100000">
+              <a:schemeClr val="accent1">
+                <a:hueOff val="0"/>
+                <a:satOff val="0"/>
+                <a:lumOff val="0"/>
+                <a:alphaOff val="0"/>
+                <a:shade val="48000"/>
+                <a:satMod val="180000"/>
+                <a:lumMod val="94000"/>
+              </a:schemeClr>
+            </a:gs>
+            <a:gs pos="100000">
+              <a:schemeClr val="accent1">
+                <a:hueOff val="0"/>
+                <a:satOff val="0"/>
+                <a:lumOff val="0"/>
+                <a:alphaOff val="0"/>
+                <a:shade val="48000"/>
+                <a:satMod val="180000"/>
+                <a:lumMod val="94000"/>
+              </a:schemeClr>
+            </a:gs>
+          </a:gsLst>
+          <a:lin ang="4140000" scaled="1"/>
+        </a:gradFill>
+        <a:ln>
+          <a:noFill/>
+        </a:ln>
+        <a:effectLst>
+          <a:outerShdw blurRad="76200" dist="38100" dir="5400000" rotWithShape="0">
+            <a:srgbClr val="000000">
+              <a:alpha val="60000"/>
+            </a:srgbClr>
+          </a:outerShdw>
+        </a:effectLst>
+        <a:scene3d>
+          <a:camera prst="orthographicFront">
+            <a:rot lat="0" lon="0" rev="0"/>
+          </a:camera>
+          <a:lightRig rig="glow" dir="tl">
+            <a:rot lat="0" lon="0" rev="19800000"/>
+          </a:lightRig>
+        </a:scene3d>
+        <a:sp3d prstMaterial="metal">
+          <a:bevelT w="38100" h="38100"/>
+        </a:sp3d>
+      </dsp:spPr>
+      <dsp:style>
+        <a:lnRef idx="0">
+          <a:scrgbClr r="0" g="0" b="0"/>
+        </a:lnRef>
+        <a:fillRef idx="3">
+          <a:scrgbClr r="0" g="0" b="0"/>
+        </a:fillRef>
+        <a:effectRef idx="2">
+          <a:scrgbClr r="0" g="0" b="0"/>
+        </a:effectRef>
+        <a:fontRef idx="minor">
+          <a:schemeClr val="lt1"/>
+        </a:fontRef>
+      </dsp:style>
+      <dsp:txBody>
+        <a:bodyPr spcFirstLastPara="0" vert="horz" wrap="square" lIns="0" tIns="0" rIns="0" bIns="0" numCol="1" spcCol="1270" anchor="ctr" anchorCtr="0">
+          <a:noAutofit/>
+        </a:bodyPr>
+        <a:lstStyle/>
+        <a:p>
+          <a:pPr lvl="0" algn="ctr" defTabSz="844550">
+            <a:lnSpc>
+              <a:spcPct val="90000"/>
+            </a:lnSpc>
+            <a:spcBef>
+              <a:spcPct val="0"/>
+            </a:spcBef>
+            <a:spcAft>
+              <a:spcPct val="35000"/>
+            </a:spcAft>
+          </a:pPr>
+          <a:r>
+            <a:rPr lang="en-US" sz="1900" kern="1200" dirty="0" smtClean="0"/>
+            <a:t>Python Cleanup Scripts</a:t>
+          </a:r>
+        </a:p>
+      </dsp:txBody>
+      <dsp:txXfrm>
+        <a:off x="7356062" y="1892569"/>
+        <a:ext cx="1512009" cy="1637734"/>
+      </dsp:txXfrm>
+    </dsp:sp>
+    <dsp:sp modelId="{10F8498C-E24E-0F40-B316-2BDB8694A360}">
+      <dsp:nvSpPr>
+        <dsp:cNvPr id="0" name=""/>
+        <dsp:cNvSpPr/>
+      </dsp:nvSpPr>
+      <dsp:spPr>
+        <a:xfrm rot="9056693">
+          <a:off x="6126538" y="3484257"/>
+          <a:ext cx="876295" cy="173708"/>
+        </a:xfrm>
+        <a:prstGeom prst="rightArrow">
+          <a:avLst>
+            <a:gd name="adj1" fmla="val 60000"/>
+            <a:gd name="adj2" fmla="val 50000"/>
+          </a:avLst>
+        </a:prstGeom>
+        <a:gradFill rotWithShape="0">
+          <a:gsLst>
+            <a:gs pos="0">
+              <a:schemeClr val="accent1">
+                <a:tint val="60000"/>
+                <a:hueOff val="0"/>
+                <a:satOff val="0"/>
+                <a:lumOff val="0"/>
+                <a:alphaOff val="0"/>
+              </a:schemeClr>
+            </a:gs>
+            <a:gs pos="100000">
+              <a:schemeClr val="accent1">
+                <a:tint val="60000"/>
+                <a:hueOff val="0"/>
+                <a:satOff val="0"/>
+                <a:lumOff val="0"/>
+                <a:alphaOff val="0"/>
+                <a:shade val="48000"/>
+                <a:satMod val="180000"/>
+                <a:lumMod val="94000"/>
+              </a:schemeClr>
+            </a:gs>
+            <a:gs pos="100000">
+              <a:schemeClr val="accent1">
+                <a:tint val="60000"/>
+                <a:hueOff val="0"/>
+                <a:satOff val="0"/>
+                <a:lumOff val="0"/>
+                <a:alphaOff val="0"/>
+                <a:shade val="48000"/>
+                <a:satMod val="180000"/>
+                <a:lumMod val="94000"/>
+              </a:schemeClr>
+            </a:gs>
+          </a:gsLst>
+          <a:lin ang="4140000" scaled="1"/>
+        </a:gradFill>
+        <a:ln>
+          <a:noFill/>
+        </a:ln>
+        <a:effectLst>
+          <a:outerShdw blurRad="76200" dist="38100" dir="5400000" rotWithShape="0">
+            <a:srgbClr val="000000">
+              <a:alpha val="60000"/>
+            </a:srgbClr>
+          </a:outerShdw>
+        </a:effectLst>
+        <a:scene3d>
+          <a:camera prst="orthographicFront">
+            <a:rot lat="0" lon="0" rev="0"/>
+          </a:camera>
+          <a:lightRig rig="glow" dir="tl">
+            <a:rot lat="0" lon="0" rev="19800000"/>
+          </a:lightRig>
+        </a:scene3d>
+        <a:sp3d prstMaterial="metal">
+          <a:bevelT w="38100" h="38100"/>
+        </a:sp3d>
+      </dsp:spPr>
+      <dsp:style>
+        <a:lnRef idx="0">
+          <a:scrgbClr r="0" g="0" b="0"/>
+        </a:lnRef>
+        <a:fillRef idx="3">
+          <a:scrgbClr r="0" g="0" b="0"/>
+        </a:fillRef>
+        <a:effectRef idx="2">
+          <a:scrgbClr r="0" g="0" b="0"/>
+        </a:effectRef>
+        <a:fontRef idx="minor">
+          <a:schemeClr val="lt1"/>
+        </a:fontRef>
+      </dsp:style>
+      <dsp:txBody>
+        <a:bodyPr spcFirstLastPara="0" vert="horz" wrap="square" lIns="0" tIns="0" rIns="0" bIns="0" numCol="1" spcCol="1270" anchor="ctr" anchorCtr="0">
+          <a:noAutofit/>
+        </a:bodyPr>
+        <a:lstStyle/>
+        <a:p>
+          <a:pPr lvl="0" algn="ctr" defTabSz="311150">
+            <a:lnSpc>
+              <a:spcPct val="90000"/>
+            </a:lnSpc>
+            <a:spcBef>
+              <a:spcPct val="0"/>
+            </a:spcBef>
+            <a:spcAft>
+              <a:spcPct val="35000"/>
+            </a:spcAft>
+          </a:pPr>
+          <a:endParaRPr lang="en-US" sz="700" kern="1200"/>
+        </a:p>
+      </dsp:txBody>
+      <dsp:txXfrm rot="10800000">
+        <a:off x="6175371" y="3506345"/>
+        <a:ext cx="824183" cy="104224"/>
+      </dsp:txXfrm>
+    </dsp:sp>
+    <dsp:sp modelId="{5DB57F4E-E499-6F49-A9B3-1791519076CC}">
+      <dsp:nvSpPr>
+        <dsp:cNvPr id="0" name=""/>
+        <dsp:cNvSpPr/>
+      </dsp:nvSpPr>
+      <dsp:spPr>
+        <a:xfrm>
+          <a:off x="4257616" y="3540789"/>
+          <a:ext cx="1606091" cy="1731816"/>
+        </a:xfrm>
+        <a:prstGeom prst="roundRect">
+          <a:avLst>
+            <a:gd name="adj" fmla="val 10000"/>
+          </a:avLst>
+        </a:prstGeom>
+        <a:gradFill rotWithShape="0">
+          <a:gsLst>
+            <a:gs pos="0">
+              <a:schemeClr val="accent1">
+                <a:hueOff val="0"/>
+                <a:satOff val="0"/>
+                <a:lumOff val="0"/>
+                <a:alphaOff val="0"/>
+              </a:schemeClr>
+            </a:gs>
+            <a:gs pos="100000">
+              <a:schemeClr val="accent1">
+                <a:hueOff val="0"/>
+                <a:satOff val="0"/>
+                <a:lumOff val="0"/>
+                <a:alphaOff val="0"/>
+                <a:shade val="48000"/>
+                <a:satMod val="180000"/>
+                <a:lumMod val="94000"/>
+              </a:schemeClr>
+            </a:gs>
+            <a:gs pos="100000">
+              <a:schemeClr val="accent1">
+                <a:hueOff val="0"/>
+                <a:satOff val="0"/>
+                <a:lumOff val="0"/>
+                <a:alphaOff val="0"/>
+                <a:shade val="48000"/>
+                <a:satMod val="180000"/>
+                <a:lumMod val="94000"/>
+              </a:schemeClr>
+            </a:gs>
+          </a:gsLst>
+          <a:lin ang="4140000" scaled="1"/>
+        </a:gradFill>
+        <a:ln>
+          <a:noFill/>
+        </a:ln>
+        <a:effectLst>
+          <a:outerShdw blurRad="76200" dist="38100" dir="5400000" rotWithShape="0">
+            <a:srgbClr val="000000">
+              <a:alpha val="60000"/>
+            </a:srgbClr>
+          </a:outerShdw>
+        </a:effectLst>
+        <a:scene3d>
+          <a:camera prst="orthographicFront">
+            <a:rot lat="0" lon="0" rev="0"/>
+          </a:camera>
+          <a:lightRig rig="glow" dir="tl">
+            <a:rot lat="0" lon="0" rev="19800000"/>
+          </a:lightRig>
+        </a:scene3d>
+        <a:sp3d prstMaterial="metal">
+          <a:bevelT w="38100" h="38100"/>
+        </a:sp3d>
+      </dsp:spPr>
+      <dsp:style>
+        <a:lnRef idx="0">
+          <a:scrgbClr r="0" g="0" b="0"/>
+        </a:lnRef>
+        <a:fillRef idx="3">
+          <a:scrgbClr r="0" g="0" b="0"/>
+        </a:fillRef>
+        <a:effectRef idx="2">
+          <a:scrgbClr r="0" g="0" b="0"/>
+        </a:effectRef>
+        <a:fontRef idx="minor">
+          <a:schemeClr val="lt1"/>
+        </a:fontRef>
+      </dsp:style>
+      <dsp:txBody>
+        <a:bodyPr spcFirstLastPara="0" vert="horz" wrap="square" lIns="0" tIns="0" rIns="0" bIns="0" numCol="1" spcCol="1270" anchor="ctr" anchorCtr="0">
+          <a:noAutofit/>
+        </a:bodyPr>
+        <a:lstStyle/>
+        <a:p>
+          <a:pPr lvl="0" algn="ctr" defTabSz="844550">
+            <a:lnSpc>
+              <a:spcPct val="90000"/>
+            </a:lnSpc>
+            <a:spcBef>
+              <a:spcPct val="0"/>
+            </a:spcBef>
+            <a:spcAft>
+              <a:spcPct val="35000"/>
+            </a:spcAft>
+          </a:pPr>
+          <a:r>
+            <a:rPr lang="en-US" sz="1900" kern="1200" dirty="0" err="1" smtClean="0"/>
+            <a:t>Kaggle</a:t>
+          </a:r>
+          <a:r>
+            <a:rPr lang="en-US" sz="1900" kern="1200" dirty="0" smtClean="0"/>
+            <a:t> Submission</a:t>
+          </a:r>
+          <a:endParaRPr lang="en-US" sz="1900" kern="1200" dirty="0"/>
+        </a:p>
+      </dsp:txBody>
+      <dsp:txXfrm>
+        <a:off x="4304657" y="3587830"/>
+        <a:ext cx="1512009" cy="1637734"/>
+      </dsp:txXfrm>
+    </dsp:sp>
+  </dsp:spTree>
+</dsp:drawing>
+</file>
+
+<file path=ppt/diagrams/layout1.xml><?xml version="1.0" encoding="utf-8"?>
+<dgm:layoutDef xmlns:dgm="http://schemas.openxmlformats.org/drawingml/2006/diagram" xmlns:a="http://schemas.openxmlformats.org/drawingml/2006/main" uniqueId="urn:microsoft.com/office/officeart/2005/8/layout/process1">
+  <dgm:title val=""/>
+  <dgm:desc val=""/>
+  <dgm:catLst>
+    <dgm:cat type="process" pri="1000"/>
+    <dgm:cat type="convert" pri="15000"/>
+  </dgm:catLst>
+  <dgm:sampData useDef="1">
+    <dgm:dataModel>
+      <dgm:ptLst/>
+      <dgm:bg/>
+      <dgm:whole/>
+    </dgm:dataModel>
+  </dgm:sampData>
+  <dgm:styleData>
+    <dgm:dataModel>
+      <dgm:ptLst>
+        <dgm:pt modelId="0" type="doc"/>
+        <dgm:pt modelId="1"/>
+        <dgm:pt modelId="2"/>
+      </dgm:ptLst>
+      <dgm:cxnLst>
+        <dgm:cxn modelId="3" srcId="0" destId="1" srcOrd="0" destOrd="0"/>
+        <dgm:cxn modelId="4" srcId="0" destId="2" srcOrd="1" destOrd="0"/>
+      </dgm:cxnLst>
+      <dgm:bg/>
+      <dgm:whole/>
+    </dgm:dataModel>
+  </dgm:styleData>
+  <dgm:clrData>
+    <dgm:dataModel>
+      <dgm:ptLst>
+        <dgm:pt modelId="0" type="doc"/>
+        <dgm:pt modelId="1"/>
+        <dgm:pt modelId="2"/>
+        <dgm:pt modelId="3"/>
+        <dgm:pt modelId="4"/>
+      </dgm:ptLst>
+      <dgm:cxnLst>
+        <dgm:cxn modelId="5" srcId="0" destId="1" srcOrd="0" destOrd="0"/>
+        <dgm:cxn modelId="6" srcId="0" destId="2" srcOrd="1" destOrd="0"/>
+        <dgm:cxn modelId="7" srcId="0" destId="3" srcOrd="2" destOrd="0"/>
+        <dgm:cxn modelId="8" srcId="0" destId="4" srcOrd="3" destOrd="0"/>
+      </dgm:cxnLst>
+      <dgm:bg/>
+      <dgm:whole/>
+    </dgm:dataModel>
+  </dgm:clrData>
+  <dgm:layoutNode name="Name0">
+    <dgm:varLst>
+      <dgm:dir/>
+      <dgm:resizeHandles val="exact"/>
+    </dgm:varLst>
+    <dgm:choose name="Name1">
+      <dgm:if name="Name2" func="var" arg="dir" op="equ" val="norm">
+        <dgm:alg type="lin"/>
+      </dgm:if>
+      <dgm:else name="Name3">
+        <dgm:alg type="lin">
+          <dgm:param type="linDir" val="fromR"/>
+        </dgm:alg>
+      </dgm:else>
+    </dgm:choose>
+    <dgm:shape xmlns:r="http://schemas.openxmlformats.org/officeDocument/2006/relationships" r:blip="">
+      <dgm:adjLst/>
+    </dgm:shape>
+    <dgm:presOf/>
+    <dgm:constrLst>
+      <dgm:constr type="w" for="ch" ptType="node" refType="w"/>
+      <dgm:constr type="h" for="ch" ptType="node" op="equ"/>
+      <dgm:constr type="primFontSz" for="ch" ptType="node" op="equ" val="65"/>
+      <dgm:constr type="w" for="ch" ptType="sibTrans" refType="w" refFor="ch" refPtType="node" op="equ" fact="0.4"/>
+      <dgm:constr type="h" for="ch" ptType="sibTrans" op="equ"/>
+      <dgm:constr type="primFontSz" for="des" forName="connectorText" op="equ" val="55"/>
+      <dgm:constr type="primFontSz" for="des" forName="connectorText" refType="primFontSz" refFor="ch" refPtType="node" op="lte" fact="0.8"/>
+    </dgm:constrLst>
+    <dgm:ruleLst/>
+    <dgm:forEach name="nodesForEach" axis="ch" ptType="node">
+      <dgm:layoutNode name="node">
+        <dgm:varLst>
+          <dgm:bulletEnabled val="1"/>
+        </dgm:varLst>
+        <dgm:alg type="tx"/>
+        <dgm:shape xmlns:r="http://schemas.openxmlformats.org/officeDocument/2006/relationships" type="roundRect" r:blip="">
+          <dgm:adjLst>
+            <dgm:adj idx="1" val="0.1"/>
+          </dgm:adjLst>
+        </dgm:shape>
+        <dgm:presOf axis="desOrSelf" ptType="node"/>
+        <dgm:constrLst>
+          <dgm:constr type="h" refType="w" fact="0.6"/>
+          <dgm:constr type="tMarg" refType="primFontSz" fact="0.3"/>
+          <dgm:constr type="bMarg" refType="primFontSz" fact="0.3"/>
+          <dgm:constr type="lMarg" refType="primFontSz" fact="0.3"/>
+          <dgm:constr type="rMarg" refType="primFontSz" fact="0.3"/>
+        </dgm:constrLst>
+        <dgm:ruleLst>
+          <dgm:rule type="primFontSz" val="18" fact="NaN" max="NaN"/>
+          <dgm:rule type="h" val="NaN" fact="1.5" max="NaN"/>
+          <dgm:rule type="primFontSz" val="5" fact="NaN" max="NaN"/>
+          <dgm:rule type="h" val="INF" fact="NaN" max="NaN"/>
+        </dgm:ruleLst>
+      </dgm:layoutNode>
+      <dgm:forEach name="sibTransForEach" axis="followSib" ptType="sibTrans" cnt="1">
+        <dgm:layoutNode name="sibTrans">
+          <dgm:alg type="conn">
+            <dgm:param type="begPts" val="auto"/>
+            <dgm:param type="endPts" val="auto"/>
+          </dgm:alg>
+          <dgm:shape xmlns:r="http://schemas.openxmlformats.org/officeDocument/2006/relationships" type="conn" r:blip="">
+            <dgm:adjLst/>
+          </dgm:shape>
+          <dgm:presOf axis="self"/>
+          <dgm:constrLst>
+            <dgm:constr type="h" refType="w" fact="0.62"/>
+            <dgm:constr type="connDist"/>
+            <dgm:constr type="begPad" refType="connDist" fact="0.25"/>
+            <dgm:constr type="endPad" refType="connDist" fact="0.22"/>
+          </dgm:constrLst>
+          <dgm:ruleLst/>
+          <dgm:layoutNode name="connectorText">
+            <dgm:alg type="tx">
+              <dgm:param type="autoTxRot" val="grav"/>
+            </dgm:alg>
+            <dgm:shape xmlns:r="http://schemas.openxmlformats.org/officeDocument/2006/relationships" type="conn" r:blip="" hideGeom="1">
+              <dgm:adjLst/>
+            </dgm:shape>
+            <dgm:presOf axis="self"/>
+            <dgm:constrLst>
+              <dgm:constr type="lMarg"/>
+              <dgm:constr type="rMarg"/>
+              <dgm:constr type="tMarg"/>
+              <dgm:constr type="bMarg"/>
+            </dgm:constrLst>
+            <dgm:ruleLst>
+              <dgm:rule type="primFontSz" val="5" fact="NaN" max="NaN"/>
+            </dgm:ruleLst>
+          </dgm:layoutNode>
+        </dgm:layoutNode>
+      </dgm:forEach>
+    </dgm:forEach>
+  </dgm:layoutNode>
+</dgm:layoutDef>
+</file>
+
+<file path=ppt/diagrams/quickStyle1.xml><?xml version="1.0" encoding="utf-8"?>
+<dgm:styleDef xmlns:dgm="http://schemas.openxmlformats.org/drawingml/2006/diagram" xmlns:a="http://schemas.openxmlformats.org/drawingml/2006/main" uniqueId="urn:microsoft.com/office/officeart/2005/8/quickstyle/simple4">
+  <dgm:title val=""/>
+  <dgm:desc val=""/>
+  <dgm:catLst>
+    <dgm:cat type="simple" pri="10400"/>
+  </dgm:catLst>
+  <dgm:scene3d>
+    <a:camera prst="orthographicFront"/>
+    <a:lightRig rig="threePt" dir="t"/>
+  </dgm:scene3d>
+  <dgm:styleLbl name="node0">
+    <dgm:scene3d>
+      <a:camera prst="orthographicFront"/>
+      <a:lightRig rig="threePt" dir="t"/>
+    </dgm:scene3d>
+    <dgm:sp3d/>
+    <dgm:txPr/>
+    <dgm:style>
+      <a:lnRef idx="0">
+        <a:scrgbClr r="0" g="0" b="0"/>
+      </a:lnRef>
+      <a:fillRef idx="3">
+        <a:scrgbClr r="0" g="0" b="0"/>
+      </a:fillRef>
+      <a:effectRef idx="2">
+        <a:scrgbClr r="0" g="0" b="0"/>
+      </a:effectRef>
+      <a:fontRef idx="minor">
+        <a:schemeClr val="lt1"/>
+      </a:fontRef>
+    </dgm:style>
+  </dgm:styleLbl>
+  <dgm:styleLbl name="lnNode1">
+    <dgm:scene3d>
+      <a:camera prst="orthographicFront"/>
+      <a:lightRig rig="threePt" dir="t"/>
+    </dgm:scene3d>
+    <dgm:sp3d/>
+    <dgm:txPr/>
+    <dgm:style>
+      <a:lnRef idx="1">
+        <a:scrgbClr r="0" g="0" b="0"/>
+      </a:lnRef>
+      <a:fillRef idx="3">
+        <a:scrgbClr r="0" g="0" b="0"/>
+      </a:fillRef>
+      <a:effectRef idx="2">
+        <a:scrgbClr r="0" g="0" b="0"/>
+      </a:effectRef>
+      <a:fontRef idx="minor">
+        <a:schemeClr val="lt1"/>
+      </a:fontRef>
+    </dgm:style>
+  </dgm:styleLbl>
+  <dgm:styleLbl name="vennNode1">
+    <dgm:scene3d>
+      <a:camera prst="orthographicFront"/>
+      <a:lightRig rig="threePt" dir="t"/>
+    </dgm:scene3d>
+    <dgm:sp3d/>
+    <dgm:txPr/>
+    <dgm:style>
+      <a:lnRef idx="0">
+        <a:scrgbClr r="0" g="0" b="0"/>
+      </a:lnRef>
+      <a:fillRef idx="3">
+        <a:scrgbClr r="0" g="0" b="0"/>
+      </a:fillRef>
+      <a:effectRef idx="0">
+        <a:scrgbClr r="0" g="0" b="0"/>
+      </a:effectRef>
+      <a:fontRef idx="minor">
+        <a:schemeClr val="tx1"/>
+      </a:fontRef>
+    </dgm:style>
+  </dgm:styleLbl>
+  <dgm:styleLbl name="alignNode1">
+    <dgm:scene3d>
+      <a:camera prst="orthographicFront"/>
+      <a:lightRig rig="threePt" dir="t"/>
+    </dgm:scene3d>
+    <dgm:sp3d/>
+    <dgm:txPr/>
+    <dgm:style>
+      <a:lnRef idx="1">
+        <a:scrgbClr r="0" g="0" b="0"/>
+      </a:lnRef>
+      <a:fillRef idx="3">
+        <a:scrgbClr r="0" g="0" b="0"/>
+      </a:fillRef>
+      <a:effectRef idx="2">
+        <a:scrgbClr r="0" g="0" b="0"/>
+      </a:effectRef>
+      <a:fontRef idx="minor">
+        <a:schemeClr val="lt1"/>
+      </a:fontRef>
+    </dgm:style>
+  </dgm:styleLbl>
+  <dgm:styleLbl name="node1">
+    <dgm:scene3d>
+      <a:camera prst="orthographicFront"/>
+      <a:lightRig rig="threePt" dir="t"/>
+    </dgm:scene3d>
+    <dgm:sp3d/>
+    <dgm:txPr/>
+    <dgm:style>
+      <a:lnRef idx="0">
+        <a:scrgbClr r="0" g="0" b="0"/>
+      </a:lnRef>
+      <a:fillRef idx="3">
+        <a:scrgbClr r="0" g="0" b="0"/>
+      </a:fillRef>
+      <a:effectRef idx="2">
+        <a:scrgbClr r="0" g="0" b="0"/>
+      </a:effectRef>
+      <a:fontRef idx="minor">
+        <a:schemeClr val="lt1"/>
+      </a:fontRef>
+    </dgm:style>
+  </dgm:styleLbl>
+  <dgm:styleLbl name="node2">
+    <dgm:scene3d>
+      <a:camera prst="orthographicFront"/>
+      <a:lightRig rig="threePt" dir="t"/>
+    </dgm:scene3d>
+    <dgm:sp3d/>
+    <dgm:txPr/>
+    <dgm:style>
+      <a:lnRef idx="0">
+        <a:scrgbClr r="0" g="0" b="0"/>
+      </a:lnRef>
+      <a:fillRef idx="3">
+        <a:scrgbClr r="0" g="0" b="0"/>
+      </a:fillRef>
+      <a:effectRef idx="2">
+        <a:scrgbClr r="0" g="0" b="0"/>
+      </a:effectRef>
+      <a:fontRef idx="minor">
+        <a:schemeClr val="lt1"/>
+      </a:fontRef>
+    </dgm:style>
+  </dgm:styleLbl>
+  <dgm:styleLbl name="node3">
+    <dgm:scene3d>
+      <a:camera prst="orthographicFront"/>
+      <a:lightRig rig="threePt" dir="t"/>
+    </dgm:scene3d>
+    <dgm:sp3d/>
+    <dgm:txPr/>
+    <dgm:style>
+      <a:lnRef idx="0">
+        <a:scrgbClr r="0" g="0" b="0"/>
+      </a:lnRef>
+      <a:fillRef idx="3">
+        <a:scrgbClr r="0" g="0" b="0"/>
+      </a:fillRef>
+      <a:effectRef idx="2">
+        <a:scrgbClr r="0" g="0" b="0"/>
+      </a:effectRef>
+      <a:fontRef idx="minor">
+        <a:schemeClr val="lt1"/>
+      </a:fontRef>
+    </dgm:style>
+  </dgm:styleLbl>
+  <dgm:styleLbl name="node4">
+    <dgm:scene3d>
+      <a:camera prst="orthographicFront"/>
+      <a:lightRig rig="threePt" dir="t"/>
+    </dgm:scene3d>
+    <dgm:sp3d/>
+    <dgm:txPr/>
+    <dgm:style>
+      <a:lnRef idx="0">
+        <a:scrgbClr r="0" g="0" b="0"/>
+      </a:lnRef>
+      <a:fillRef idx="3">
+        <a:scrgbClr r="0" g="0" b="0"/>
+      </a:fillRef>
+      <a:effectRef idx="2">
+        <a:scrgbClr r="0" g="0" b="0"/>
+      </a:effectRef>
+      <a:fontRef idx="minor">
+        <a:schemeClr val="lt1"/>
+      </a:fontRef>
+    </dgm:style>
+  </dgm:styleLbl>
+  <dgm:styleLbl name="fgImgPlace1">
+    <dgm:scene3d>
+      <a:camera prst="orthographicFront"/>
+      <a:lightRig rig="threePt" dir="t"/>
+    </dgm:scene3d>
+    <dgm:sp3d/>
+    <dgm:txPr/>
+    <dgm:style>
+      <a:lnRef idx="0">
+        <a:scrgbClr r="0" g="0" b="0"/>
+      </a:lnRef>
+      <a:fillRef idx="1">
+        <a:scrgbClr r="0" g="0" b="0"/>
+      </a:fillRef>
+      <a:effectRef idx="2">
+        <a:scrgbClr r="0" g="0" b="0"/>
+      </a:effectRef>
+      <a:fontRef idx="minor"/>
+    </dgm:style>
+  </dgm:styleLbl>
+  <dgm:styleLbl name="alignImgPlace1">
+    <dgm:scene3d>
+      <a:camera prst="orthographicFront"/>
+      <a:lightRig rig="threePt" dir="t"/>
+    </dgm:scene3d>
+    <dgm:sp3d/>
+    <dgm:txPr/>
+    <dgm:style>
+      <a:lnRef idx="0">
+        <a:scrgbClr r="0" g="0" b="0"/>
+      </a:lnRef>
+      <a:fillRef idx="1">
+        <a:scrgbClr r="0" g="0" b="0"/>
+      </a:fillRef>
+      <a:effectRef idx="2">
+        <a:scrgbClr r="0" g="0" b="0"/>
+      </a:effectRef>
+      <a:fontRef idx="minor"/>
+    </dgm:style>
+  </dgm:styleLbl>
+  <dgm:styleLbl name="bgImgPlace1">
+    <dgm:scene3d>
+      <a:camera prst="orthographicFront"/>
+      <a:lightRig rig="threePt" dir="t"/>
+    </dgm:scene3d>
+    <dgm:sp3d/>
+    <dgm:txPr/>
+    <dgm:style>
+      <a:lnRef idx="0">
+        <a:scrgbClr r="0" g="0" b="0"/>
+      </a:lnRef>
+      <a:fillRef idx="1">
+        <a:scrgbClr r="0" g="0" b="0"/>
+      </a:fillRef>
+      <a:effectRef idx="2">
+        <a:scrgbClr r="0" g="0" b="0"/>
+      </a:effectRef>
+      <a:fontRef idx="minor"/>
+    </dgm:style>
+  </dgm:styleLbl>
+  <dgm:styleLbl name="sibTrans2D1">
+    <dgm:scene3d>
+      <a:camera prst="orthographicFront"/>
+      <a:lightRig rig="threePt" dir="t"/>
+    </dgm:scene3d>
+    <dgm:sp3d/>
+    <dgm:txPr/>
+    <dgm:style>
+      <a:lnRef idx="0">
+        <a:scrgbClr r="0" g="0" b="0"/>
+      </a:lnRef>
+      <a:fillRef idx="3">
+        <a:scrgbClr r="0" g="0" b="0"/>
+      </a:fillRef>
+      <a:effectRef idx="2">
+        <a:scrgbClr r="0" g="0" b="0"/>
+      </a:effectRef>
+      <a:fontRef idx="minor">
+        <a:schemeClr val="lt1"/>
+      </a:fontRef>
+    </dgm:style>
+  </dgm:styleLbl>
+  <dgm:styleLbl name="fgSibTrans2D1">
+    <dgm:scene3d>
+      <a:camera prst="orthographicFront"/>
+      <a:lightRig rig="threePt" dir="t"/>
+    </dgm:scene3d>
+    <dgm:sp3d/>
+    <dgm:txPr/>
+    <dgm:style>
+      <a:lnRef idx="0">
+        <a:scrgbClr r="0" g="0" b="0"/>
+      </a:lnRef>
+      <a:fillRef idx="3">
+        <a:scrgbClr r="0" g="0" b="0"/>
+      </a:fillRef>
+      <a:effectRef idx="2">
+        <a:scrgbClr r="0" g="0" b="0"/>
+      </a:effectRef>
+      <a:fontRef idx="minor">
+        <a:schemeClr val="lt1"/>
+      </a:fontRef>
+    </dgm:style>
+  </dgm:styleLbl>
+  <dgm:styleLbl name="bgSibTrans2D1">
+    <dgm:scene3d>
+      <a:camera prst="orthographicFront"/>
+      <a:lightRig rig="threePt" dir="t"/>
+    </dgm:scene3d>
+    <dgm:sp3d/>
+    <dgm:txPr/>
+    <dgm:style>
+      <a:lnRef idx="0">
+        <a:scrgbClr r="0" g="0" b="0"/>
+      </a:lnRef>
+      <a:fillRef idx="3">
+        <a:scrgbClr r="0" g="0" b="0"/>
+      </a:fillRef>
+      <a:effectRef idx="2">
+        <a:scrgbClr r="0" g="0" b="0"/>
+      </a:effectRef>
+      <a:fontRef idx="minor">
+        <a:schemeClr val="lt1"/>
+      </a:fontRef>
+    </dgm:style>
+  </dgm:styleLbl>
+  <dgm:styleLbl name="sibTrans1D1">
+    <dgm:scene3d>
+      <a:camera prst="orthographicFront"/>
+      <a:lightRig rig="threePt" dir="t"/>
+    </dgm:scene3d>
+    <dgm:sp3d/>
+    <dgm:txPr/>
+    <dgm:style>
+      <a:lnRef idx="1">
+        <a:scrgbClr r="0" g="0" b="0"/>
+      </a:lnRef>
+      <a:fillRef idx="0">
+        <a:scrgbClr r="0" g="0" b="0"/>
+      </a:fillRef>
+      <a:effectRef idx="0">
+        <a:scrgbClr r="0" g="0" b="0"/>
+      </a:effectRef>
+      <a:fontRef idx="minor"/>
+    </dgm:style>
+  </dgm:styleLbl>
+  <dgm:styleLbl name="callout">
+    <dgm:scene3d>
+      <a:camera prst="orthographicFront"/>
+      <a:lightRig rig="threePt" dir="t"/>
+    </dgm:scene3d>
+    <dgm:sp3d/>
+    <dgm:txPr/>
+    <dgm:style>
+      <a:lnRef idx="2">
+        <a:scrgbClr r="0" g="0" b="0"/>
+      </a:lnRef>
+      <a:fillRef idx="1">
+        <a:scrgbClr r="0" g="0" b="0"/>
+      </a:fillRef>
+      <a:effectRef idx="1">
+        <a:scrgbClr r="0" g="0" b="0"/>
+      </a:effectRef>
+      <a:fontRef idx="minor"/>
+    </dgm:style>
+  </dgm:styleLbl>
+  <dgm:styleLbl name="asst0">
+    <dgm:scene3d>
+      <a:camera prst="orthographicFront"/>
+      <a:lightRig rig="threePt" dir="t"/>
+    </dgm:scene3d>
+    <dgm:sp3d/>
+    <dgm:txPr/>
+    <dgm:style>
+      <a:lnRef idx="0">
+        <a:scrgbClr r="0" g="0" b="0"/>
+      </a:lnRef>
+      <a:fillRef idx="3">
+        <a:scrgbClr r="0" g="0" b="0"/>
+      </a:fillRef>
+      <a:effectRef idx="2">
+        <a:scrgbClr r="0" g="0" b="0"/>
+      </a:effectRef>
+      <a:fontRef idx="minor">
+        <a:schemeClr val="lt1"/>
+      </a:fontRef>
+    </dgm:style>
+  </dgm:styleLbl>
+  <dgm:styleLbl name="asst1">
+    <dgm:scene3d>
+      <a:camera prst="orthographicFront"/>
+      <a:lightRig rig="threePt" dir="t"/>
+    </dgm:scene3d>
+    <dgm:sp3d/>
+    <dgm:txPr/>
+    <dgm:style>
+      <a:lnRef idx="0">
+        <a:scrgbClr r="0" g="0" b="0"/>
+      </a:lnRef>
+      <a:fillRef idx="3">
+        <a:scrgbClr r="0" g="0" b="0"/>
+      </a:fillRef>
+      <a:effectRef idx="2">
+        <a:scrgbClr r="0" g="0" b="0"/>
+      </a:effectRef>
+      <a:fontRef idx="minor">
+        <a:schemeClr val="lt1"/>
+      </a:fontRef>
+    </dgm:style>
+  </dgm:styleLbl>
+  <dgm:styleLbl name="asst2">
+    <dgm:scene3d>
+      <a:camera prst="orthographicFront"/>
+      <a:lightRig rig="threePt" dir="t"/>
+    </dgm:scene3d>
+    <dgm:sp3d/>
+    <dgm:txPr/>
+    <dgm:style>
+      <a:lnRef idx="0">
+        <a:scrgbClr r="0" g="0" b="0"/>
+      </a:lnRef>
+      <a:fillRef idx="3">
+        <a:scrgbClr r="0" g="0" b="0"/>
+      </a:fillRef>
+      <a:effectRef idx="2">
+        <a:scrgbClr r="0" g="0" b="0"/>
+      </a:effectRef>
+      <a:fontRef idx="minor">
+        <a:schemeClr val="lt1"/>
+      </a:fontRef>
+    </dgm:style>
+  </dgm:styleLbl>
+  <dgm:styleLbl name="asst3">
+    <dgm:scene3d>
+      <a:camera prst="orthographicFront"/>
+      <a:lightRig rig="threePt" dir="t"/>
+    </dgm:scene3d>
+    <dgm:sp3d/>
+    <dgm:txPr/>
+    <dgm:style>
+      <a:lnRef idx="0">
+        <a:scrgbClr r="0" g="0" b="0"/>
+      </a:lnRef>
+      <a:fillRef idx="3">
+        <a:scrgbClr r="0" g="0" b="0"/>
+      </a:fillRef>
+      <a:effectRef idx="2">
+        <a:scrgbClr r="0" g="0" b="0"/>
+      </a:effectRef>
+      <a:fontRef idx="minor">
+        <a:schemeClr val="lt1"/>
+      </a:fontRef>
+    </dgm:style>
+  </dgm:styleLbl>
+  <dgm:styleLbl name="asst4">
+    <dgm:scene3d>
+      <a:camera prst="orthographicFront"/>
+      <a:lightRig rig="threePt" dir="t"/>
+    </dgm:scene3d>
+    <dgm:sp3d/>
+    <dgm:txPr/>
+    <dgm:style>
+      <a:lnRef idx="0">
+        <a:scrgbClr r="0" g="0" b="0"/>
+      </a:lnRef>
+      <a:fillRef idx="3">
+        <a:scrgbClr r="0" g="0" b="0"/>
+      </a:fillRef>
+      <a:effectRef idx="2">
+        <a:scrgbClr r="0" g="0" b="0"/>
+      </a:effectRef>
+      <a:fontRef idx="minor">
+        <a:schemeClr val="lt1"/>
+      </a:fontRef>
+    </dgm:style>
+  </dgm:styleLbl>
+  <dgm:styleLbl name="parChTrans2D1">
+    <dgm:scene3d>
+      <a:camera prst="orthographicFront"/>
+      <a:lightRig rig="threePt" dir="t"/>
+    </dgm:scene3d>
+    <dgm:sp3d/>
+    <dgm:txPr/>
+    <dgm:style>
+      <a:lnRef idx="0">
+        <a:scrgbClr r="0" g="0" b="0"/>
+      </a:lnRef>
+      <a:fillRef idx="3">
+        <a:scrgbClr r="0" g="0" b="0"/>
+      </a:fillRef>
+      <a:effectRef idx="2">
+        <a:scrgbClr r="0" g="0" b="0"/>
+      </a:effectRef>
+      <a:fontRef idx="minor">
+        <a:schemeClr val="lt1"/>
+      </a:fontRef>
+    </dgm:style>
+  </dgm:styleLbl>
+  <dgm:styleLbl name="parChTrans2D2">
+    <dgm:scene3d>
+      <a:camera prst="orthographicFront"/>
+      <a:lightRig rig="threePt" dir="t"/>
+    </dgm:scene3d>
+    <dgm:sp3d/>
+    <dgm:txPr/>
+    <dgm:style>
+      <a:lnRef idx="0">
+        <a:scrgbClr r="0" g="0" b="0"/>
+      </a:lnRef>
+      <a:fillRef idx="3">
+        <a:scrgbClr r="0" g="0" b="0"/>
+      </a:fillRef>
+      <a:effectRef idx="2">
+        <a:scrgbClr r="0" g="0" b="0"/>
+      </a:effectRef>
+      <a:fontRef idx="minor">
+        <a:schemeClr val="lt1"/>
+      </a:fontRef>
+    </dgm:style>
+  </dgm:styleLbl>
+  <dgm:styleLbl name="parChTrans2D3">
+    <dgm:scene3d>
+      <a:camera prst="orthographicFront"/>
+      <a:lightRig rig="threePt" dir="t"/>
+    </dgm:scene3d>
+    <dgm:sp3d/>
+    <dgm:txPr/>
+    <dgm:style>
+      <a:lnRef idx="1">
+        <a:scrgbClr r="0" g="0" b="0"/>
+      </a:lnRef>
+      <a:fillRef idx="3">
+        <a:scrgbClr r="0" g="0" b="0"/>
+      </a:fillRef>
+      <a:effectRef idx="2">
+        <a:scrgbClr r="0" g="0" b="0"/>
+      </a:effectRef>
+      <a:fontRef idx="minor">
+        <a:schemeClr val="lt1"/>
+      </a:fontRef>
+    </dgm:style>
+  </dgm:styleLbl>
+  <dgm:styleLbl name="parChTrans2D4">
+    <dgm:scene3d>
+      <a:camera prst="orthographicFront"/>
+      <a:lightRig rig="threePt" dir="t"/>
+    </dgm:scene3d>
+    <dgm:sp3d/>
+    <dgm:txPr/>
+    <dgm:style>
+      <a:lnRef idx="1">
+        <a:scrgbClr r="0" g="0" b="0"/>
+      </a:lnRef>
+      <a:fillRef idx="3">
+        <a:scrgbClr r="0" g="0" b="0"/>
+      </a:fillRef>
+      <a:effectRef idx="2">
+        <a:scrgbClr r="0" g="0" b="0"/>
+      </a:effectRef>
+      <a:fontRef idx="minor">
+        <a:schemeClr val="lt1"/>
+      </a:fontRef>
+    </dgm:style>
+  </dgm:styleLbl>
+  <dgm:styleLbl name="parChTrans1D1">
+    <dgm:scene3d>
+      <a:camera prst="orthographicFront"/>
+      <a:lightRig rig="threePt" dir="t"/>
+    </dgm:scene3d>
+    <dgm:sp3d/>
+    <dgm:txPr/>
+    <dgm:style>
+      <a:lnRef idx="1">
+        <a:scrgbClr r="0" g="0" b="0"/>
+      </a:lnRef>
+      <a:fillRef idx="0">
+        <a:scrgbClr r="0" g="0" b="0"/>
+      </a:fillRef>
+      <a:effectRef idx="0">
+        <a:scrgbClr r="0" g="0" b="0"/>
+      </a:effectRef>
+      <a:fontRef idx="minor"/>
+    </dgm:style>
+  </dgm:styleLbl>
+  <dgm:styleLbl name="parChTrans1D2">
+    <dgm:scene3d>
+      <a:camera prst="orthographicFront"/>
+      <a:lightRig rig="threePt" dir="t"/>
+    </dgm:scene3d>
+    <dgm:sp3d/>
+    <dgm:txPr/>
+    <dgm:style>
+      <a:lnRef idx="1">
+        <a:scrgbClr r="0" g="0" b="0"/>
+      </a:lnRef>
+      <a:fillRef idx="0">
+        <a:scrgbClr r="0" g="0" b="0"/>
+      </a:fillRef>
+      <a:effectRef idx="0">
+        <a:scrgbClr r="0" g="0" b="0"/>
+      </a:effectRef>
+      <a:fontRef idx="minor"/>
+    </dgm:style>
+  </dgm:styleLbl>
+  <dgm:styleLbl name="parChTrans1D3">
+    <dgm:scene3d>
+      <a:camera prst="orthographicFront"/>
+      <a:lightRig rig="threePt" dir="t"/>
+    </dgm:scene3d>
+    <dgm:sp3d/>
+    <dgm:txPr/>
+    <dgm:style>
+      <a:lnRef idx="1">
+        <a:scrgbClr r="0" g="0" b="0"/>
+      </a:lnRef>
+      <a:fillRef idx="0">
+        <a:scrgbClr r="0" g="0" b="0"/>
+      </a:fillRef>
+      <a:effectRef idx="0">
+        <a:scrgbClr r="0" g="0" b="0"/>
+      </a:effectRef>
+      <a:fontRef idx="minor"/>
+    </dgm:style>
+  </dgm:styleLbl>
+  <dgm:styleLbl name="parChTrans1D4">
+    <dgm:scene3d>
+      <a:camera prst="orthographicFront"/>
+      <a:lightRig rig="threePt" dir="t"/>
+    </dgm:scene3d>
+    <dgm:sp3d/>
+    <dgm:txPr/>
+    <dgm:style>
+      <a:lnRef idx="1">
+        <a:scrgbClr r="0" g="0" b="0"/>
+      </a:lnRef>
+      <a:fillRef idx="0">
+        <a:scrgbClr r="0" g="0" b="0"/>
+      </a:fillRef>
+      <a:effectRef idx="0">
+        <a:scrgbClr r="0" g="0" b="0"/>
+      </a:effectRef>
+      <a:fontRef idx="minor"/>
+    </dgm:style>
+  </dgm:styleLbl>
+  <dgm:styleLbl name="fgAcc1">
+    <dgm:scene3d>
+      <a:camera prst="orthographicFront"/>
+      <a:lightRig rig="threePt" dir="t"/>
+    </dgm:scene3d>
+    <dgm:sp3d/>
+    <dgm:txPr/>
+    <dgm:style>
+      <a:lnRef idx="1">
+        <a:scrgbClr r="0" g="0" b="0"/>
+      </a:lnRef>
+      <a:fillRef idx="1">
+        <a:scrgbClr r="0" g="0" b="0"/>
+      </a:fillRef>
+      <a:effectRef idx="0">
+        <a:scrgbClr r="0" g="0" b="0"/>
+      </a:effectRef>
+      <a:fontRef idx="minor"/>
+    </dgm:style>
+  </dgm:styleLbl>
+  <dgm:styleLbl name="conFgAcc1">
+    <dgm:scene3d>
+      <a:camera prst="orthographicFront"/>
+      <a:lightRig rig="threePt" dir="t"/>
+    </dgm:scene3d>
+    <dgm:sp3d/>
+    <dgm:txPr/>
+    <dgm:style>
+      <a:lnRef idx="1">
+        <a:scrgbClr r="0" g="0" b="0"/>
+      </a:lnRef>
+      <a:fillRef idx="1">
+        <a:scrgbClr r="0" g="0" b="0"/>
+      </a:fillRef>
+      <a:effectRef idx="0">
+        <a:scrgbClr r="0" g="0" b="0"/>
+      </a:effectRef>
+      <a:fontRef idx="minor"/>
+    </dgm:style>
+  </dgm:styleLbl>
+  <dgm:styleLbl name="alignAcc1">
+    <dgm:scene3d>
+      <a:camera prst="orthographicFront"/>
+      <a:lightRig rig="threePt" dir="t"/>
+    </dgm:scene3d>
+    <dgm:sp3d/>
+    <dgm:txPr/>
+    <dgm:style>
+      <a:lnRef idx="1">
+        <a:scrgbClr r="0" g="0" b="0"/>
+      </a:lnRef>
+      <a:fillRef idx="1">
+        <a:scrgbClr r="0" g="0" b="0"/>
+      </a:fillRef>
+      <a:effectRef idx="0">
+        <a:scrgbClr r="0" g="0" b="0"/>
+      </a:effectRef>
+      <a:fontRef idx="minor"/>
+    </dgm:style>
+  </dgm:styleLbl>
+  <dgm:styleLbl name="trAlignAcc1">
+    <dgm:scene3d>
+      <a:camera prst="orthographicFront"/>
+      <a:lightRig rig="threePt" dir="t"/>
+    </dgm:scene3d>
+    <dgm:sp3d/>
+    <dgm:txPr/>
+    <dgm:style>
+      <a:lnRef idx="1">
+        <a:scrgbClr r="0" g="0" b="0"/>
+      </a:lnRef>
+      <a:fillRef idx="1">
+        <a:scrgbClr r="0" g="0" b="0"/>
+      </a:fillRef>
+      <a:effectRef idx="0">
+        <a:scrgbClr r="0" g="0" b="0"/>
+      </a:effectRef>
+      <a:fontRef idx="minor"/>
+    </dgm:style>
+  </dgm:styleLbl>
+  <dgm:styleLbl name="bgAcc1">
+    <dgm:scene3d>
+      <a:camera prst="orthographicFront"/>
+      <a:lightRig rig="threePt" dir="t"/>
+    </dgm:scene3d>
+    <dgm:sp3d/>
+    <dgm:txPr/>
+    <dgm:style>
+      <a:lnRef idx="1">
+        <a:scrgbClr r="0" g="0" b="0"/>
+      </a:lnRef>
+      <a:fillRef idx="1">
+        <a:scrgbClr r="0" g="0" b="0"/>
+      </a:fillRef>
+      <a:effectRef idx="0">
+        <a:scrgbClr r="0" g="0" b="0"/>
+      </a:effectRef>
+      <a:fontRef idx="minor"/>
+    </dgm:style>
+  </dgm:styleLbl>
+  <dgm:styleLbl name="solidFgAcc1">
+    <dgm:scene3d>
+      <a:camera prst="orthographicFront"/>
+      <a:lightRig rig="threePt" dir="t"/>
+    </dgm:scene3d>
+    <dgm:sp3d/>
+    <dgm:txPr/>
+    <dgm:style>
+      <a:lnRef idx="1">
+        <a:scrgbClr r="0" g="0" b="0"/>
+      </a:lnRef>
+      <a:fillRef idx="1">
+        <a:scrgbClr r="0" g="0" b="0"/>
+      </a:fillRef>
+      <a:effectRef idx="0">
+        <a:scrgbClr r="0" g="0" b="0"/>
+      </a:effectRef>
+      <a:fontRef idx="minor"/>
+    </dgm:style>
+  </dgm:styleLbl>
+  <dgm:styleLbl name="solidAlignAcc1">
+    <dgm:scene3d>
+      <a:camera prst="orthographicFront"/>
+      <a:lightRig rig="threePt" dir="t"/>
+    </dgm:scene3d>
+    <dgm:sp3d/>
+    <dgm:txPr/>
+    <dgm:style>
+      <a:lnRef idx="1">
+        <a:scrgbClr r="0" g="0" b="0"/>
+      </a:lnRef>
+      <a:fillRef idx="1">
+        <a:scrgbClr r="0" g="0" b="0"/>
+      </a:fillRef>
+      <a:effectRef idx="0">
+        <a:scrgbClr r="0" g="0" b="0"/>
+      </a:effectRef>
+      <a:fontRef idx="minor"/>
+    </dgm:style>
+  </dgm:styleLbl>
+  <dgm:styleLbl name="solidBgAcc1">
+    <dgm:scene3d>
+      <a:camera prst="orthographicFront"/>
+      <a:lightRig rig="threePt" dir="t"/>
+    </dgm:scene3d>
+    <dgm:sp3d/>
+    <dgm:txPr/>
+    <dgm:style>
+      <a:lnRef idx="1">
+        <a:scrgbClr r="0" g="0" b="0"/>
+      </a:lnRef>
+      <a:fillRef idx="1">
+        <a:scrgbClr r="0" g="0" b="0"/>
+      </a:fillRef>
+      <a:effectRef idx="0">
+        <a:scrgbClr r="0" g="0" b="0"/>
+      </a:effectRef>
+      <a:fontRef idx="minor"/>
+    </dgm:style>
+  </dgm:styleLbl>
+  <dgm:styleLbl name="fgAccFollowNode1">
+    <dgm:scene3d>
+      <a:camera prst="orthographicFront"/>
+      <a:lightRig rig="threePt" dir="t"/>
+    </dgm:scene3d>
+    <dgm:sp3d/>
+    <dgm:txPr/>
+    <dgm:style>
+      <a:lnRef idx="1">
+        <a:scrgbClr r="0" g="0" b="0"/>
+      </a:lnRef>
+      <a:fillRef idx="1">
+        <a:scrgbClr r="0" g="0" b="0"/>
+      </a:fillRef>
+      <a:effectRef idx="0">
+        <a:scrgbClr r="0" g="0" b="0"/>
+      </a:effectRef>
+      <a:fontRef idx="minor"/>
+    </dgm:style>
+  </dgm:styleLbl>
+  <dgm:styleLbl name="alignAccFollowNode1">
+    <dgm:scene3d>
+      <a:camera prst="orthographicFront"/>
+      <a:lightRig rig="threePt" dir="t"/>
+    </dgm:scene3d>
+    <dgm:sp3d/>
+    <dgm:txPr/>
+    <dgm:style>
+      <a:lnRef idx="1">
+        <a:scrgbClr r="0" g="0" b="0"/>
+      </a:lnRef>
+      <a:fillRef idx="1">
+        <a:scrgbClr r="0" g="0" b="0"/>
+      </a:fillRef>
+      <a:effectRef idx="0">
+        <a:scrgbClr r="0" g="0" b="0"/>
+      </a:effectRef>
+      <a:fontRef idx="minor"/>
+    </dgm:style>
+  </dgm:styleLbl>
+  <dgm:styleLbl name="bgAccFollowNode1">
+    <dgm:scene3d>
+      <a:camera prst="orthographicFront"/>
+      <a:lightRig rig="threePt" dir="t"/>
+    </dgm:scene3d>
+    <dgm:sp3d/>
+    <dgm:txPr/>
+    <dgm:style>
+      <a:lnRef idx="1">
+        <a:scrgbClr r="0" g="0" b="0"/>
+      </a:lnRef>
+      <a:fillRef idx="1">
+        <a:scrgbClr r="0" g="0" b="0"/>
+      </a:fillRef>
+      <a:effectRef idx="0">
+        <a:scrgbClr r="0" g="0" b="0"/>
+      </a:effectRef>
+      <a:fontRef idx="minor"/>
+    </dgm:style>
+  </dgm:styleLbl>
+  <dgm:styleLbl name="fgAcc0">
+    <dgm:scene3d>
+      <a:camera prst="orthographicFront"/>
+      <a:lightRig rig="threePt" dir="t"/>
+    </dgm:scene3d>
+    <dgm:sp3d/>
+    <dgm:txPr/>
+    <dgm:style>
+      <a:lnRef idx="1">
+        <a:scrgbClr r="0" g="0" b="0"/>
+      </a:lnRef>
+      <a:fillRef idx="1">
+        <a:scrgbClr r="0" g="0" b="0"/>
+      </a:fillRef>
+      <a:effectRef idx="0">
+        <a:scrgbClr r="0" g="0" b="0"/>
+      </a:effectRef>
+      <a:fontRef idx="minor"/>
+    </dgm:style>
+  </dgm:styleLbl>
+  <dgm:styleLbl name="fgAcc2">
+    <dgm:scene3d>
+      <a:camera prst="orthographicFront"/>
+      <a:lightRig rig="threePt" dir="t"/>
+    </dgm:scene3d>
+    <dgm:sp3d/>
+    <dgm:txPr/>
+    <dgm:style>
+      <a:lnRef idx="1">
+        <a:scrgbClr r="0" g="0" b="0"/>
+      </a:lnRef>
+      <a:fillRef idx="1">
+        <a:scrgbClr r="0" g="0" b="0"/>
+      </a:fillRef>
+      <a:effectRef idx="0">
+        <a:scrgbClr r="0" g="0" b="0"/>
+      </a:effectRef>
+      <a:fontRef idx="minor"/>
+    </dgm:style>
+  </dgm:styleLbl>
+  <dgm:styleLbl name="fgAcc3">
+    <dgm:scene3d>
+      <a:camera prst="orthographicFront"/>
+      <a:lightRig rig="threePt" dir="t"/>
+    </dgm:scene3d>
+    <dgm:sp3d/>
+    <dgm:txPr/>
+    <dgm:style>
+      <a:lnRef idx="1">
+        <a:scrgbClr r="0" g="0" b="0"/>
+      </a:lnRef>
+      <a:fillRef idx="1">
+        <a:scrgbClr r="0" g="0" b="0"/>
+      </a:fillRef>
+      <a:effectRef idx="0">
+        <a:scrgbClr r="0" g="0" b="0"/>
+      </a:effectRef>
+      <a:fontRef idx="minor"/>
+    </dgm:style>
+  </dgm:styleLbl>
+  <dgm:styleLbl name="fgAcc4">
+    <dgm:scene3d>
+      <a:camera prst="orthographicFront"/>
+      <a:lightRig rig="threePt" dir="t"/>
+    </dgm:scene3d>
+    <dgm:sp3d/>
+    <dgm:txPr/>
+    <dgm:style>
+      <a:lnRef idx="1">
+        <a:scrgbClr r="0" g="0" b="0"/>
+      </a:lnRef>
+      <a:fillRef idx="1">
+        <a:scrgbClr r="0" g="0" b="0"/>
+      </a:fillRef>
+      <a:effectRef idx="0">
+        <a:scrgbClr r="0" g="0" b="0"/>
+      </a:effectRef>
+      <a:fontRef idx="minor"/>
+    </dgm:style>
+  </dgm:styleLbl>
+  <dgm:styleLbl name="bgShp">
+    <dgm:scene3d>
+      <a:camera prst="orthographicFront"/>
+      <a:lightRig rig="threePt" dir="t"/>
+    </dgm:scene3d>
+    <dgm:sp3d/>
+    <dgm:txPr/>
+    <dgm:style>
+      <a:lnRef idx="0">
+        <a:scrgbClr r="0" g="0" b="0"/>
+      </a:lnRef>
+      <a:fillRef idx="1">
+        <a:scrgbClr r="0" g="0" b="0"/>
+      </a:fillRef>
+      <a:effectRef idx="2">
+        <a:scrgbClr r="0" g="0" b="0"/>
+      </a:effectRef>
+      <a:fontRef idx="minor"/>
+    </dgm:style>
+  </dgm:styleLbl>
+  <dgm:styleLbl name="dkBgShp">
+    <dgm:scene3d>
+      <a:camera prst="orthographicFront"/>
+      <a:lightRig rig="threePt" dir="t"/>
+    </dgm:scene3d>
+    <dgm:sp3d/>
+    <dgm:txPr/>
+    <dgm:style>
+      <a:lnRef idx="0">
+        <a:scrgbClr r="0" g="0" b="0"/>
+      </a:lnRef>
+      <a:fillRef idx="1">
+        <a:scrgbClr r="0" g="0" b="0"/>
+      </a:fillRef>
+      <a:effectRef idx="2">
+        <a:scrgbClr r="0" g="0" b="0"/>
+      </a:effectRef>
+      <a:fontRef idx="minor"/>
+    </dgm:style>
+  </dgm:styleLbl>
+  <dgm:styleLbl name="trBgShp">
+    <dgm:scene3d>
+      <a:camera prst="orthographicFront"/>
+      <a:lightRig rig="threePt" dir="t"/>
+    </dgm:scene3d>
+    <dgm:sp3d/>
+    <dgm:txPr/>
+    <dgm:style>
+      <a:lnRef idx="0">
+        <a:scrgbClr r="0" g="0" b="0"/>
+      </a:lnRef>
+      <a:fillRef idx="1">
+        <a:scrgbClr r="0" g="0" b="0"/>
+      </a:fillRef>
+      <a:effectRef idx="0">
+        <a:scrgbClr r="0" g="0" b="0"/>
+      </a:effectRef>
+      <a:fontRef idx="minor"/>
+    </dgm:style>
+  </dgm:styleLbl>
+  <dgm:styleLbl name="fgShp">
+    <dgm:scene3d>
+      <a:camera prst="orthographicFront"/>
+      <a:lightRig rig="threePt" dir="t"/>
+    </dgm:scene3d>
+    <dgm:sp3d/>
+    <dgm:txPr/>
+    <dgm:style>
+      <a:lnRef idx="0">
+        <a:scrgbClr r="0" g="0" b="0"/>
+      </a:lnRef>
+      <a:fillRef idx="3">
+        <a:scrgbClr r="0" g="0" b="0"/>
+      </a:fillRef>
+      <a:effectRef idx="2">
+        <a:scrgbClr r="0" g="0" b="0"/>
+      </a:effectRef>
+      <a:fontRef idx="minor"/>
+    </dgm:style>
+  </dgm:styleLbl>
+  <dgm:styleLbl name="revTx">
+    <dgm:scene3d>
+      <a:camera prst="orthographicFront"/>
+      <a:lightRig rig="threePt" dir="t"/>
+    </dgm:scene3d>
+    <dgm:sp3d/>
+    <dgm:txPr/>
+    <dgm:style>
+      <a:lnRef idx="0">
+        <a:scrgbClr r="0" g="0" b="0"/>
+      </a:lnRef>
+      <a:fillRef idx="0">
+        <a:scrgbClr r="0" g="0" b="0"/>
+      </a:fillRef>
+      <a:effectRef idx="0">
+        <a:scrgbClr r="0" g="0" b="0"/>
+      </a:effectRef>
+      <a:fontRef idx="minor"/>
+    </dgm:style>
+  </dgm:styleLbl>
+</dgm:styleDef>
 </file>
 
 <file path=ppt/notesMasters/notesMaster1.xml><?xml version="1.0" encoding="utf-8"?>
@@ -733,6 +4089,650 @@
             <a:fld id="{14FDEFAB-362E-6346-9103-5175FA327C56}" type="slidenum">
               <a:rPr lang="en-US" smtClean="0"/>
               <a:t>12</a:t>
+            </a:fld>
+            <a:endParaRPr lang="en-US"/>
+          </a:p>
+        </p:txBody>
+      </p:sp>
+    </p:spTree>
+    <p:extLst>
+      <p:ext uri="{BB962C8B-B14F-4D97-AF65-F5344CB8AC3E}">
+        <p14:creationId xmlns:p14="http://schemas.microsoft.com/office/powerpoint/2010/main" val="1271548297"/>
+      </p:ext>
+    </p:extLst>
+  </p:cSld>
+  <p:clrMapOvr>
+    <a:masterClrMapping/>
+  </p:clrMapOvr>
+</p:notes>
+</file>
+
+<file path=ppt/notesSlides/notesSlide12.xml><?xml version="1.0" encoding="utf-8"?>
+<p:notes xmlns:a="http://schemas.openxmlformats.org/drawingml/2006/main" xmlns:r="http://schemas.openxmlformats.org/officeDocument/2006/relationships" xmlns:p="http://schemas.openxmlformats.org/presentationml/2006/main">
+  <p:cSld>
+    <p:spTree>
+      <p:nvGrpSpPr>
+        <p:cNvPr id="1" name=""/>
+        <p:cNvGrpSpPr/>
+        <p:nvPr/>
+      </p:nvGrpSpPr>
+      <p:grpSpPr>
+        <a:xfrm>
+          <a:off x="0" y="0"/>
+          <a:ext cx="0" cy="0"/>
+          <a:chOff x="0" y="0"/>
+          <a:chExt cx="0" cy="0"/>
+        </a:xfrm>
+      </p:grpSpPr>
+      <p:sp>
+        <p:nvSpPr>
+          <p:cNvPr id="2" name="Slide Image Placeholder 1"/>
+          <p:cNvSpPr>
+            <a:spLocks noGrp="1" noRot="1" noChangeAspect="1"/>
+          </p:cNvSpPr>
+          <p:nvPr>
+            <p:ph type="sldImg"/>
+          </p:nvPr>
+        </p:nvSpPr>
+        <p:spPr/>
+      </p:sp>
+      <p:sp>
+        <p:nvSpPr>
+          <p:cNvPr id="3" name="Notes Placeholder 2"/>
+          <p:cNvSpPr>
+            <a:spLocks noGrp="1"/>
+          </p:cNvSpPr>
+          <p:nvPr>
+            <p:ph type="body" idx="1"/>
+          </p:nvPr>
+        </p:nvSpPr>
+        <p:spPr/>
+        <p:txBody>
+          <a:bodyPr/>
+          <a:lstStyle/>
+          <a:p>
+            <a:r>
+              <a:rPr lang="en-US" dirty="0" smtClean="0"/>
+              <a:t>Talk</a:t>
+            </a:r>
+            <a:r>
+              <a:rPr lang="en-US" baseline="0" dirty="0" smtClean="0"/>
+              <a:t> about attributes</a:t>
+            </a:r>
+            <a:endParaRPr lang="en-US" dirty="0"/>
+          </a:p>
+        </p:txBody>
+      </p:sp>
+      <p:sp>
+        <p:nvSpPr>
+          <p:cNvPr id="4" name="Slide Number Placeholder 3"/>
+          <p:cNvSpPr>
+            <a:spLocks noGrp="1"/>
+          </p:cNvSpPr>
+          <p:nvPr>
+            <p:ph type="sldNum" sz="quarter" idx="10"/>
+          </p:nvPr>
+        </p:nvSpPr>
+        <p:spPr/>
+        <p:txBody>
+          <a:bodyPr/>
+          <a:lstStyle/>
+          <a:p>
+            <a:fld id="{14FDEFAB-362E-6346-9103-5175FA327C56}" type="slidenum">
+              <a:rPr lang="en-US" smtClean="0"/>
+              <a:t>13</a:t>
+            </a:fld>
+            <a:endParaRPr lang="en-US"/>
+          </a:p>
+        </p:txBody>
+      </p:sp>
+    </p:spTree>
+    <p:extLst>
+      <p:ext uri="{BB962C8B-B14F-4D97-AF65-F5344CB8AC3E}">
+        <p14:creationId xmlns:p14="http://schemas.microsoft.com/office/powerpoint/2010/main" val="1271548297"/>
+      </p:ext>
+    </p:extLst>
+  </p:cSld>
+  <p:clrMapOvr>
+    <a:masterClrMapping/>
+  </p:clrMapOvr>
+</p:notes>
+</file>
+
+<file path=ppt/notesSlides/notesSlide13.xml><?xml version="1.0" encoding="utf-8"?>
+<p:notes xmlns:a="http://schemas.openxmlformats.org/drawingml/2006/main" xmlns:r="http://schemas.openxmlformats.org/officeDocument/2006/relationships" xmlns:p="http://schemas.openxmlformats.org/presentationml/2006/main">
+  <p:cSld>
+    <p:spTree>
+      <p:nvGrpSpPr>
+        <p:cNvPr id="1" name=""/>
+        <p:cNvGrpSpPr/>
+        <p:nvPr/>
+      </p:nvGrpSpPr>
+      <p:grpSpPr>
+        <a:xfrm>
+          <a:off x="0" y="0"/>
+          <a:ext cx="0" cy="0"/>
+          <a:chOff x="0" y="0"/>
+          <a:chExt cx="0" cy="0"/>
+        </a:xfrm>
+      </p:grpSpPr>
+      <p:sp>
+        <p:nvSpPr>
+          <p:cNvPr id="2" name="Slide Image Placeholder 1"/>
+          <p:cNvSpPr>
+            <a:spLocks noGrp="1" noRot="1" noChangeAspect="1"/>
+          </p:cNvSpPr>
+          <p:nvPr>
+            <p:ph type="sldImg"/>
+          </p:nvPr>
+        </p:nvSpPr>
+        <p:spPr/>
+      </p:sp>
+      <p:sp>
+        <p:nvSpPr>
+          <p:cNvPr id="3" name="Notes Placeholder 2"/>
+          <p:cNvSpPr>
+            <a:spLocks noGrp="1"/>
+          </p:cNvSpPr>
+          <p:nvPr>
+            <p:ph type="body" idx="1"/>
+          </p:nvPr>
+        </p:nvSpPr>
+        <p:spPr/>
+        <p:txBody>
+          <a:bodyPr/>
+          <a:lstStyle/>
+          <a:p>
+            <a:r>
+              <a:rPr lang="en-US" dirty="0" smtClean="0"/>
+              <a:t>Talk</a:t>
+            </a:r>
+            <a:r>
+              <a:rPr lang="en-US" baseline="0" dirty="0" smtClean="0"/>
+              <a:t> about attributes</a:t>
+            </a:r>
+            <a:endParaRPr lang="en-US" dirty="0"/>
+          </a:p>
+        </p:txBody>
+      </p:sp>
+      <p:sp>
+        <p:nvSpPr>
+          <p:cNvPr id="4" name="Slide Number Placeholder 3"/>
+          <p:cNvSpPr>
+            <a:spLocks noGrp="1"/>
+          </p:cNvSpPr>
+          <p:nvPr>
+            <p:ph type="sldNum" sz="quarter" idx="10"/>
+          </p:nvPr>
+        </p:nvSpPr>
+        <p:spPr/>
+        <p:txBody>
+          <a:bodyPr/>
+          <a:lstStyle/>
+          <a:p>
+            <a:fld id="{14FDEFAB-362E-6346-9103-5175FA327C56}" type="slidenum">
+              <a:rPr lang="en-US" smtClean="0"/>
+              <a:t>14</a:t>
+            </a:fld>
+            <a:endParaRPr lang="en-US"/>
+          </a:p>
+        </p:txBody>
+      </p:sp>
+    </p:spTree>
+    <p:extLst>
+      <p:ext uri="{BB962C8B-B14F-4D97-AF65-F5344CB8AC3E}">
+        <p14:creationId xmlns:p14="http://schemas.microsoft.com/office/powerpoint/2010/main" val="1271548297"/>
+      </p:ext>
+    </p:extLst>
+  </p:cSld>
+  <p:clrMapOvr>
+    <a:masterClrMapping/>
+  </p:clrMapOvr>
+</p:notes>
+</file>
+
+<file path=ppt/notesSlides/notesSlide14.xml><?xml version="1.0" encoding="utf-8"?>
+<p:notes xmlns:a="http://schemas.openxmlformats.org/drawingml/2006/main" xmlns:r="http://schemas.openxmlformats.org/officeDocument/2006/relationships" xmlns:p="http://schemas.openxmlformats.org/presentationml/2006/main">
+  <p:cSld>
+    <p:spTree>
+      <p:nvGrpSpPr>
+        <p:cNvPr id="1" name=""/>
+        <p:cNvGrpSpPr/>
+        <p:nvPr/>
+      </p:nvGrpSpPr>
+      <p:grpSpPr>
+        <a:xfrm>
+          <a:off x="0" y="0"/>
+          <a:ext cx="0" cy="0"/>
+          <a:chOff x="0" y="0"/>
+          <a:chExt cx="0" cy="0"/>
+        </a:xfrm>
+      </p:grpSpPr>
+      <p:sp>
+        <p:nvSpPr>
+          <p:cNvPr id="2" name="Slide Image Placeholder 1"/>
+          <p:cNvSpPr>
+            <a:spLocks noGrp="1" noRot="1" noChangeAspect="1"/>
+          </p:cNvSpPr>
+          <p:nvPr>
+            <p:ph type="sldImg"/>
+          </p:nvPr>
+        </p:nvSpPr>
+        <p:spPr/>
+      </p:sp>
+      <p:sp>
+        <p:nvSpPr>
+          <p:cNvPr id="3" name="Notes Placeholder 2"/>
+          <p:cNvSpPr>
+            <a:spLocks noGrp="1"/>
+          </p:cNvSpPr>
+          <p:nvPr>
+            <p:ph type="body" idx="1"/>
+          </p:nvPr>
+        </p:nvSpPr>
+        <p:spPr/>
+        <p:txBody>
+          <a:bodyPr/>
+          <a:lstStyle/>
+          <a:p>
+            <a:r>
+              <a:rPr lang="en-US" dirty="0" smtClean="0"/>
+              <a:t>Talk</a:t>
+            </a:r>
+            <a:r>
+              <a:rPr lang="en-US" baseline="0" dirty="0" smtClean="0"/>
+              <a:t> about attributes</a:t>
+            </a:r>
+            <a:endParaRPr lang="en-US" dirty="0"/>
+          </a:p>
+        </p:txBody>
+      </p:sp>
+      <p:sp>
+        <p:nvSpPr>
+          <p:cNvPr id="4" name="Slide Number Placeholder 3"/>
+          <p:cNvSpPr>
+            <a:spLocks noGrp="1"/>
+          </p:cNvSpPr>
+          <p:nvPr>
+            <p:ph type="sldNum" sz="quarter" idx="10"/>
+          </p:nvPr>
+        </p:nvSpPr>
+        <p:spPr/>
+        <p:txBody>
+          <a:bodyPr/>
+          <a:lstStyle/>
+          <a:p>
+            <a:fld id="{14FDEFAB-362E-6346-9103-5175FA327C56}" type="slidenum">
+              <a:rPr lang="en-US" smtClean="0"/>
+              <a:t>15</a:t>
+            </a:fld>
+            <a:endParaRPr lang="en-US"/>
+          </a:p>
+        </p:txBody>
+      </p:sp>
+    </p:spTree>
+    <p:extLst>
+      <p:ext uri="{BB962C8B-B14F-4D97-AF65-F5344CB8AC3E}">
+        <p14:creationId xmlns:p14="http://schemas.microsoft.com/office/powerpoint/2010/main" val="1271548297"/>
+      </p:ext>
+    </p:extLst>
+  </p:cSld>
+  <p:clrMapOvr>
+    <a:masterClrMapping/>
+  </p:clrMapOvr>
+</p:notes>
+</file>
+
+<file path=ppt/notesSlides/notesSlide15.xml><?xml version="1.0" encoding="utf-8"?>
+<p:notes xmlns:a="http://schemas.openxmlformats.org/drawingml/2006/main" xmlns:r="http://schemas.openxmlformats.org/officeDocument/2006/relationships" xmlns:p="http://schemas.openxmlformats.org/presentationml/2006/main">
+  <p:cSld>
+    <p:spTree>
+      <p:nvGrpSpPr>
+        <p:cNvPr id="1" name=""/>
+        <p:cNvGrpSpPr/>
+        <p:nvPr/>
+      </p:nvGrpSpPr>
+      <p:grpSpPr>
+        <a:xfrm>
+          <a:off x="0" y="0"/>
+          <a:ext cx="0" cy="0"/>
+          <a:chOff x="0" y="0"/>
+          <a:chExt cx="0" cy="0"/>
+        </a:xfrm>
+      </p:grpSpPr>
+      <p:sp>
+        <p:nvSpPr>
+          <p:cNvPr id="2" name="Slide Image Placeholder 1"/>
+          <p:cNvSpPr>
+            <a:spLocks noGrp="1" noRot="1" noChangeAspect="1"/>
+          </p:cNvSpPr>
+          <p:nvPr>
+            <p:ph type="sldImg"/>
+          </p:nvPr>
+        </p:nvSpPr>
+        <p:spPr/>
+      </p:sp>
+      <p:sp>
+        <p:nvSpPr>
+          <p:cNvPr id="3" name="Notes Placeholder 2"/>
+          <p:cNvSpPr>
+            <a:spLocks noGrp="1"/>
+          </p:cNvSpPr>
+          <p:nvPr>
+            <p:ph type="body" idx="1"/>
+          </p:nvPr>
+        </p:nvSpPr>
+        <p:spPr/>
+        <p:txBody>
+          <a:bodyPr/>
+          <a:lstStyle/>
+          <a:p>
+            <a:r>
+              <a:rPr lang="en-US" dirty="0" smtClean="0"/>
+              <a:t>Talk</a:t>
+            </a:r>
+            <a:r>
+              <a:rPr lang="en-US" baseline="0" dirty="0" smtClean="0"/>
+              <a:t> about attributes</a:t>
+            </a:r>
+            <a:endParaRPr lang="en-US" dirty="0"/>
+          </a:p>
+        </p:txBody>
+      </p:sp>
+      <p:sp>
+        <p:nvSpPr>
+          <p:cNvPr id="4" name="Slide Number Placeholder 3"/>
+          <p:cNvSpPr>
+            <a:spLocks noGrp="1"/>
+          </p:cNvSpPr>
+          <p:nvPr>
+            <p:ph type="sldNum" sz="quarter" idx="10"/>
+          </p:nvPr>
+        </p:nvSpPr>
+        <p:spPr/>
+        <p:txBody>
+          <a:bodyPr/>
+          <a:lstStyle/>
+          <a:p>
+            <a:fld id="{14FDEFAB-362E-6346-9103-5175FA327C56}" type="slidenum">
+              <a:rPr lang="en-US" smtClean="0"/>
+              <a:t>16</a:t>
+            </a:fld>
+            <a:endParaRPr lang="en-US"/>
+          </a:p>
+        </p:txBody>
+      </p:sp>
+    </p:spTree>
+    <p:extLst>
+      <p:ext uri="{BB962C8B-B14F-4D97-AF65-F5344CB8AC3E}">
+        <p14:creationId xmlns:p14="http://schemas.microsoft.com/office/powerpoint/2010/main" val="1271548297"/>
+      </p:ext>
+    </p:extLst>
+  </p:cSld>
+  <p:clrMapOvr>
+    <a:masterClrMapping/>
+  </p:clrMapOvr>
+</p:notes>
+</file>
+
+<file path=ppt/notesSlides/notesSlide16.xml><?xml version="1.0" encoding="utf-8"?>
+<p:notes xmlns:a="http://schemas.openxmlformats.org/drawingml/2006/main" xmlns:r="http://schemas.openxmlformats.org/officeDocument/2006/relationships" xmlns:p="http://schemas.openxmlformats.org/presentationml/2006/main">
+  <p:cSld>
+    <p:spTree>
+      <p:nvGrpSpPr>
+        <p:cNvPr id="1" name=""/>
+        <p:cNvGrpSpPr/>
+        <p:nvPr/>
+      </p:nvGrpSpPr>
+      <p:grpSpPr>
+        <a:xfrm>
+          <a:off x="0" y="0"/>
+          <a:ext cx="0" cy="0"/>
+          <a:chOff x="0" y="0"/>
+          <a:chExt cx="0" cy="0"/>
+        </a:xfrm>
+      </p:grpSpPr>
+      <p:sp>
+        <p:nvSpPr>
+          <p:cNvPr id="2" name="Slide Image Placeholder 1"/>
+          <p:cNvSpPr>
+            <a:spLocks noGrp="1" noRot="1" noChangeAspect="1"/>
+          </p:cNvSpPr>
+          <p:nvPr>
+            <p:ph type="sldImg"/>
+          </p:nvPr>
+        </p:nvSpPr>
+        <p:spPr/>
+      </p:sp>
+      <p:sp>
+        <p:nvSpPr>
+          <p:cNvPr id="3" name="Notes Placeholder 2"/>
+          <p:cNvSpPr>
+            <a:spLocks noGrp="1"/>
+          </p:cNvSpPr>
+          <p:nvPr>
+            <p:ph type="body" idx="1"/>
+          </p:nvPr>
+        </p:nvSpPr>
+        <p:spPr/>
+        <p:txBody>
+          <a:bodyPr/>
+          <a:lstStyle/>
+          <a:p>
+            <a:r>
+              <a:rPr lang="en-US" dirty="0" smtClean="0"/>
+              <a:t>Talk</a:t>
+            </a:r>
+            <a:r>
+              <a:rPr lang="en-US" baseline="0" dirty="0" smtClean="0"/>
+              <a:t> about attributes</a:t>
+            </a:r>
+            <a:endParaRPr lang="en-US" dirty="0"/>
+          </a:p>
+        </p:txBody>
+      </p:sp>
+      <p:sp>
+        <p:nvSpPr>
+          <p:cNvPr id="4" name="Slide Number Placeholder 3"/>
+          <p:cNvSpPr>
+            <a:spLocks noGrp="1"/>
+          </p:cNvSpPr>
+          <p:nvPr>
+            <p:ph type="sldNum" sz="quarter" idx="10"/>
+          </p:nvPr>
+        </p:nvSpPr>
+        <p:spPr/>
+        <p:txBody>
+          <a:bodyPr/>
+          <a:lstStyle/>
+          <a:p>
+            <a:fld id="{14FDEFAB-362E-6346-9103-5175FA327C56}" type="slidenum">
+              <a:rPr lang="en-US" smtClean="0"/>
+              <a:t>17</a:t>
+            </a:fld>
+            <a:endParaRPr lang="en-US"/>
+          </a:p>
+        </p:txBody>
+      </p:sp>
+    </p:spTree>
+    <p:extLst>
+      <p:ext uri="{BB962C8B-B14F-4D97-AF65-F5344CB8AC3E}">
+        <p14:creationId xmlns:p14="http://schemas.microsoft.com/office/powerpoint/2010/main" val="1271548297"/>
+      </p:ext>
+    </p:extLst>
+  </p:cSld>
+  <p:clrMapOvr>
+    <a:masterClrMapping/>
+  </p:clrMapOvr>
+</p:notes>
+</file>
+
+<file path=ppt/notesSlides/notesSlide17.xml><?xml version="1.0" encoding="utf-8"?>
+<p:notes xmlns:a="http://schemas.openxmlformats.org/drawingml/2006/main" xmlns:r="http://schemas.openxmlformats.org/officeDocument/2006/relationships" xmlns:p="http://schemas.openxmlformats.org/presentationml/2006/main">
+  <p:cSld>
+    <p:spTree>
+      <p:nvGrpSpPr>
+        <p:cNvPr id="1" name=""/>
+        <p:cNvGrpSpPr/>
+        <p:nvPr/>
+      </p:nvGrpSpPr>
+      <p:grpSpPr>
+        <a:xfrm>
+          <a:off x="0" y="0"/>
+          <a:ext cx="0" cy="0"/>
+          <a:chOff x="0" y="0"/>
+          <a:chExt cx="0" cy="0"/>
+        </a:xfrm>
+      </p:grpSpPr>
+      <p:sp>
+        <p:nvSpPr>
+          <p:cNvPr id="2" name="Slide Image Placeholder 1"/>
+          <p:cNvSpPr>
+            <a:spLocks noGrp="1" noRot="1" noChangeAspect="1"/>
+          </p:cNvSpPr>
+          <p:nvPr>
+            <p:ph type="sldImg"/>
+          </p:nvPr>
+        </p:nvSpPr>
+        <p:spPr/>
+      </p:sp>
+      <p:sp>
+        <p:nvSpPr>
+          <p:cNvPr id="3" name="Notes Placeholder 2"/>
+          <p:cNvSpPr>
+            <a:spLocks noGrp="1"/>
+          </p:cNvSpPr>
+          <p:nvPr>
+            <p:ph type="body" idx="1"/>
+          </p:nvPr>
+        </p:nvSpPr>
+        <p:spPr/>
+        <p:txBody>
+          <a:bodyPr/>
+          <a:lstStyle/>
+          <a:p>
+            <a:r>
+              <a:rPr lang="en-US" dirty="0" smtClean="0"/>
+              <a:t>Talk</a:t>
+            </a:r>
+            <a:r>
+              <a:rPr lang="en-US" baseline="0" dirty="0" smtClean="0"/>
+              <a:t> about attributes</a:t>
+            </a:r>
+            <a:endParaRPr lang="en-US" dirty="0"/>
+          </a:p>
+        </p:txBody>
+      </p:sp>
+      <p:sp>
+        <p:nvSpPr>
+          <p:cNvPr id="4" name="Slide Number Placeholder 3"/>
+          <p:cNvSpPr>
+            <a:spLocks noGrp="1"/>
+          </p:cNvSpPr>
+          <p:nvPr>
+            <p:ph type="sldNum" sz="quarter" idx="10"/>
+          </p:nvPr>
+        </p:nvSpPr>
+        <p:spPr/>
+        <p:txBody>
+          <a:bodyPr/>
+          <a:lstStyle/>
+          <a:p>
+            <a:fld id="{14FDEFAB-362E-6346-9103-5175FA327C56}" type="slidenum">
+              <a:rPr lang="en-US" smtClean="0"/>
+              <a:t>18</a:t>
+            </a:fld>
+            <a:endParaRPr lang="en-US"/>
+          </a:p>
+        </p:txBody>
+      </p:sp>
+    </p:spTree>
+    <p:extLst>
+      <p:ext uri="{BB962C8B-B14F-4D97-AF65-F5344CB8AC3E}">
+        <p14:creationId xmlns:p14="http://schemas.microsoft.com/office/powerpoint/2010/main" val="1271548297"/>
+      </p:ext>
+    </p:extLst>
+  </p:cSld>
+  <p:clrMapOvr>
+    <a:masterClrMapping/>
+  </p:clrMapOvr>
+</p:notes>
+</file>
+
+<file path=ppt/notesSlides/notesSlide18.xml><?xml version="1.0" encoding="utf-8"?>
+<p:notes xmlns:a="http://schemas.openxmlformats.org/drawingml/2006/main" xmlns:r="http://schemas.openxmlformats.org/officeDocument/2006/relationships" xmlns:p="http://schemas.openxmlformats.org/presentationml/2006/main">
+  <p:cSld>
+    <p:spTree>
+      <p:nvGrpSpPr>
+        <p:cNvPr id="1" name=""/>
+        <p:cNvGrpSpPr/>
+        <p:nvPr/>
+      </p:nvGrpSpPr>
+      <p:grpSpPr>
+        <a:xfrm>
+          <a:off x="0" y="0"/>
+          <a:ext cx="0" cy="0"/>
+          <a:chOff x="0" y="0"/>
+          <a:chExt cx="0" cy="0"/>
+        </a:xfrm>
+      </p:grpSpPr>
+      <p:sp>
+        <p:nvSpPr>
+          <p:cNvPr id="2" name="Slide Image Placeholder 1"/>
+          <p:cNvSpPr>
+            <a:spLocks noGrp="1" noRot="1" noChangeAspect="1"/>
+          </p:cNvSpPr>
+          <p:nvPr>
+            <p:ph type="sldImg"/>
+          </p:nvPr>
+        </p:nvSpPr>
+        <p:spPr/>
+      </p:sp>
+      <p:sp>
+        <p:nvSpPr>
+          <p:cNvPr id="3" name="Notes Placeholder 2"/>
+          <p:cNvSpPr>
+            <a:spLocks noGrp="1"/>
+          </p:cNvSpPr>
+          <p:nvPr>
+            <p:ph type="body" idx="1"/>
+          </p:nvPr>
+        </p:nvSpPr>
+        <p:spPr/>
+        <p:txBody>
+          <a:bodyPr/>
+          <a:lstStyle/>
+          <a:p>
+            <a:r>
+              <a:rPr lang="en-US" dirty="0" smtClean="0"/>
+              <a:t>Talk</a:t>
+            </a:r>
+            <a:r>
+              <a:rPr lang="en-US" baseline="0" dirty="0" smtClean="0"/>
+              <a:t> about attributes</a:t>
+            </a:r>
+            <a:endParaRPr lang="en-US" dirty="0"/>
+          </a:p>
+        </p:txBody>
+      </p:sp>
+      <p:sp>
+        <p:nvSpPr>
+          <p:cNvPr id="4" name="Slide Number Placeholder 3"/>
+          <p:cNvSpPr>
+            <a:spLocks noGrp="1"/>
+          </p:cNvSpPr>
+          <p:nvPr>
+            <p:ph type="sldNum" sz="quarter" idx="10"/>
+          </p:nvPr>
+        </p:nvSpPr>
+        <p:spPr/>
+        <p:txBody>
+          <a:bodyPr/>
+          <a:lstStyle/>
+          <a:p>
+            <a:fld id="{14FDEFAB-362E-6346-9103-5175FA327C56}" type="slidenum">
+              <a:rPr lang="en-US" smtClean="0"/>
+              <a:t>19</a:t>
             </a:fld>
             <a:endParaRPr lang="en-US"/>
           </a:p>
@@ -5401,7 +9401,7 @@
           <a:p>
             <a:r>
               <a:rPr lang="en-US" dirty="0" smtClean="0"/>
-              <a:t>Representation which uses a dictionary and simplifies full text abstracts grammar, and word order.  </a:t>
+              <a:t>Representation which uses a dictionary and simplifies full text. Removes grammar and word order.  </a:t>
             </a:r>
             <a:endParaRPr lang="en-US" dirty="0"/>
           </a:p>
@@ -5526,9 +9526,24 @@
           <a:p>
             <a:r>
               <a:rPr lang="en-US" dirty="0" smtClean="0"/>
-              <a:t>Representation which uses a dictionary and simplifies full text abstracts grammar, and word order.  </a:t>
-            </a:r>
-            <a:endParaRPr lang="en-US" dirty="0"/>
+              <a:t>Need a fast method of classifying with very high number of features</a:t>
+            </a:r>
+          </a:p>
+          <a:p>
+            <a:pPr lvl="1"/>
+            <a:r>
+              <a:rPr lang="en-US" dirty="0" err="1" smtClean="0"/>
+              <a:t>Vowpal</a:t>
+            </a:r>
+            <a:r>
+              <a:rPr lang="en-US" dirty="0" smtClean="0"/>
+              <a:t> </a:t>
+            </a:r>
+            <a:r>
+              <a:rPr lang="en-US" dirty="0" err="1" smtClean="0"/>
+              <a:t>Wabbit</a:t>
+            </a:r>
+            <a:endParaRPr lang="en-US" dirty="0" smtClean="0"/>
           </a:p>
         </p:txBody>
       </p:sp>
@@ -5554,7 +9569,7 @@
           <a:p>
             <a:r>
               <a:rPr lang="en-US" dirty="0" smtClean="0"/>
-              <a:t>Bag-of-words</a:t>
+              <a:t>Method</a:t>
             </a:r>
             <a:endParaRPr lang="en-US" dirty="0"/>
           </a:p>
@@ -5564,6 +9579,900 @@
     <p:extLst>
       <p:ext uri="{BB962C8B-B14F-4D97-AF65-F5344CB8AC3E}">
         <p14:creationId xmlns:p14="http://schemas.microsoft.com/office/powerpoint/2010/main" val="4103438211"/>
+      </p:ext>
+    </p:extLst>
+  </p:cSld>
+  <p:clrMapOvr>
+    <a:masterClrMapping/>
+  </p:clrMapOvr>
+  <p:timing>
+    <p:tnLst>
+      <p:par>
+        <p:cTn xmlns:p14="http://schemas.microsoft.com/office/powerpoint/2010/main" id="1" dur="indefinite" restart="never" nodeType="tmRoot"/>
+      </p:par>
+    </p:tnLst>
+  </p:timing>
+</p:sld>
+</file>
+
+<file path=ppt/slides/slide13.xml><?xml version="1.0" encoding="utf-8"?>
+<p:sld xmlns:a="http://schemas.openxmlformats.org/drawingml/2006/main" xmlns:r="http://schemas.openxmlformats.org/officeDocument/2006/relationships" xmlns:p="http://schemas.openxmlformats.org/presentationml/2006/main">
+  <p:cSld>
+    <p:spTree>
+      <p:nvGrpSpPr>
+        <p:cNvPr id="1" name=""/>
+        <p:cNvGrpSpPr/>
+        <p:nvPr/>
+      </p:nvGrpSpPr>
+      <p:grpSpPr>
+        <a:xfrm>
+          <a:off x="0" y="0"/>
+          <a:ext cx="0" cy="0"/>
+          <a:chOff x="0" y="0"/>
+          <a:chExt cx="0" cy="0"/>
+        </a:xfrm>
+      </p:grpSpPr>
+      <p:sp>
+        <p:nvSpPr>
+          <p:cNvPr id="3" name="Content Placeholder 2"/>
+          <p:cNvSpPr>
+            <a:spLocks noGrp="1"/>
+          </p:cNvSpPr>
+          <p:nvPr>
+            <p:ph idx="1"/>
+          </p:nvPr>
+        </p:nvSpPr>
+        <p:spPr>
+          <a:xfrm>
+            <a:off x="1253463" y="1258445"/>
+            <a:ext cx="6096000" cy="4664302"/>
+          </a:xfrm>
+        </p:spPr>
+        <p:txBody>
+          <a:bodyPr>
+            <a:normAutofit/>
+          </a:bodyPr>
+          <a:lstStyle/>
+          <a:p>
+            <a:r>
+              <a:rPr lang="en-US" dirty="0" smtClean="0"/>
+              <a:t>Linear learner which applies a gradient descent algorithm  </a:t>
+            </a:r>
+          </a:p>
+          <a:p>
+            <a:r>
+              <a:rPr lang="en-US" dirty="0" smtClean="0"/>
+              <a:t>Developed at Yahoo Research, then </a:t>
+            </a:r>
+            <a:r>
+              <a:rPr lang="en-US" dirty="0" err="1" smtClean="0"/>
+              <a:t>aqcuired</a:t>
+            </a:r>
+            <a:r>
+              <a:rPr lang="en-US" dirty="0" smtClean="0"/>
+              <a:t> by MSFT Research</a:t>
+            </a:r>
+          </a:p>
+          <a:p>
+            <a:r>
+              <a:rPr lang="en-US" dirty="0" smtClean="0"/>
+              <a:t>Used for quickly doing linear model machine learning </a:t>
+            </a:r>
+          </a:p>
+          <a:p>
+            <a:endParaRPr lang="en-US" dirty="0" smtClean="0"/>
+          </a:p>
+        </p:txBody>
+      </p:sp>
+      <p:sp>
+        <p:nvSpPr>
+          <p:cNvPr id="2" name="Title 1"/>
+          <p:cNvSpPr>
+            <a:spLocks noGrp="1"/>
+          </p:cNvSpPr>
+          <p:nvPr>
+            <p:ph type="title"/>
+          </p:nvPr>
+        </p:nvSpPr>
+        <p:spPr>
+          <a:xfrm>
+            <a:off x="685800" y="324710"/>
+            <a:ext cx="7543800" cy="914400"/>
+          </a:xfrm>
+        </p:spPr>
+        <p:txBody>
+          <a:bodyPr/>
+          <a:lstStyle/>
+          <a:p>
+            <a:r>
+              <a:rPr lang="en-US" dirty="0" err="1" smtClean="0"/>
+              <a:t>Vowpal</a:t>
+            </a:r>
+            <a:r>
+              <a:rPr lang="en-US" dirty="0" smtClean="0"/>
+              <a:t> </a:t>
+            </a:r>
+            <a:r>
+              <a:rPr lang="en-US" dirty="0" err="1" smtClean="0"/>
+              <a:t>Wabbit</a:t>
+            </a:r>
+            <a:endParaRPr lang="en-US" dirty="0"/>
+          </a:p>
+        </p:txBody>
+      </p:sp>
+    </p:spTree>
+    <p:extLst>
+      <p:ext uri="{BB962C8B-B14F-4D97-AF65-F5344CB8AC3E}">
+        <p14:creationId xmlns:p14="http://schemas.microsoft.com/office/powerpoint/2010/main" val="3105887405"/>
+      </p:ext>
+    </p:extLst>
+  </p:cSld>
+  <p:clrMapOvr>
+    <a:masterClrMapping/>
+  </p:clrMapOvr>
+  <p:timing>
+    <p:tnLst>
+      <p:par>
+        <p:cTn xmlns:p14="http://schemas.microsoft.com/office/powerpoint/2010/main" id="1" dur="indefinite" restart="never" nodeType="tmRoot"/>
+      </p:par>
+    </p:tnLst>
+  </p:timing>
+</p:sld>
+</file>
+
+<file path=ppt/slides/slide14.xml><?xml version="1.0" encoding="utf-8"?>
+<p:sld xmlns:a="http://schemas.openxmlformats.org/drawingml/2006/main" xmlns:r="http://schemas.openxmlformats.org/officeDocument/2006/relationships" xmlns:p="http://schemas.openxmlformats.org/presentationml/2006/main">
+  <p:cSld>
+    <p:spTree>
+      <p:nvGrpSpPr>
+        <p:cNvPr id="1" name=""/>
+        <p:cNvGrpSpPr/>
+        <p:nvPr/>
+      </p:nvGrpSpPr>
+      <p:grpSpPr>
+        <a:xfrm>
+          <a:off x="0" y="0"/>
+          <a:ext cx="0" cy="0"/>
+          <a:chOff x="0" y="0"/>
+          <a:chExt cx="0" cy="0"/>
+        </a:xfrm>
+      </p:grpSpPr>
+      <p:graphicFrame>
+        <p:nvGraphicFramePr>
+          <p:cNvPr id="4" name="Content Placeholder 3"/>
+          <p:cNvGraphicFramePr>
+            <a:graphicFrameLocks noGrp="1"/>
+          </p:cNvGraphicFramePr>
+          <p:nvPr>
+            <p:ph idx="1"/>
+            <p:extLst>
+              <p:ext uri="{D42A27DB-BD31-4B8C-83A1-F6EECF244321}">
+                <p14:modId xmlns:p14="http://schemas.microsoft.com/office/powerpoint/2010/main" val="3599990397"/>
+              </p:ext>
+            </p:extLst>
+          </p:nvPr>
+        </p:nvGraphicFramePr>
+        <p:xfrm>
+          <a:off x="-16450" y="1233294"/>
+          <a:ext cx="9160450" cy="5624705"/>
+        </p:xfrm>
+        <a:graphic>
+          <a:graphicData uri="http://schemas.openxmlformats.org/drawingml/2006/diagram">
+            <dgm:relIds xmlns:dgm="http://schemas.openxmlformats.org/drawingml/2006/diagram" xmlns:r="http://schemas.openxmlformats.org/officeDocument/2006/relationships" r:dm="rId3" r:lo="rId4" r:qs="rId5" r:cs="rId6"/>
+          </a:graphicData>
+        </a:graphic>
+      </p:graphicFrame>
+      <p:sp>
+        <p:nvSpPr>
+          <p:cNvPr id="2" name="Title 1"/>
+          <p:cNvSpPr>
+            <a:spLocks noGrp="1"/>
+          </p:cNvSpPr>
+          <p:nvPr>
+            <p:ph type="title"/>
+          </p:nvPr>
+        </p:nvSpPr>
+        <p:spPr>
+          <a:xfrm>
+            <a:off x="685800" y="324710"/>
+            <a:ext cx="7543800" cy="914400"/>
+          </a:xfrm>
+        </p:spPr>
+        <p:txBody>
+          <a:bodyPr/>
+          <a:lstStyle/>
+          <a:p>
+            <a:r>
+              <a:rPr lang="en-US" dirty="0" smtClean="0"/>
+              <a:t>Data / Process Flow	</a:t>
+            </a:r>
+            <a:endParaRPr lang="en-US" dirty="0"/>
+          </a:p>
+        </p:txBody>
+      </p:sp>
+    </p:spTree>
+    <p:extLst>
+      <p:ext uri="{BB962C8B-B14F-4D97-AF65-F5344CB8AC3E}">
+        <p14:creationId xmlns:p14="http://schemas.microsoft.com/office/powerpoint/2010/main" val="2570345080"/>
+      </p:ext>
+    </p:extLst>
+  </p:cSld>
+  <p:clrMapOvr>
+    <a:masterClrMapping/>
+  </p:clrMapOvr>
+  <p:timing>
+    <p:tnLst>
+      <p:par>
+        <p:cTn xmlns:p14="http://schemas.microsoft.com/office/powerpoint/2010/main" id="1" dur="indefinite" restart="never" nodeType="tmRoot"/>
+      </p:par>
+    </p:tnLst>
+  </p:timing>
+</p:sld>
+</file>
+
+<file path=ppt/slides/slide15.xml><?xml version="1.0" encoding="utf-8"?>
+<p:sld xmlns:a="http://schemas.openxmlformats.org/drawingml/2006/main" xmlns:r="http://schemas.openxmlformats.org/officeDocument/2006/relationships" xmlns:p="http://schemas.openxmlformats.org/presentationml/2006/main">
+  <p:cSld>
+    <p:spTree>
+      <p:nvGrpSpPr>
+        <p:cNvPr id="1" name=""/>
+        <p:cNvGrpSpPr/>
+        <p:nvPr/>
+      </p:nvGrpSpPr>
+      <p:grpSpPr>
+        <a:xfrm>
+          <a:off x="0" y="0"/>
+          <a:ext cx="0" cy="0"/>
+          <a:chOff x="0" y="0"/>
+          <a:chExt cx="0" cy="0"/>
+        </a:xfrm>
+      </p:grpSpPr>
+      <p:sp>
+        <p:nvSpPr>
+          <p:cNvPr id="2" name="Title 1"/>
+          <p:cNvSpPr>
+            <a:spLocks noGrp="1"/>
+          </p:cNvSpPr>
+          <p:nvPr>
+            <p:ph type="title"/>
+          </p:nvPr>
+        </p:nvSpPr>
+        <p:spPr>
+          <a:xfrm>
+            <a:off x="685800" y="324710"/>
+            <a:ext cx="7543800" cy="914400"/>
+          </a:xfrm>
+        </p:spPr>
+        <p:txBody>
+          <a:bodyPr/>
+          <a:lstStyle/>
+          <a:p>
+            <a:r>
+              <a:rPr lang="en-US" dirty="0" smtClean="0"/>
+              <a:t>Results</a:t>
+            </a:r>
+            <a:endParaRPr lang="en-US" dirty="0"/>
+          </a:p>
+        </p:txBody>
+      </p:sp>
+      <p:sp>
+        <p:nvSpPr>
+          <p:cNvPr id="3" name="Content Placeholder 2"/>
+          <p:cNvSpPr>
+            <a:spLocks noGrp="1"/>
+          </p:cNvSpPr>
+          <p:nvPr>
+            <p:ph idx="1"/>
+          </p:nvPr>
+        </p:nvSpPr>
+        <p:spPr/>
+        <p:txBody>
+          <a:bodyPr/>
+          <a:lstStyle/>
+          <a:p>
+            <a:r>
+              <a:rPr lang="en-US" dirty="0" smtClean="0"/>
+              <a:t>Output in the form of a </a:t>
+            </a:r>
+            <a:r>
+              <a:rPr lang="en-US" dirty="0" err="1" smtClean="0"/>
+              <a:t>csv</a:t>
+            </a:r>
+            <a:r>
+              <a:rPr lang="en-US" dirty="0" smtClean="0"/>
+              <a:t> with 2 columns, { ID, </a:t>
+            </a:r>
+            <a:r>
+              <a:rPr lang="en-US" dirty="0" err="1" smtClean="0"/>
+              <a:t>SalaryNormalized</a:t>
+            </a:r>
+            <a:r>
+              <a:rPr lang="en-US" dirty="0" smtClean="0"/>
+              <a:t> }</a:t>
+            </a:r>
+          </a:p>
+          <a:p>
+            <a:endParaRPr lang="en-US" dirty="0"/>
+          </a:p>
+          <a:p>
+            <a:r>
+              <a:rPr lang="en-US" dirty="0" err="1" smtClean="0"/>
+              <a:t>Kaggle</a:t>
+            </a:r>
+            <a:r>
+              <a:rPr lang="en-US" dirty="0" smtClean="0"/>
+              <a:t> Rankings</a:t>
+            </a:r>
+          </a:p>
+          <a:p>
+            <a:pPr lvl="1"/>
+            <a:r>
+              <a:rPr lang="en-US" dirty="0" smtClean="0"/>
+              <a:t>Measurement is </a:t>
+            </a:r>
+            <a:r>
+              <a:rPr lang="en-US" b="1" dirty="0" smtClean="0"/>
+              <a:t>MAE</a:t>
+            </a:r>
+          </a:p>
+          <a:p>
+            <a:pPr lvl="2"/>
+            <a:r>
+              <a:rPr lang="en-US" dirty="0" smtClean="0"/>
+              <a:t>Mean Absolute Error from the actual normalized salary.</a:t>
+            </a:r>
+            <a:endParaRPr lang="en-US" dirty="0"/>
+          </a:p>
+        </p:txBody>
+      </p:sp>
+    </p:spTree>
+    <p:extLst>
+      <p:ext uri="{BB962C8B-B14F-4D97-AF65-F5344CB8AC3E}">
+        <p14:creationId xmlns:p14="http://schemas.microsoft.com/office/powerpoint/2010/main" val="1952954731"/>
+      </p:ext>
+    </p:extLst>
+  </p:cSld>
+  <p:clrMapOvr>
+    <a:masterClrMapping/>
+  </p:clrMapOvr>
+  <p:timing>
+    <p:tnLst>
+      <p:par>
+        <p:cTn xmlns:p14="http://schemas.microsoft.com/office/powerpoint/2010/main" id="1" dur="indefinite" restart="never" nodeType="tmRoot"/>
+      </p:par>
+    </p:tnLst>
+  </p:timing>
+</p:sld>
+</file>
+
+<file path=ppt/slides/slide16.xml><?xml version="1.0" encoding="utf-8"?>
+<p:sld xmlns:a="http://schemas.openxmlformats.org/drawingml/2006/main" xmlns:r="http://schemas.openxmlformats.org/officeDocument/2006/relationships" xmlns:p="http://schemas.openxmlformats.org/presentationml/2006/main">
+  <p:cSld>
+    <p:spTree>
+      <p:nvGrpSpPr>
+        <p:cNvPr id="1" name=""/>
+        <p:cNvGrpSpPr/>
+        <p:nvPr/>
+      </p:nvGrpSpPr>
+      <p:grpSpPr>
+        <a:xfrm>
+          <a:off x="0" y="0"/>
+          <a:ext cx="0" cy="0"/>
+          <a:chOff x="0" y="0"/>
+          <a:chExt cx="0" cy="0"/>
+        </a:xfrm>
+      </p:grpSpPr>
+      <p:sp>
+        <p:nvSpPr>
+          <p:cNvPr id="2" name="Title 1"/>
+          <p:cNvSpPr>
+            <a:spLocks noGrp="1"/>
+          </p:cNvSpPr>
+          <p:nvPr>
+            <p:ph type="title"/>
+          </p:nvPr>
+        </p:nvSpPr>
+        <p:spPr>
+          <a:xfrm>
+            <a:off x="685800" y="324710"/>
+            <a:ext cx="7543800" cy="914400"/>
+          </a:xfrm>
+        </p:spPr>
+        <p:txBody>
+          <a:bodyPr/>
+          <a:lstStyle/>
+          <a:p>
+            <a:r>
+              <a:rPr lang="en-US" dirty="0" smtClean="0"/>
+              <a:t>Results</a:t>
+            </a:r>
+            <a:endParaRPr lang="en-US" dirty="0"/>
+          </a:p>
+        </p:txBody>
+      </p:sp>
+      <p:sp>
+        <p:nvSpPr>
+          <p:cNvPr id="3" name="Content Placeholder 2"/>
+          <p:cNvSpPr>
+            <a:spLocks noGrp="1"/>
+          </p:cNvSpPr>
+          <p:nvPr>
+            <p:ph idx="1"/>
+          </p:nvPr>
+        </p:nvSpPr>
+        <p:spPr/>
+        <p:txBody>
+          <a:bodyPr/>
+          <a:lstStyle/>
+          <a:p>
+            <a:r>
+              <a:rPr lang="en-US" dirty="0" smtClean="0"/>
+              <a:t>Performed multiple different attempts to lower the MAE</a:t>
+            </a:r>
+          </a:p>
+          <a:p>
+            <a:r>
+              <a:rPr lang="en-US" dirty="0" smtClean="0"/>
+              <a:t>Best result submitted was 6733.83 MAE</a:t>
+            </a:r>
+            <a:endParaRPr lang="en-US" dirty="0"/>
+          </a:p>
+        </p:txBody>
+      </p:sp>
+    </p:spTree>
+    <p:extLst>
+      <p:ext uri="{BB962C8B-B14F-4D97-AF65-F5344CB8AC3E}">
+        <p14:creationId xmlns:p14="http://schemas.microsoft.com/office/powerpoint/2010/main" val="4169079128"/>
+      </p:ext>
+    </p:extLst>
+  </p:cSld>
+  <p:clrMapOvr>
+    <a:masterClrMapping/>
+  </p:clrMapOvr>
+  <p:timing>
+    <p:tnLst>
+      <p:par>
+        <p:cTn xmlns:p14="http://schemas.microsoft.com/office/powerpoint/2010/main" id="1" dur="indefinite" restart="never" nodeType="tmRoot"/>
+      </p:par>
+    </p:tnLst>
+  </p:timing>
+</p:sld>
+</file>
+
+<file path=ppt/slides/slide17.xml><?xml version="1.0" encoding="utf-8"?>
+<p:sld xmlns:a="http://schemas.openxmlformats.org/drawingml/2006/main" xmlns:r="http://schemas.openxmlformats.org/officeDocument/2006/relationships" xmlns:p="http://schemas.openxmlformats.org/presentationml/2006/main">
+  <p:cSld>
+    <p:spTree>
+      <p:nvGrpSpPr>
+        <p:cNvPr id="1" name=""/>
+        <p:cNvGrpSpPr/>
+        <p:nvPr/>
+      </p:nvGrpSpPr>
+      <p:grpSpPr>
+        <a:xfrm>
+          <a:off x="0" y="0"/>
+          <a:ext cx="0" cy="0"/>
+          <a:chOff x="0" y="0"/>
+          <a:chExt cx="0" cy="0"/>
+        </a:xfrm>
+      </p:grpSpPr>
+      <p:sp>
+        <p:nvSpPr>
+          <p:cNvPr id="2" name="Title 1"/>
+          <p:cNvSpPr>
+            <a:spLocks noGrp="1"/>
+          </p:cNvSpPr>
+          <p:nvPr>
+            <p:ph type="title"/>
+          </p:nvPr>
+        </p:nvSpPr>
+        <p:spPr>
+          <a:xfrm>
+            <a:off x="685800" y="324710"/>
+            <a:ext cx="7543800" cy="914400"/>
+          </a:xfrm>
+        </p:spPr>
+        <p:txBody>
+          <a:bodyPr/>
+          <a:lstStyle/>
+          <a:p>
+            <a:r>
+              <a:rPr lang="en-US" dirty="0" smtClean="0"/>
+              <a:t>Results</a:t>
+            </a:r>
+            <a:endParaRPr lang="en-US" dirty="0"/>
+          </a:p>
+        </p:txBody>
+      </p:sp>
+      <p:graphicFrame>
+        <p:nvGraphicFramePr>
+          <p:cNvPr id="4" name="Content Placeholder 3"/>
+          <p:cNvGraphicFramePr>
+            <a:graphicFrameLocks noGrp="1"/>
+          </p:cNvGraphicFramePr>
+          <p:nvPr>
+            <p:ph idx="1"/>
+            <p:extLst>
+              <p:ext uri="{D42A27DB-BD31-4B8C-83A1-F6EECF244321}">
+                <p14:modId xmlns:p14="http://schemas.microsoft.com/office/powerpoint/2010/main" val="3908186449"/>
+              </p:ext>
+            </p:extLst>
+          </p:nvPr>
+        </p:nvGraphicFramePr>
+        <p:xfrm>
+          <a:off x="685800" y="2005559"/>
+          <a:ext cx="7543800" cy="1483360"/>
+        </p:xfrm>
+        <a:graphic>
+          <a:graphicData uri="http://schemas.openxmlformats.org/drawingml/2006/table">
+            <a:tbl>
+              <a:tblPr firstRow="1" bandRow="1">
+                <a:tableStyleId>{D03447BB-5D67-496B-8E87-E561075AD55C}</a:tableStyleId>
+              </a:tblPr>
+              <a:tblGrid>
+                <a:gridCol w="2514600"/>
+                <a:gridCol w="2514600"/>
+                <a:gridCol w="2514600"/>
+              </a:tblGrid>
+              <a:tr h="370840">
+                <a:tc>
+                  <a:txBody>
+                    <a:bodyPr/>
+                    <a:lstStyle/>
+                    <a:p>
+                      <a:r>
+                        <a:rPr lang="en-US" dirty="0" smtClean="0"/>
+                        <a:t>Free Text (description)</a:t>
+                      </a:r>
+                      <a:endParaRPr lang="en-US" dirty="0"/>
+                    </a:p>
+                  </a:txBody>
+                  <a:tcPr/>
+                </a:tc>
+                <a:tc>
+                  <a:txBody>
+                    <a:bodyPr/>
+                    <a:lstStyle/>
+                    <a:p>
+                      <a:r>
+                        <a:rPr lang="en-US" dirty="0" smtClean="0"/>
+                        <a:t>Logarithmic(MAE)</a:t>
+                      </a:r>
+                      <a:endParaRPr lang="en-US" dirty="0"/>
+                    </a:p>
+                  </a:txBody>
+                  <a:tcPr/>
+                </a:tc>
+                <a:tc>
+                  <a:txBody>
+                    <a:bodyPr/>
+                    <a:lstStyle/>
+                    <a:p>
+                      <a:r>
+                        <a:rPr lang="en-US" dirty="0" smtClean="0"/>
+                        <a:t>Square Root(MAE)</a:t>
+                      </a:r>
+                      <a:endParaRPr lang="en-US" dirty="0"/>
+                    </a:p>
+                  </a:txBody>
+                  <a:tcPr/>
+                </a:tc>
+              </a:tr>
+              <a:tr h="370840">
+                <a:tc>
+                  <a:txBody>
+                    <a:bodyPr/>
+                    <a:lstStyle/>
+                    <a:p>
+                      <a:r>
+                        <a:rPr lang="en-US" dirty="0" smtClean="0"/>
+                        <a:t>None</a:t>
+                      </a:r>
+                      <a:endParaRPr lang="en-US" dirty="0"/>
+                    </a:p>
+                  </a:txBody>
+                  <a:tcPr/>
+                </a:tc>
+                <a:tc>
+                  <a:txBody>
+                    <a:bodyPr/>
+                    <a:lstStyle/>
+                    <a:p>
+                      <a:r>
+                        <a:rPr lang="en-US" dirty="0" smtClean="0"/>
+                        <a:t>12172.17</a:t>
+                      </a:r>
+                      <a:endParaRPr lang="en-US" dirty="0"/>
+                    </a:p>
+                  </a:txBody>
+                  <a:tcPr/>
+                </a:tc>
+                <a:tc>
+                  <a:txBody>
+                    <a:bodyPr/>
+                    <a:lstStyle/>
+                    <a:p>
+                      <a:r>
+                        <a:rPr lang="en-US" dirty="0" smtClean="0"/>
+                        <a:t>13293.12</a:t>
+                      </a:r>
+                      <a:endParaRPr lang="en-US" dirty="0"/>
+                    </a:p>
+                  </a:txBody>
+                  <a:tcPr/>
+                </a:tc>
+              </a:tr>
+              <a:tr h="370840">
+                <a:tc>
+                  <a:txBody>
+                    <a:bodyPr/>
+                    <a:lstStyle/>
+                    <a:p>
+                      <a:r>
+                        <a:rPr lang="en-US" dirty="0" smtClean="0"/>
+                        <a:t>All</a:t>
+                      </a:r>
+                      <a:endParaRPr lang="en-US" dirty="0"/>
+                    </a:p>
+                  </a:txBody>
+                  <a:tcPr/>
+                </a:tc>
+                <a:tc>
+                  <a:txBody>
+                    <a:bodyPr/>
+                    <a:lstStyle/>
+                    <a:p>
+                      <a:r>
+                        <a:rPr lang="en-US" dirty="0" smtClean="0"/>
+                        <a:t>7350.44</a:t>
+                      </a:r>
+                      <a:endParaRPr lang="en-US" dirty="0"/>
+                    </a:p>
+                  </a:txBody>
+                  <a:tcPr/>
+                </a:tc>
+                <a:tc>
+                  <a:txBody>
+                    <a:bodyPr/>
+                    <a:lstStyle/>
+                    <a:p>
+                      <a:r>
+                        <a:rPr lang="en-US" dirty="0" smtClean="0"/>
+                        <a:t>6733.83</a:t>
+                      </a:r>
+                      <a:endParaRPr lang="en-US" dirty="0"/>
+                    </a:p>
+                  </a:txBody>
+                  <a:tcPr/>
+                </a:tc>
+              </a:tr>
+              <a:tr h="370840">
+                <a:tc>
+                  <a:txBody>
+                    <a:bodyPr/>
+                    <a:lstStyle/>
+                    <a:p>
+                      <a:r>
+                        <a:rPr lang="en-US" dirty="0" smtClean="0"/>
+                        <a:t>Keywords</a:t>
+                      </a:r>
+                      <a:endParaRPr lang="en-US" dirty="0"/>
+                    </a:p>
+                  </a:txBody>
+                  <a:tcPr/>
+                </a:tc>
+                <a:tc>
+                  <a:txBody>
+                    <a:bodyPr/>
+                    <a:lstStyle/>
+                    <a:p>
+                      <a:r>
+                        <a:rPr lang="en-US" dirty="0" smtClean="0"/>
+                        <a:t>8149.91</a:t>
+                      </a:r>
+                      <a:endParaRPr lang="en-US" dirty="0"/>
+                    </a:p>
+                  </a:txBody>
+                  <a:tcPr/>
+                </a:tc>
+                <a:tc>
+                  <a:txBody>
+                    <a:bodyPr/>
+                    <a:lstStyle/>
+                    <a:p>
+                      <a:r>
+                        <a:rPr lang="en-US" dirty="0" smtClean="0"/>
+                        <a:t>7744.84</a:t>
+                      </a:r>
+                      <a:endParaRPr lang="en-US" dirty="0"/>
+                    </a:p>
+                  </a:txBody>
+                  <a:tcPr/>
+                </a:tc>
+              </a:tr>
+            </a:tbl>
+          </a:graphicData>
+        </a:graphic>
+      </p:graphicFrame>
+    </p:spTree>
+    <p:extLst>
+      <p:ext uri="{BB962C8B-B14F-4D97-AF65-F5344CB8AC3E}">
+        <p14:creationId xmlns:p14="http://schemas.microsoft.com/office/powerpoint/2010/main" val="3259521222"/>
+      </p:ext>
+    </p:extLst>
+  </p:cSld>
+  <p:clrMapOvr>
+    <a:masterClrMapping/>
+  </p:clrMapOvr>
+  <p:timing>
+    <p:tnLst>
+      <p:par>
+        <p:cTn xmlns:p14="http://schemas.microsoft.com/office/powerpoint/2010/main" id="1" dur="indefinite" restart="never" nodeType="tmRoot"/>
+      </p:par>
+    </p:tnLst>
+  </p:timing>
+</p:sld>
+</file>
+
+<file path=ppt/slides/slide18.xml><?xml version="1.0" encoding="utf-8"?>
+<p:sld xmlns:a="http://schemas.openxmlformats.org/drawingml/2006/main" xmlns:r="http://schemas.openxmlformats.org/officeDocument/2006/relationships" xmlns:p="http://schemas.openxmlformats.org/presentationml/2006/main">
+  <p:cSld>
+    <p:spTree>
+      <p:nvGrpSpPr>
+        <p:cNvPr id="1" name=""/>
+        <p:cNvGrpSpPr/>
+        <p:nvPr/>
+      </p:nvGrpSpPr>
+      <p:grpSpPr>
+        <a:xfrm>
+          <a:off x="0" y="0"/>
+          <a:ext cx="0" cy="0"/>
+          <a:chOff x="0" y="0"/>
+          <a:chExt cx="0" cy="0"/>
+        </a:xfrm>
+      </p:grpSpPr>
+      <p:sp>
+        <p:nvSpPr>
+          <p:cNvPr id="2" name="Title 1"/>
+          <p:cNvSpPr>
+            <a:spLocks noGrp="1"/>
+          </p:cNvSpPr>
+          <p:nvPr>
+            <p:ph type="title"/>
+          </p:nvPr>
+        </p:nvSpPr>
+        <p:spPr>
+          <a:xfrm>
+            <a:off x="685800" y="324710"/>
+            <a:ext cx="7543800" cy="914400"/>
+          </a:xfrm>
+        </p:spPr>
+        <p:txBody>
+          <a:bodyPr/>
+          <a:lstStyle/>
+          <a:p>
+            <a:r>
+              <a:rPr lang="en-US" dirty="0" smtClean="0"/>
+              <a:t>Results</a:t>
+            </a:r>
+            <a:endParaRPr lang="en-US" dirty="0"/>
+          </a:p>
+        </p:txBody>
+      </p:sp>
+      <p:sp>
+        <p:nvSpPr>
+          <p:cNvPr id="3" name="Content Placeholder 2"/>
+          <p:cNvSpPr>
+            <a:spLocks noGrp="1"/>
+          </p:cNvSpPr>
+          <p:nvPr>
+            <p:ph idx="1"/>
+          </p:nvPr>
+        </p:nvSpPr>
+        <p:spPr/>
+        <p:txBody>
+          <a:bodyPr/>
+          <a:lstStyle/>
+          <a:p>
+            <a:r>
+              <a:rPr lang="en-US" dirty="0" smtClean="0"/>
+              <a:t>The result 6733.83 MAE scored a place of 102/285 teams on the leaderboards.</a:t>
+            </a:r>
+            <a:endParaRPr lang="en-US" dirty="0"/>
+          </a:p>
+        </p:txBody>
+      </p:sp>
+    </p:spTree>
+    <p:extLst>
+      <p:ext uri="{BB962C8B-B14F-4D97-AF65-F5344CB8AC3E}">
+        <p14:creationId xmlns:p14="http://schemas.microsoft.com/office/powerpoint/2010/main" val="1831782924"/>
+      </p:ext>
+    </p:extLst>
+  </p:cSld>
+  <p:clrMapOvr>
+    <a:masterClrMapping/>
+  </p:clrMapOvr>
+  <p:timing>
+    <p:tnLst>
+      <p:par>
+        <p:cTn xmlns:p14="http://schemas.microsoft.com/office/powerpoint/2010/main" id="1" dur="indefinite" restart="never" nodeType="tmRoot"/>
+      </p:par>
+    </p:tnLst>
+  </p:timing>
+</p:sld>
+</file>
+
+<file path=ppt/slides/slide19.xml><?xml version="1.0" encoding="utf-8"?>
+<p:sld xmlns:a="http://schemas.openxmlformats.org/drawingml/2006/main" xmlns:r="http://schemas.openxmlformats.org/officeDocument/2006/relationships" xmlns:p="http://schemas.openxmlformats.org/presentationml/2006/main">
+  <p:cSld>
+    <p:spTree>
+      <p:nvGrpSpPr>
+        <p:cNvPr id="1" name=""/>
+        <p:cNvGrpSpPr/>
+        <p:nvPr/>
+      </p:nvGrpSpPr>
+      <p:grpSpPr>
+        <a:xfrm>
+          <a:off x="0" y="0"/>
+          <a:ext cx="0" cy="0"/>
+          <a:chOff x="0" y="0"/>
+          <a:chExt cx="0" cy="0"/>
+        </a:xfrm>
+      </p:grpSpPr>
+      <p:sp>
+        <p:nvSpPr>
+          <p:cNvPr id="2" name="Title 1"/>
+          <p:cNvSpPr>
+            <a:spLocks noGrp="1"/>
+          </p:cNvSpPr>
+          <p:nvPr>
+            <p:ph type="title"/>
+          </p:nvPr>
+        </p:nvSpPr>
+        <p:spPr>
+          <a:xfrm>
+            <a:off x="685800" y="324710"/>
+            <a:ext cx="7543800" cy="914400"/>
+          </a:xfrm>
+        </p:spPr>
+        <p:txBody>
+          <a:bodyPr/>
+          <a:lstStyle/>
+          <a:p>
+            <a:r>
+              <a:rPr lang="en-US" dirty="0" smtClean="0"/>
+              <a:t>Questions?</a:t>
+            </a:r>
+            <a:endParaRPr lang="en-US" dirty="0"/>
+          </a:p>
+        </p:txBody>
+      </p:sp>
+      <p:sp>
+        <p:nvSpPr>
+          <p:cNvPr id="3" name="Content Placeholder 2"/>
+          <p:cNvSpPr>
+            <a:spLocks noGrp="1"/>
+          </p:cNvSpPr>
+          <p:nvPr>
+            <p:ph idx="1"/>
+          </p:nvPr>
+        </p:nvSpPr>
+        <p:spPr/>
+        <p:txBody>
+          <a:bodyPr/>
+          <a:lstStyle/>
+          <a:p>
+            <a:pPr marL="18288" indent="0">
+              <a:buNone/>
+            </a:pPr>
+            <a:endParaRPr lang="en-US" dirty="0"/>
+          </a:p>
+        </p:txBody>
+      </p:sp>
+    </p:spTree>
+    <p:extLst>
+      <p:ext uri="{BB962C8B-B14F-4D97-AF65-F5344CB8AC3E}">
+        <p14:creationId xmlns:p14="http://schemas.microsoft.com/office/powerpoint/2010/main" val="303230383"/>
       </p:ext>
     </p:extLst>
   </p:cSld>

--- a/presentation.pptx
+++ b/presentation.pptx
@@ -1105,10 +1105,24 @@
     <dgm:pt modelId="{FF1D8F2C-7729-414B-933C-789AA665DB74}" type="pres">
       <dgm:prSet presAssocID="{3F1ED324-4185-2448-B3F9-73678BC17CFF}" presName="sibTrans" presStyleLbl="sibTrans2D1" presStyleIdx="0" presStyleCnt="4"/>
       <dgm:spPr/>
+      <dgm:t>
+        <a:bodyPr/>
+        <a:lstStyle/>
+        <a:p>
+          <a:endParaRPr lang="en-US"/>
+        </a:p>
+      </dgm:t>
     </dgm:pt>
     <dgm:pt modelId="{D6BB6B03-51A2-174A-898E-0C739FB63056}" type="pres">
       <dgm:prSet presAssocID="{3F1ED324-4185-2448-B3F9-73678BC17CFF}" presName="connectorText" presStyleLbl="sibTrans2D1" presStyleIdx="0" presStyleCnt="4"/>
       <dgm:spPr/>
+      <dgm:t>
+        <a:bodyPr/>
+        <a:lstStyle/>
+        <a:p>
+          <a:endParaRPr lang="en-US"/>
+        </a:p>
+      </dgm:t>
     </dgm:pt>
     <dgm:pt modelId="{CA8D90C2-BA69-3744-A20C-0454CEB5BBA8}" type="pres">
       <dgm:prSet presAssocID="{C7ACAE0B-42D7-844C-9614-2C70059EE22A}" presName="node" presStyleLbl="node1" presStyleIdx="1" presStyleCnt="5" custScaleX="229298" custScaleY="186936" custLinFactX="21655" custLinFactY="-38523" custLinFactNeighborX="100000" custLinFactNeighborY="-100000">
@@ -1128,10 +1142,24 @@
     <dgm:pt modelId="{FF8EFEB4-B6C5-8146-8C69-10341F1046B6}" type="pres">
       <dgm:prSet presAssocID="{91A47F4F-9E33-8541-8F61-2D95090CFB0E}" presName="sibTrans" presStyleLbl="sibTrans2D1" presStyleIdx="1" presStyleCnt="4"/>
       <dgm:spPr/>
+      <dgm:t>
+        <a:bodyPr/>
+        <a:lstStyle/>
+        <a:p>
+          <a:endParaRPr lang="en-US"/>
+        </a:p>
+      </dgm:t>
     </dgm:pt>
     <dgm:pt modelId="{79C1617F-3B2A-E44F-A8E6-40883D43E8BD}" type="pres">
       <dgm:prSet presAssocID="{91A47F4F-9E33-8541-8F61-2D95090CFB0E}" presName="connectorText" presStyleLbl="sibTrans2D1" presStyleIdx="1" presStyleCnt="4"/>
       <dgm:spPr/>
+      <dgm:t>
+        <a:bodyPr/>
+        <a:lstStyle/>
+        <a:p>
+          <a:endParaRPr lang="en-US"/>
+        </a:p>
+      </dgm:t>
     </dgm:pt>
     <dgm:pt modelId="{5F447B3D-91D9-9641-AA91-BBFEA9D37B71}" type="pres">
       <dgm:prSet presAssocID="{98A25245-ED48-EC48-9D65-CF9F2451611C}" presName="node" presStyleLbl="node1" presStyleIdx="2" presStyleCnt="5" custScaleX="229298" custScaleY="186936" custLinFactX="64423" custLinFactY="-38523" custLinFactNeighborX="100000" custLinFactNeighborY="-100000">
@@ -1151,10 +1179,24 @@
     <dgm:pt modelId="{C3199361-0263-814C-9E55-2E5FE23350C2}" type="pres">
       <dgm:prSet presAssocID="{CD14BEA5-633A-D247-9086-DB784175D0FE}" presName="sibTrans" presStyleLbl="sibTrans2D1" presStyleIdx="2" presStyleCnt="4"/>
       <dgm:spPr/>
+      <dgm:t>
+        <a:bodyPr/>
+        <a:lstStyle/>
+        <a:p>
+          <a:endParaRPr lang="en-US"/>
+        </a:p>
+      </dgm:t>
     </dgm:pt>
     <dgm:pt modelId="{CF794C3E-5D81-D840-838D-C1182D94A585}" type="pres">
       <dgm:prSet presAssocID="{CD14BEA5-633A-D247-9086-DB784175D0FE}" presName="connectorText" presStyleLbl="sibTrans2D1" presStyleIdx="2" presStyleCnt="4"/>
       <dgm:spPr/>
+      <dgm:t>
+        <a:bodyPr/>
+        <a:lstStyle/>
+        <a:p>
+          <a:endParaRPr lang="en-US"/>
+        </a:p>
+      </dgm:t>
     </dgm:pt>
     <dgm:pt modelId="{D43DCB50-6D4B-0649-9DE1-F76C58773865}" type="pres">
       <dgm:prSet presAssocID="{8A4E21F5-AEE5-A646-86AF-416F2F799973}" presName="node" presStyleLbl="node1" presStyleIdx="3" presStyleCnt="5" custScaleX="229298" custScaleY="186936" custLinFactX="154935" custLinFactNeighborX="200000" custLinFactNeighborY="-10893">
@@ -1174,10 +1216,24 @@
     <dgm:pt modelId="{10F8498C-E24E-0F40-B316-2BDB8694A360}" type="pres">
       <dgm:prSet presAssocID="{611A041E-B663-3D41-AED2-662E98DA7FD3}" presName="sibTrans" presStyleLbl="sibTrans2D1" presStyleIdx="3" presStyleCnt="4"/>
       <dgm:spPr/>
+      <dgm:t>
+        <a:bodyPr/>
+        <a:lstStyle/>
+        <a:p>
+          <a:endParaRPr lang="en-US"/>
+        </a:p>
+      </dgm:t>
     </dgm:pt>
     <dgm:pt modelId="{4ED1294D-FA64-0643-BFB9-F8F2B19A73EA}" type="pres">
       <dgm:prSet presAssocID="{611A041E-B663-3D41-AED2-662E98DA7FD3}" presName="connectorText" presStyleLbl="sibTrans2D1" presStyleIdx="3" presStyleCnt="4"/>
       <dgm:spPr/>
+      <dgm:t>
+        <a:bodyPr/>
+        <a:lstStyle/>
+        <a:p>
+          <a:endParaRPr lang="en-US"/>
+        </a:p>
+      </dgm:t>
     </dgm:pt>
     <dgm:pt modelId="{5DB57F4E-E499-6F49-A9B3-1791519076CC}" type="pres">
       <dgm:prSet presAssocID="{4CB4D715-1902-ED41-A393-042F813D1064}" presName="node" presStyleLbl="node1" presStyleIdx="4" presStyleCnt="5" custScaleX="229298" custScaleY="186936" custLinFactX="-310005" custLinFactY="72097" custLinFactNeighborX="-400000" custLinFactNeighborY="100000">
@@ -1202,11 +1258,11 @@
     <dgm:cxn modelId="{E294FC66-E8EE-1A4D-BA34-1D17691DE4E3}" type="presOf" srcId="{91A47F4F-9E33-8541-8F61-2D95090CFB0E}" destId="{FF8EFEB4-B6C5-8146-8C69-10341F1046B6}" srcOrd="0" destOrd="0" presId="urn:microsoft.com/office/officeart/2005/8/layout/process1"/>
     <dgm:cxn modelId="{7FB37121-7956-CB41-8C34-BC3220812C29}" type="presOf" srcId="{3F1ED324-4185-2448-B3F9-73678BC17CFF}" destId="{D6BB6B03-51A2-174A-898E-0C739FB63056}" srcOrd="1" destOrd="0" presId="urn:microsoft.com/office/officeart/2005/8/layout/process1"/>
     <dgm:cxn modelId="{4F70B6E7-7119-104F-96F9-7BBA235A5AAB}" type="presOf" srcId="{98A25245-ED48-EC48-9D65-CF9F2451611C}" destId="{5F447B3D-91D9-9641-AA91-BBFEA9D37B71}" srcOrd="0" destOrd="0" presId="urn:microsoft.com/office/officeart/2005/8/layout/process1"/>
+    <dgm:cxn modelId="{6A7A7ACA-A326-3247-96C2-C39F5C0F2509}" type="presOf" srcId="{611A041E-B663-3D41-AED2-662E98DA7FD3}" destId="{4ED1294D-FA64-0643-BFB9-F8F2B19A73EA}" srcOrd="1" destOrd="0" presId="urn:microsoft.com/office/officeart/2005/8/layout/process1"/>
+    <dgm:cxn modelId="{95C2F015-2B2C-2C4A-88C0-F22E26F75FA7}" type="presOf" srcId="{4CB4D715-1902-ED41-A393-042F813D1064}" destId="{5DB57F4E-E499-6F49-A9B3-1791519076CC}" srcOrd="0" destOrd="0" presId="urn:microsoft.com/office/officeart/2005/8/layout/process1"/>
     <dgm:cxn modelId="{30507065-C8CA-B343-A4D4-68F8DB048DF8}" type="presOf" srcId="{C0492E5A-A9DD-0A45-A06C-84D7CA5ED048}" destId="{539E0DA5-C97E-7348-A8A8-21611334F2FB}" srcOrd="0" destOrd="0" presId="urn:microsoft.com/office/officeart/2005/8/layout/process1"/>
-    <dgm:cxn modelId="{95C2F015-2B2C-2C4A-88C0-F22E26F75FA7}" type="presOf" srcId="{4CB4D715-1902-ED41-A393-042F813D1064}" destId="{5DB57F4E-E499-6F49-A9B3-1791519076CC}" srcOrd="0" destOrd="0" presId="urn:microsoft.com/office/officeart/2005/8/layout/process1"/>
-    <dgm:cxn modelId="{6A7A7ACA-A326-3247-96C2-C39F5C0F2509}" type="presOf" srcId="{611A041E-B663-3D41-AED2-662E98DA7FD3}" destId="{4ED1294D-FA64-0643-BFB9-F8F2B19A73EA}" srcOrd="1" destOrd="0" presId="urn:microsoft.com/office/officeart/2005/8/layout/process1"/>
+    <dgm:cxn modelId="{1ECBF77B-35FF-9B4F-8FEA-145C93829473}" srcId="{E77F4731-5214-3E4A-BBFE-45921ECBCD1F}" destId="{C7ACAE0B-42D7-844C-9614-2C70059EE22A}" srcOrd="1" destOrd="0" parTransId="{592EBC40-8179-4F4D-87D5-AD9C3C8BD7F7}" sibTransId="{91A47F4F-9E33-8541-8F61-2D95090CFB0E}"/>
     <dgm:cxn modelId="{0F036EB9-BFB2-AF4B-AA2F-21BDB2676F6A}" type="presOf" srcId="{91A47F4F-9E33-8541-8F61-2D95090CFB0E}" destId="{79C1617F-3B2A-E44F-A8E6-40883D43E8BD}" srcOrd="1" destOrd="0" presId="urn:microsoft.com/office/officeart/2005/8/layout/process1"/>
-    <dgm:cxn modelId="{1ECBF77B-35FF-9B4F-8FEA-145C93829473}" srcId="{E77F4731-5214-3E4A-BBFE-45921ECBCD1F}" destId="{C7ACAE0B-42D7-844C-9614-2C70059EE22A}" srcOrd="1" destOrd="0" parTransId="{592EBC40-8179-4F4D-87D5-AD9C3C8BD7F7}" sibTransId="{91A47F4F-9E33-8541-8F61-2D95090CFB0E}"/>
     <dgm:cxn modelId="{B59055A9-072D-D040-B588-E881A8936DC3}" srcId="{E77F4731-5214-3E4A-BBFE-45921ECBCD1F}" destId="{4CB4D715-1902-ED41-A393-042F813D1064}" srcOrd="4" destOrd="0" parTransId="{4E1B9869-CABF-6A48-A60F-930580A2689C}" sibTransId="{1F48CD12-3482-9B45-BC10-8699953A05EE}"/>
     <dgm:cxn modelId="{0456711F-D280-B644-B21C-AD427571943A}" type="presOf" srcId="{C7ACAE0B-42D7-844C-9614-2C70059EE22A}" destId="{CA8D90C2-BA69-3744-A20C-0454CEB5BBA8}" srcOrd="0" destOrd="0" presId="urn:microsoft.com/office/officeart/2005/8/layout/process1"/>
     <dgm:cxn modelId="{ACB471E3-7B96-DE40-96FD-6D57C6A9B46C}" srcId="{E77F4731-5214-3E4A-BBFE-45921ECBCD1F}" destId="{C0492E5A-A9DD-0A45-A06C-84D7CA5ED048}" srcOrd="0" destOrd="0" parTransId="{78C56508-3C73-8842-93EF-D8FE71FB2556}" sibTransId="{3F1ED324-4185-2448-B3F9-73678BC17CFF}"/>
@@ -3559,7 +3615,7 @@
           <a:p>
             <a:fld id="{04BCC682-90BF-4B4E-BE8D-697423D0D978}" type="datetimeFigureOut">
               <a:rPr lang="en-US" smtClean="0"/>
-              <a:t>3/27/13</a:t>
+              <a:t>3/28/13</a:t>
             </a:fld>
             <a:endParaRPr lang="en-US"/>
           </a:p>
@@ -4521,11 +4577,30 @@
           <a:p>
             <a:r>
               <a:rPr lang="en-US" dirty="0" smtClean="0"/>
-              <a:t>Talk</a:t>
+              <a:t>We’ve learned that a dumber</a:t>
             </a:r>
             <a:r>
               <a:rPr lang="en-US" baseline="0" dirty="0" smtClean="0"/>
-              <a:t> about attributes</a:t>
+              <a:t> algorithm with more features is better than a clever algorithm with less data.</a:t>
+            </a:r>
+          </a:p>
+          <a:p>
+            <a:endParaRPr lang="en-US" baseline="0" dirty="0" smtClean="0"/>
+          </a:p>
+          <a:p>
+            <a:r>
+              <a:rPr lang="en-US" baseline="0" dirty="0" smtClean="0"/>
+              <a:t>Local == keywords in each bag of words field</a:t>
+            </a:r>
+          </a:p>
+          <a:p>
+            <a:r>
+              <a:rPr lang="en-US" baseline="0" dirty="0" smtClean="0"/>
+              <a:t>Global == top 500 keywords from every bag of words field in all </a:t>
+            </a:r>
+            <a:r>
+              <a:rPr lang="en-US" baseline="0" smtClean="0"/>
+              <a:t>training instances</a:t>
             </a:r>
             <a:endParaRPr lang="en-US" dirty="0"/>
           </a:p>
@@ -5734,7 +5809,7 @@
             <a:fld id="{23A271A1-F6D6-438B-A432-4747EE7ECD40}" type="datetimeFigureOut">
               <a:rPr lang="en-US" smtClean="0"/>
               <a:pPr algn="ctr" eaLnBrk="1" latinLnBrk="0" hangingPunct="1"/>
-              <a:t>3/27/13</a:t>
+              <a:t>3/28/13</a:t>
             </a:fld>
             <a:endParaRPr lang="en-US" sz="2000" dirty="0">
               <a:solidFill>
@@ -5916,7 +5991,7 @@
             <a:fld id="{23A271A1-F6D6-438B-A432-4747EE7ECD40}" type="datetimeFigureOut">
               <a:rPr lang="en-US" smtClean="0"/>
               <a:pPr eaLnBrk="1" latinLnBrk="0" hangingPunct="1"/>
-              <a:t>3/27/13</a:t>
+              <a:t>3/28/13</a:t>
             </a:fld>
             <a:endParaRPr lang="en-US"/>
           </a:p>
@@ -6094,7 +6169,7 @@
             <a:fld id="{23A271A1-F6D6-438B-A432-4747EE7ECD40}" type="datetimeFigureOut">
               <a:rPr lang="en-US" smtClean="0"/>
               <a:pPr eaLnBrk="1" latinLnBrk="0" hangingPunct="1"/>
-              <a:t>3/27/13</a:t>
+              <a:t>3/28/13</a:t>
             </a:fld>
             <a:endParaRPr lang="en-US" dirty="0"/>
           </a:p>
@@ -6262,7 +6337,7 @@
             <a:fld id="{23A271A1-F6D6-438B-A432-4747EE7ECD40}" type="datetimeFigureOut">
               <a:rPr lang="en-US" smtClean="0"/>
               <a:pPr eaLnBrk="1" latinLnBrk="0" hangingPunct="1"/>
-              <a:t>3/27/13</a:t>
+              <a:t>3/28/13</a:t>
             </a:fld>
             <a:endParaRPr lang="en-US" dirty="0"/>
           </a:p>
@@ -6526,7 +6601,7 @@
             <a:fld id="{23A271A1-F6D6-438B-A432-4747EE7ECD40}" type="datetimeFigureOut">
               <a:rPr lang="en-US" smtClean="0"/>
               <a:pPr eaLnBrk="1" latinLnBrk="0" hangingPunct="1"/>
-              <a:t>3/27/13</a:t>
+              <a:t>3/28/13</a:t>
             </a:fld>
             <a:endParaRPr lang="en-US"/>
           </a:p>
@@ -6674,7 +6749,7 @@
             <a:fld id="{23A271A1-F6D6-438B-A432-4747EE7ECD40}" type="datetimeFigureOut">
               <a:rPr lang="en-US" smtClean="0"/>
               <a:pPr eaLnBrk="1" latinLnBrk="0" hangingPunct="1"/>
-              <a:t>3/27/13</a:t>
+              <a:t>3/28/13</a:t>
             </a:fld>
             <a:endParaRPr lang="en-US"/>
           </a:p>
@@ -7328,7 +7403,7 @@
             <a:fld id="{23A271A1-F6D6-438B-A432-4747EE7ECD40}" type="datetimeFigureOut">
               <a:rPr lang="en-US" smtClean="0"/>
               <a:pPr eaLnBrk="1" latinLnBrk="0" hangingPunct="1"/>
-              <a:t>3/27/13</a:t>
+              <a:t>3/28/13</a:t>
             </a:fld>
             <a:endParaRPr lang="en-US"/>
           </a:p>
@@ -7445,7 +7520,7 @@
             <a:fld id="{23A271A1-F6D6-438B-A432-4747EE7ECD40}" type="datetimeFigureOut">
               <a:rPr lang="en-US" smtClean="0"/>
               <a:pPr eaLnBrk="1" latinLnBrk="0" hangingPunct="1"/>
-              <a:t>3/27/13</a:t>
+              <a:t>3/28/13</a:t>
             </a:fld>
             <a:endParaRPr lang="en-US"/>
           </a:p>
@@ -7542,7 +7617,7 @@
             <a:fld id="{23A271A1-F6D6-438B-A432-4747EE7ECD40}" type="datetimeFigureOut">
               <a:rPr lang="en-US" smtClean="0"/>
               <a:pPr eaLnBrk="1" latinLnBrk="0" hangingPunct="1"/>
-              <a:t>3/27/13</a:t>
+              <a:t>3/28/13</a:t>
             </a:fld>
             <a:endParaRPr lang="en-US"/>
           </a:p>
@@ -7839,7 +7914,7 @@
             <a:fld id="{23A271A1-F6D6-438B-A432-4747EE7ECD40}" type="datetimeFigureOut">
               <a:rPr lang="en-US" smtClean="0"/>
               <a:pPr eaLnBrk="1" latinLnBrk="0" hangingPunct="1"/>
-              <a:t>3/27/13</a:t>
+              <a:t>3/28/13</a:t>
             </a:fld>
             <a:endParaRPr lang="en-US"/>
           </a:p>
@@ -8165,7 +8240,7 @@
             <a:fld id="{23A271A1-F6D6-438B-A432-4747EE7ECD40}" type="datetimeFigureOut">
               <a:rPr lang="en-US" smtClean="0"/>
               <a:pPr eaLnBrk="1" latinLnBrk="0" hangingPunct="1"/>
-              <a:t>3/27/13</a:t>
+              <a:t>3/28/13</a:t>
             </a:fld>
             <a:endParaRPr lang="en-US"/>
           </a:p>
@@ -8626,7 +8701,7 @@
             <a:fld id="{23A271A1-F6D6-438B-A432-4747EE7ECD40}" type="datetimeFigureOut">
               <a:rPr lang="en-US" smtClean="0"/>
               <a:pPr eaLnBrk="1" latinLnBrk="0" hangingPunct="1"/>
-              <a:t>3/27/13</a:t>
+              <a:t>3/28/13</a:t>
             </a:fld>
             <a:endParaRPr lang="en-US" sz="1400" dirty="0">
               <a:solidFill>
@@ -9181,7 +9256,19 @@
             </a:r>
             <a:r>
               <a:rPr lang="en-US" dirty="0" smtClean="0"/>
-              <a:t> Job Salary prediction Competition</a:t>
+              <a:t> Job </a:t>
+            </a:r>
+            <a:r>
+              <a:rPr lang="en-US" smtClean="0"/>
+              <a:t>Salary </a:t>
+            </a:r>
+            <a:r>
+              <a:rPr lang="en-US" smtClean="0"/>
+              <a:t>Prediction </a:t>
+            </a:r>
+            <a:r>
+              <a:rPr lang="en-US" dirty="0" smtClean="0"/>
+              <a:t>Competition</a:t>
             </a:r>
             <a:endParaRPr lang="en-US" dirty="0"/>
           </a:p>
@@ -10094,14 +10181,14 @@
             <p:ph idx="1"/>
             <p:extLst>
               <p:ext uri="{D42A27DB-BD31-4B8C-83A1-F6EECF244321}">
-                <p14:modId xmlns:p14="http://schemas.microsoft.com/office/powerpoint/2010/main" val="3908186449"/>
+                <p14:modId xmlns:p14="http://schemas.microsoft.com/office/powerpoint/2010/main" val="435827138"/>
               </p:ext>
             </p:extLst>
           </p:nvPr>
         </p:nvGraphicFramePr>
         <p:xfrm>
           <a:off x="685800" y="2005559"/>
-          <a:ext cx="7543800" cy="1483360"/>
+          <a:ext cx="7543800" cy="1854200"/>
         </p:xfrm>
         <a:graphic>
           <a:graphicData uri="http://schemas.openxmlformats.org/drawingml/2006/table">
@@ -10254,7 +10341,7 @@
                     <a:p>
                       <a:r>
                         <a:rPr lang="en-US" dirty="0" smtClean="0"/>
-                        <a:t>Keywords</a:t>
+                        <a:t>Keywords (local)</a:t>
                       </a:r>
                       <a:endParaRPr lang="en-US" dirty="0"/>
                     </a:p>
@@ -10283,6 +10370,50 @@
                       <a:r>
                         <a:rPr lang="en-US" dirty="0" smtClean="0"/>
                         <a:t>7744.84</a:t>
+                      </a:r>
+                      <a:endParaRPr lang="en-US" dirty="0"/>
+                    </a:p>
+                  </a:txBody>
+                  <a:tcPr/>
+                </a:tc>
+              </a:tr>
+              <a:tr h="370840">
+                <a:tc>
+                  <a:txBody>
+                    <a:bodyPr/>
+                    <a:lstStyle/>
+                    <a:p>
+                      <a:r>
+                        <a:rPr lang="en-US" dirty="0" smtClean="0"/>
+                        <a:t>Keywords (global)</a:t>
+                      </a:r>
+                      <a:endParaRPr lang="en-US" dirty="0"/>
+                    </a:p>
+                  </a:txBody>
+                  <a:tcPr/>
+                </a:tc>
+                <a:tc>
+                  <a:txBody>
+                    <a:bodyPr/>
+                    <a:lstStyle/>
+                    <a:p>
+                      <a:r>
+                        <a:rPr lang="en-US" dirty="0" smtClean="0"/>
+                        <a:t>8360.31</a:t>
+                      </a:r>
+                      <a:endParaRPr lang="en-US" dirty="0"/>
+                    </a:p>
+                  </a:txBody>
+                  <a:tcPr/>
+                </a:tc>
+                <a:tc>
+                  <a:txBody>
+                    <a:bodyPr/>
+                    <a:lstStyle/>
+                    <a:p>
+                      <a:r>
+                        <a:rPr lang="en-US" dirty="0" smtClean="0"/>
+                        <a:t>8135.83</a:t>
                       </a:r>
                       <a:endParaRPr lang="en-US" dirty="0"/>
                     </a:p>
@@ -12091,7 +12222,7 @@
             <a:pPr lvl="1"/>
             <a:r>
               <a:rPr lang="en-US" dirty="0" smtClean="0"/>
-              <a:t>Over 240,000 training instances</a:t>
+              <a:t>Over 244,000 training instances</a:t>
             </a:r>
           </a:p>
           <a:p>
@@ -12827,6 +12958,36 @@
           </a:p>
         </p:txBody>
       </p:sp>
+      <p:pic>
+        <p:nvPicPr>
+          <p:cNvPr id="4" name="Picture 3" descr="Screen Shot 2013-03-28 at 12.51.30 PM.png"/>
+          <p:cNvPicPr>
+            <a:picLocks noChangeAspect="1"/>
+          </p:cNvPicPr>
+          <p:nvPr/>
+        </p:nvPicPr>
+        <p:blipFill>
+          <a:blip r:embed="rId3">
+            <a:extLst>
+              <a:ext uri="{28A0092B-C50C-407E-A947-70E740481C1C}">
+                <a14:useLocalDpi xmlns:a14="http://schemas.microsoft.com/office/drawing/2010/main" val="0"/>
+              </a:ext>
+            </a:extLst>
+          </a:blip>
+          <a:stretch>
+            <a:fillRect/>
+          </a:stretch>
+        </p:blipFill>
+        <p:spPr>
+          <a:xfrm>
+            <a:off x="3429000" y="3406712"/>
+            <a:ext cx="2286000" cy="2768600"/>
+          </a:xfrm>
+          <a:prstGeom prst="rect">
+            <a:avLst/>
+          </a:prstGeom>
+        </p:spPr>
+      </p:pic>
     </p:spTree>
     <p:extLst>
       <p:ext uri="{BB962C8B-B14F-4D97-AF65-F5344CB8AC3E}">
